--- a/National/chadwick materials/bard_draft1.pptx
+++ b/National/chadwick materials/bard_draft1.pptx
@@ -2,12 +2,36 @@
 <file path=ppt/presentation.xml><?xml version="1.0" encoding="utf-8"?>
 <p:presentation xmlns:a="http://schemas.openxmlformats.org/drawingml/2006/main" xmlns:r="http://schemas.openxmlformats.org/officeDocument/2006/relationships" xmlns:p="http://schemas.openxmlformats.org/presentationml/2006/main" saveSubsetFonts="1">
   <p:sldMasterIdLst>
-    <p:sldMasterId id="2147483648" r:id="rId1"/>
+    <p:sldMasterId id="2147483660" r:id="rId1"/>
   </p:sldMasterIdLst>
+  <p:notesMasterIdLst>
+    <p:notesMasterId r:id="rId26"/>
+  </p:notesMasterIdLst>
   <p:sldIdLst>
     <p:sldId id="256" r:id="rId2"/>
-    <p:sldId id="258" r:id="rId3"/>
-    <p:sldId id="257" r:id="rId4"/>
+    <p:sldId id="260" r:id="rId3"/>
+    <p:sldId id="266" r:id="rId4"/>
+    <p:sldId id="265" r:id="rId5"/>
+    <p:sldId id="258" r:id="rId6"/>
+    <p:sldId id="261" r:id="rId7"/>
+    <p:sldId id="262" r:id="rId8"/>
+    <p:sldId id="268" r:id="rId9"/>
+    <p:sldId id="269" r:id="rId10"/>
+    <p:sldId id="273" r:id="rId11"/>
+    <p:sldId id="274" r:id="rId12"/>
+    <p:sldId id="267" r:id="rId13"/>
+    <p:sldId id="278" r:id="rId14"/>
+    <p:sldId id="277" r:id="rId15"/>
+    <p:sldId id="281" r:id="rId16"/>
+    <p:sldId id="280" r:id="rId17"/>
+    <p:sldId id="271" r:id="rId18"/>
+    <p:sldId id="279" r:id="rId19"/>
+    <p:sldId id="283" r:id="rId20"/>
+    <p:sldId id="284" r:id="rId21"/>
+    <p:sldId id="285" r:id="rId22"/>
+    <p:sldId id="282" r:id="rId23"/>
+    <p:sldId id="286" r:id="rId24"/>
+    <p:sldId id="287" r:id="rId25"/>
   </p:sldIdLst>
   <p:sldSz cx="9144000" cy="6858000" type="screen4x3"/>
   <p:notesSz cx="6858000" cy="9144000"/>
@@ -109,6 +133,1584 @@
 </p:presentation>
 </file>
 
+<file path=ppt/notesMasters/notesMaster1.xml><?xml version="1.0" encoding="utf-8"?>
+<p:notesMaster xmlns:a="http://schemas.openxmlformats.org/drawingml/2006/main" xmlns:r="http://schemas.openxmlformats.org/officeDocument/2006/relationships" xmlns:p="http://schemas.openxmlformats.org/presentationml/2006/main">
+  <p:cSld>
+    <p:bg>
+      <p:bgRef idx="1001">
+        <a:schemeClr val="bg1"/>
+      </p:bgRef>
+    </p:bg>
+    <p:spTree>
+      <p:nvGrpSpPr>
+        <p:cNvPr id="1" name=""/>
+        <p:cNvGrpSpPr/>
+        <p:nvPr/>
+      </p:nvGrpSpPr>
+      <p:grpSpPr>
+        <a:xfrm>
+          <a:off x="0" y="0"/>
+          <a:ext cx="0" cy="0"/>
+          <a:chOff x="0" y="0"/>
+          <a:chExt cx="0" cy="0"/>
+        </a:xfrm>
+      </p:grpSpPr>
+      <p:sp>
+        <p:nvSpPr>
+          <p:cNvPr id="2" name="Header Placeholder 1"/>
+          <p:cNvSpPr>
+            <a:spLocks noGrp="1"/>
+          </p:cNvSpPr>
+          <p:nvPr>
+            <p:ph type="hdr" sz="quarter"/>
+          </p:nvPr>
+        </p:nvSpPr>
+        <p:spPr>
+          <a:xfrm>
+            <a:off x="0" y="0"/>
+            <a:ext cx="2971800" cy="457200"/>
+          </a:xfrm>
+          <a:prstGeom prst="rect">
+            <a:avLst/>
+          </a:prstGeom>
+        </p:spPr>
+        <p:txBody>
+          <a:bodyPr vert="horz" lIns="91440" tIns="45720" rIns="91440" bIns="45720" rtlCol="0"/>
+          <a:lstStyle>
+            <a:lvl1pPr algn="l">
+              <a:defRPr sz="1200"/>
+            </a:lvl1pPr>
+          </a:lstStyle>
+          <a:p>
+            <a:endParaRPr lang="en-US"/>
+          </a:p>
+        </p:txBody>
+      </p:sp>
+      <p:sp>
+        <p:nvSpPr>
+          <p:cNvPr id="3" name="Date Placeholder 2"/>
+          <p:cNvSpPr>
+            <a:spLocks noGrp="1"/>
+          </p:cNvSpPr>
+          <p:nvPr>
+            <p:ph type="dt" idx="1"/>
+          </p:nvPr>
+        </p:nvSpPr>
+        <p:spPr>
+          <a:xfrm>
+            <a:off x="3884613" y="0"/>
+            <a:ext cx="2971800" cy="457200"/>
+          </a:xfrm>
+          <a:prstGeom prst="rect">
+            <a:avLst/>
+          </a:prstGeom>
+        </p:spPr>
+        <p:txBody>
+          <a:bodyPr vert="horz" lIns="91440" tIns="45720" rIns="91440" bIns="45720" rtlCol="0"/>
+          <a:lstStyle>
+            <a:lvl1pPr algn="r">
+              <a:defRPr sz="1200"/>
+            </a:lvl1pPr>
+          </a:lstStyle>
+          <a:p>
+            <a:fld id="{9B99EA8E-9616-46E9-9BA2-9C8E8802463E}" type="datetimeFigureOut">
+              <a:rPr lang="en-US" smtClean="0"/>
+              <a:t>1/30/2013</a:t>
+            </a:fld>
+            <a:endParaRPr lang="en-US"/>
+          </a:p>
+        </p:txBody>
+      </p:sp>
+      <p:sp>
+        <p:nvSpPr>
+          <p:cNvPr id="4" name="Slide Image Placeholder 3"/>
+          <p:cNvSpPr>
+            <a:spLocks noGrp="1" noRot="1" noChangeAspect="1"/>
+          </p:cNvSpPr>
+          <p:nvPr>
+            <p:ph type="sldImg" idx="2"/>
+          </p:nvPr>
+        </p:nvSpPr>
+        <p:spPr>
+          <a:xfrm>
+            <a:off x="1143000" y="685800"/>
+            <a:ext cx="4572000" cy="3429000"/>
+          </a:xfrm>
+          <a:prstGeom prst="rect">
+            <a:avLst/>
+          </a:prstGeom>
+          <a:noFill/>
+          <a:ln w="12700">
+            <a:solidFill>
+              <a:prstClr val="black"/>
+            </a:solidFill>
+          </a:ln>
+        </p:spPr>
+        <p:txBody>
+          <a:bodyPr vert="horz" lIns="91440" tIns="45720" rIns="91440" bIns="45720" rtlCol="0" anchor="ctr"/>
+          <a:lstStyle/>
+          <a:p>
+            <a:endParaRPr lang="en-US"/>
+          </a:p>
+        </p:txBody>
+      </p:sp>
+      <p:sp>
+        <p:nvSpPr>
+          <p:cNvPr id="5" name="Notes Placeholder 4"/>
+          <p:cNvSpPr>
+            <a:spLocks noGrp="1"/>
+          </p:cNvSpPr>
+          <p:nvPr>
+            <p:ph type="body" sz="quarter" idx="3"/>
+          </p:nvPr>
+        </p:nvSpPr>
+        <p:spPr>
+          <a:xfrm>
+            <a:off x="685800" y="4343400"/>
+            <a:ext cx="5486400" cy="4114800"/>
+          </a:xfrm>
+          <a:prstGeom prst="rect">
+            <a:avLst/>
+          </a:prstGeom>
+        </p:spPr>
+        <p:txBody>
+          <a:bodyPr vert="horz" lIns="91440" tIns="45720" rIns="91440" bIns="45720" rtlCol="0"/>
+          <a:lstStyle/>
+          <a:p>
+            <a:pPr lvl="0"/>
+            <a:r>
+              <a:rPr lang="en-US" smtClean="0"/>
+              <a:t>Click to edit Master text styles</a:t>
+            </a:r>
+          </a:p>
+          <a:p>
+            <a:pPr lvl="1"/>
+            <a:r>
+              <a:rPr lang="en-US" smtClean="0"/>
+              <a:t>Second level</a:t>
+            </a:r>
+          </a:p>
+          <a:p>
+            <a:pPr lvl="2"/>
+            <a:r>
+              <a:rPr lang="en-US" smtClean="0"/>
+              <a:t>Third level</a:t>
+            </a:r>
+          </a:p>
+          <a:p>
+            <a:pPr lvl="3"/>
+            <a:r>
+              <a:rPr lang="en-US" smtClean="0"/>
+              <a:t>Fourth level</a:t>
+            </a:r>
+          </a:p>
+          <a:p>
+            <a:pPr lvl="4"/>
+            <a:r>
+              <a:rPr lang="en-US" smtClean="0"/>
+              <a:t>Fifth level</a:t>
+            </a:r>
+            <a:endParaRPr lang="en-US"/>
+          </a:p>
+        </p:txBody>
+      </p:sp>
+      <p:sp>
+        <p:nvSpPr>
+          <p:cNvPr id="6" name="Footer Placeholder 5"/>
+          <p:cNvSpPr>
+            <a:spLocks noGrp="1"/>
+          </p:cNvSpPr>
+          <p:nvPr>
+            <p:ph type="ftr" sz="quarter" idx="4"/>
+          </p:nvPr>
+        </p:nvSpPr>
+        <p:spPr>
+          <a:xfrm>
+            <a:off x="0" y="8685213"/>
+            <a:ext cx="2971800" cy="457200"/>
+          </a:xfrm>
+          <a:prstGeom prst="rect">
+            <a:avLst/>
+          </a:prstGeom>
+        </p:spPr>
+        <p:txBody>
+          <a:bodyPr vert="horz" lIns="91440" tIns="45720" rIns="91440" bIns="45720" rtlCol="0" anchor="b"/>
+          <a:lstStyle>
+            <a:lvl1pPr algn="l">
+              <a:defRPr sz="1200"/>
+            </a:lvl1pPr>
+          </a:lstStyle>
+          <a:p>
+            <a:endParaRPr lang="en-US"/>
+          </a:p>
+        </p:txBody>
+      </p:sp>
+      <p:sp>
+        <p:nvSpPr>
+          <p:cNvPr id="7" name="Slide Number Placeholder 6"/>
+          <p:cNvSpPr>
+            <a:spLocks noGrp="1"/>
+          </p:cNvSpPr>
+          <p:nvPr>
+            <p:ph type="sldNum" sz="quarter" idx="5"/>
+          </p:nvPr>
+        </p:nvSpPr>
+        <p:spPr>
+          <a:xfrm>
+            <a:off x="3884613" y="8685213"/>
+            <a:ext cx="2971800" cy="457200"/>
+          </a:xfrm>
+          <a:prstGeom prst="rect">
+            <a:avLst/>
+          </a:prstGeom>
+        </p:spPr>
+        <p:txBody>
+          <a:bodyPr vert="horz" lIns="91440" tIns="45720" rIns="91440" bIns="45720" rtlCol="0" anchor="b"/>
+          <a:lstStyle>
+            <a:lvl1pPr algn="r">
+              <a:defRPr sz="1200"/>
+            </a:lvl1pPr>
+          </a:lstStyle>
+          <a:p>
+            <a:fld id="{70DB5E9C-D3F2-437D-B37A-4DD046C4C087}" type="slidenum">
+              <a:rPr lang="en-US" smtClean="0"/>
+              <a:t>‹#›</a:t>
+            </a:fld>
+            <a:endParaRPr lang="en-US"/>
+          </a:p>
+        </p:txBody>
+      </p:sp>
+    </p:spTree>
+    <p:extLst>
+      <p:ext uri="{BB962C8B-B14F-4D97-AF65-F5344CB8AC3E}">
+        <p14:creationId xmlns:p14="http://schemas.microsoft.com/office/powerpoint/2010/main" val="2667589715"/>
+      </p:ext>
+    </p:extLst>
+  </p:cSld>
+  <p:clrMap bg1="lt1" tx1="dk1" bg2="lt2" tx2="dk2" accent1="accent1" accent2="accent2" accent3="accent3" accent4="accent4" accent5="accent5" accent6="accent6" hlink="hlink" folHlink="folHlink"/>
+  <p:notesStyle>
+    <a:lvl1pPr marL="0" algn="l" defTabSz="914400" rtl="0" eaLnBrk="1" latinLnBrk="0" hangingPunct="1">
+      <a:defRPr sz="1200" kern="1200">
+        <a:solidFill>
+          <a:schemeClr val="tx1"/>
+        </a:solidFill>
+        <a:latin typeface="+mn-lt"/>
+        <a:ea typeface="+mn-ea"/>
+        <a:cs typeface="+mn-cs"/>
+      </a:defRPr>
+    </a:lvl1pPr>
+    <a:lvl2pPr marL="457200" algn="l" defTabSz="914400" rtl="0" eaLnBrk="1" latinLnBrk="0" hangingPunct="1">
+      <a:defRPr sz="1200" kern="1200">
+        <a:solidFill>
+          <a:schemeClr val="tx1"/>
+        </a:solidFill>
+        <a:latin typeface="+mn-lt"/>
+        <a:ea typeface="+mn-ea"/>
+        <a:cs typeface="+mn-cs"/>
+      </a:defRPr>
+    </a:lvl2pPr>
+    <a:lvl3pPr marL="914400" algn="l" defTabSz="914400" rtl="0" eaLnBrk="1" latinLnBrk="0" hangingPunct="1">
+      <a:defRPr sz="1200" kern="1200">
+        <a:solidFill>
+          <a:schemeClr val="tx1"/>
+        </a:solidFill>
+        <a:latin typeface="+mn-lt"/>
+        <a:ea typeface="+mn-ea"/>
+        <a:cs typeface="+mn-cs"/>
+      </a:defRPr>
+    </a:lvl3pPr>
+    <a:lvl4pPr marL="1371600" algn="l" defTabSz="914400" rtl="0" eaLnBrk="1" latinLnBrk="0" hangingPunct="1">
+      <a:defRPr sz="1200" kern="1200">
+        <a:solidFill>
+          <a:schemeClr val="tx1"/>
+        </a:solidFill>
+        <a:latin typeface="+mn-lt"/>
+        <a:ea typeface="+mn-ea"/>
+        <a:cs typeface="+mn-cs"/>
+      </a:defRPr>
+    </a:lvl4pPr>
+    <a:lvl5pPr marL="1828800" algn="l" defTabSz="914400" rtl="0" eaLnBrk="1" latinLnBrk="0" hangingPunct="1">
+      <a:defRPr sz="1200" kern="1200">
+        <a:solidFill>
+          <a:schemeClr val="tx1"/>
+        </a:solidFill>
+        <a:latin typeface="+mn-lt"/>
+        <a:ea typeface="+mn-ea"/>
+        <a:cs typeface="+mn-cs"/>
+      </a:defRPr>
+    </a:lvl5pPr>
+    <a:lvl6pPr marL="2286000" algn="l" defTabSz="914400" rtl="0" eaLnBrk="1" latinLnBrk="0" hangingPunct="1">
+      <a:defRPr sz="1200" kern="1200">
+        <a:solidFill>
+          <a:schemeClr val="tx1"/>
+        </a:solidFill>
+        <a:latin typeface="+mn-lt"/>
+        <a:ea typeface="+mn-ea"/>
+        <a:cs typeface="+mn-cs"/>
+      </a:defRPr>
+    </a:lvl6pPr>
+    <a:lvl7pPr marL="2743200" algn="l" defTabSz="914400" rtl="0" eaLnBrk="1" latinLnBrk="0" hangingPunct="1">
+      <a:defRPr sz="1200" kern="1200">
+        <a:solidFill>
+          <a:schemeClr val="tx1"/>
+        </a:solidFill>
+        <a:latin typeface="+mn-lt"/>
+        <a:ea typeface="+mn-ea"/>
+        <a:cs typeface="+mn-cs"/>
+      </a:defRPr>
+    </a:lvl7pPr>
+    <a:lvl8pPr marL="3200400" algn="l" defTabSz="914400" rtl="0" eaLnBrk="1" latinLnBrk="0" hangingPunct="1">
+      <a:defRPr sz="1200" kern="1200">
+        <a:solidFill>
+          <a:schemeClr val="tx1"/>
+        </a:solidFill>
+        <a:latin typeface="+mn-lt"/>
+        <a:ea typeface="+mn-ea"/>
+        <a:cs typeface="+mn-cs"/>
+      </a:defRPr>
+    </a:lvl8pPr>
+    <a:lvl9pPr marL="3657600" algn="l" defTabSz="914400" rtl="0" eaLnBrk="1" latinLnBrk="0" hangingPunct="1">
+      <a:defRPr sz="1200" kern="1200">
+        <a:solidFill>
+          <a:schemeClr val="tx1"/>
+        </a:solidFill>
+        <a:latin typeface="+mn-lt"/>
+        <a:ea typeface="+mn-ea"/>
+        <a:cs typeface="+mn-cs"/>
+      </a:defRPr>
+    </a:lvl9pPr>
+  </p:notesStyle>
+</p:notesMaster>
+</file>
+
+<file path=ppt/notesSlides/notesSlide1.xml><?xml version="1.0" encoding="utf-8"?>
+<p:notes xmlns:a="http://schemas.openxmlformats.org/drawingml/2006/main" xmlns:r="http://schemas.openxmlformats.org/officeDocument/2006/relationships" xmlns:p="http://schemas.openxmlformats.org/presentationml/2006/main">
+  <p:cSld>
+    <p:spTree>
+      <p:nvGrpSpPr>
+        <p:cNvPr id="1" name=""/>
+        <p:cNvGrpSpPr/>
+        <p:nvPr/>
+      </p:nvGrpSpPr>
+      <p:grpSpPr>
+        <a:xfrm>
+          <a:off x="0" y="0"/>
+          <a:ext cx="0" cy="0"/>
+          <a:chOff x="0" y="0"/>
+          <a:chExt cx="0" cy="0"/>
+        </a:xfrm>
+      </p:grpSpPr>
+      <p:sp>
+        <p:nvSpPr>
+          <p:cNvPr id="2" name="Slide Image Placeholder 1"/>
+          <p:cNvSpPr>
+            <a:spLocks noGrp="1" noRot="1" noChangeAspect="1"/>
+          </p:cNvSpPr>
+          <p:nvPr>
+            <p:ph type="sldImg"/>
+          </p:nvPr>
+        </p:nvSpPr>
+        <p:spPr/>
+      </p:sp>
+      <p:sp>
+        <p:nvSpPr>
+          <p:cNvPr id="3" name="Notes Placeholder 2"/>
+          <p:cNvSpPr>
+            <a:spLocks noGrp="1"/>
+          </p:cNvSpPr>
+          <p:nvPr>
+            <p:ph type="body" idx="1"/>
+          </p:nvPr>
+        </p:nvSpPr>
+        <p:spPr/>
+        <p:txBody>
+          <a:bodyPr/>
+          <a:lstStyle/>
+          <a:p>
+            <a:r>
+              <a:rPr lang="en-US" dirty="0" smtClean="0"/>
+              <a:t>Reporting process encapsulates</a:t>
+            </a:r>
+            <a:r>
+              <a:rPr lang="en-US" baseline="0" dirty="0" smtClean="0"/>
+              <a:t> individual decision-making from professionals along with the system used to capture and record an individual’s reporting actions</a:t>
+            </a:r>
+          </a:p>
+          <a:p>
+            <a:endParaRPr lang="en-US" baseline="0" dirty="0" smtClean="0"/>
+          </a:p>
+          <a:p>
+            <a:r>
+              <a:rPr lang="en-US" baseline="0" dirty="0" smtClean="0"/>
+              <a:t>reporting</a:t>
+            </a:r>
+            <a:endParaRPr lang="en-US" dirty="0"/>
+          </a:p>
+        </p:txBody>
+      </p:sp>
+      <p:sp>
+        <p:nvSpPr>
+          <p:cNvPr id="4" name="Slide Number Placeholder 3"/>
+          <p:cNvSpPr>
+            <a:spLocks noGrp="1"/>
+          </p:cNvSpPr>
+          <p:nvPr>
+            <p:ph type="sldNum" sz="quarter" idx="10"/>
+          </p:nvPr>
+        </p:nvSpPr>
+        <p:spPr/>
+        <p:txBody>
+          <a:bodyPr/>
+          <a:lstStyle/>
+          <a:p>
+            <a:fld id="{70DB5E9C-D3F2-437D-B37A-4DD046C4C087}" type="slidenum">
+              <a:rPr lang="en-US" smtClean="0"/>
+              <a:t>6</a:t>
+            </a:fld>
+            <a:endParaRPr lang="en-US"/>
+          </a:p>
+        </p:txBody>
+      </p:sp>
+    </p:spTree>
+    <p:extLst>
+      <p:ext uri="{BB962C8B-B14F-4D97-AF65-F5344CB8AC3E}">
+        <p14:creationId xmlns:p14="http://schemas.microsoft.com/office/powerpoint/2010/main" val="1249998646"/>
+      </p:ext>
+    </p:extLst>
+  </p:cSld>
+  <p:clrMapOvr>
+    <a:masterClrMapping/>
+  </p:clrMapOvr>
+</p:notes>
+</file>
+
+<file path=ppt/notesSlides/notesSlide2.xml><?xml version="1.0" encoding="utf-8"?>
+<p:notes xmlns:a="http://schemas.openxmlformats.org/drawingml/2006/main" xmlns:r="http://schemas.openxmlformats.org/officeDocument/2006/relationships" xmlns:p="http://schemas.openxmlformats.org/presentationml/2006/main">
+  <p:cSld>
+    <p:spTree>
+      <p:nvGrpSpPr>
+        <p:cNvPr id="1" name=""/>
+        <p:cNvGrpSpPr/>
+        <p:nvPr/>
+      </p:nvGrpSpPr>
+      <p:grpSpPr>
+        <a:xfrm>
+          <a:off x="0" y="0"/>
+          <a:ext cx="0" cy="0"/>
+          <a:chOff x="0" y="0"/>
+          <a:chExt cx="0" cy="0"/>
+        </a:xfrm>
+      </p:grpSpPr>
+      <p:sp>
+        <p:nvSpPr>
+          <p:cNvPr id="2" name="Slide Image Placeholder 1"/>
+          <p:cNvSpPr>
+            <a:spLocks noGrp="1" noRot="1" noChangeAspect="1"/>
+          </p:cNvSpPr>
+          <p:nvPr>
+            <p:ph type="sldImg"/>
+          </p:nvPr>
+        </p:nvSpPr>
+        <p:spPr/>
+      </p:sp>
+      <p:sp>
+        <p:nvSpPr>
+          <p:cNvPr id="3" name="Notes Placeholder 2"/>
+          <p:cNvSpPr>
+            <a:spLocks noGrp="1"/>
+          </p:cNvSpPr>
+          <p:nvPr>
+            <p:ph type="body" idx="1"/>
+          </p:nvPr>
+        </p:nvSpPr>
+        <p:spPr/>
+        <p:txBody>
+          <a:bodyPr/>
+          <a:lstStyle/>
+          <a:p>
+            <a:r>
+              <a:rPr lang="en-US" dirty="0" smtClean="0"/>
+              <a:t>Spatial relationships</a:t>
+            </a:r>
+            <a:r>
+              <a:rPr lang="en-US" baseline="0" dirty="0" smtClean="0"/>
+              <a:t> s</a:t>
+            </a:r>
+            <a:r>
+              <a:rPr lang="en-US" dirty="0" smtClean="0"/>
+              <a:t>oak up much</a:t>
+            </a:r>
+            <a:r>
+              <a:rPr lang="en-US" baseline="0" dirty="0" smtClean="0"/>
+              <a:t> of the </a:t>
+            </a:r>
+            <a:r>
+              <a:rPr lang="en-US" baseline="0" dirty="0" err="1" smtClean="0"/>
+              <a:t>overdispersion</a:t>
+            </a:r>
+            <a:r>
+              <a:rPr lang="en-US" baseline="0" dirty="0" smtClean="0"/>
+              <a:t> (unobserved heterogeneity), and this is undoubtedly partly due to population heterogeneity across large regions of the US.  But, we cannot completely dismiss the hypothesis of differential referral processes, which also might evidence spatial similarities.  A more careful analysis of this data should be carried out to control for known difference in population characteristics.</a:t>
+            </a:r>
+          </a:p>
+          <a:p>
+            <a:endParaRPr lang="en-US" baseline="0" dirty="0" smtClean="0"/>
+          </a:p>
+          <a:p>
+            <a:r>
+              <a:rPr lang="en-US" baseline="0" dirty="0" smtClean="0"/>
+              <a:t>So we may or may not have a reliability problem with referrals.  Let’s now look closer at some process variables that occur after a report surfaces.</a:t>
+            </a:r>
+            <a:endParaRPr lang="en-US" dirty="0"/>
+          </a:p>
+        </p:txBody>
+      </p:sp>
+      <p:sp>
+        <p:nvSpPr>
+          <p:cNvPr id="4" name="Slide Number Placeholder 3"/>
+          <p:cNvSpPr>
+            <a:spLocks noGrp="1"/>
+          </p:cNvSpPr>
+          <p:nvPr>
+            <p:ph type="sldNum" sz="quarter" idx="10"/>
+          </p:nvPr>
+        </p:nvSpPr>
+        <p:spPr/>
+        <p:txBody>
+          <a:bodyPr/>
+          <a:lstStyle/>
+          <a:p>
+            <a:fld id="{70DB5E9C-D3F2-437D-B37A-4DD046C4C087}" type="slidenum">
+              <a:rPr lang="en-US" smtClean="0"/>
+              <a:t>7</a:t>
+            </a:fld>
+            <a:endParaRPr lang="en-US"/>
+          </a:p>
+        </p:txBody>
+      </p:sp>
+    </p:spTree>
+    <p:extLst>
+      <p:ext uri="{BB962C8B-B14F-4D97-AF65-F5344CB8AC3E}">
+        <p14:creationId xmlns:p14="http://schemas.microsoft.com/office/powerpoint/2010/main" val="667334323"/>
+      </p:ext>
+    </p:extLst>
+  </p:cSld>
+  <p:clrMapOvr>
+    <a:masterClrMapping/>
+  </p:clrMapOvr>
+</p:notes>
+</file>
+
+<file path=ppt/notesSlides/notesSlide3.xml><?xml version="1.0" encoding="utf-8"?>
+<p:notes xmlns:a="http://schemas.openxmlformats.org/drawingml/2006/main" xmlns:r="http://schemas.openxmlformats.org/officeDocument/2006/relationships" xmlns:p="http://schemas.openxmlformats.org/presentationml/2006/main">
+  <p:cSld>
+    <p:spTree>
+      <p:nvGrpSpPr>
+        <p:cNvPr id="1" name=""/>
+        <p:cNvGrpSpPr/>
+        <p:nvPr/>
+      </p:nvGrpSpPr>
+      <p:grpSpPr>
+        <a:xfrm>
+          <a:off x="0" y="0"/>
+          <a:ext cx="0" cy="0"/>
+          <a:chOff x="0" y="0"/>
+          <a:chExt cx="0" cy="0"/>
+        </a:xfrm>
+      </p:grpSpPr>
+      <p:sp>
+        <p:nvSpPr>
+          <p:cNvPr id="2" name="Slide Image Placeholder 1"/>
+          <p:cNvSpPr>
+            <a:spLocks noGrp="1" noRot="1" noChangeAspect="1"/>
+          </p:cNvSpPr>
+          <p:nvPr>
+            <p:ph type="sldImg"/>
+          </p:nvPr>
+        </p:nvSpPr>
+        <p:spPr/>
+      </p:sp>
+      <p:sp>
+        <p:nvSpPr>
+          <p:cNvPr id="3" name="Notes Placeholder 2"/>
+          <p:cNvSpPr>
+            <a:spLocks noGrp="1"/>
+          </p:cNvSpPr>
+          <p:nvPr>
+            <p:ph type="body" idx="1"/>
+          </p:nvPr>
+        </p:nvSpPr>
+        <p:spPr/>
+        <p:txBody>
+          <a:bodyPr/>
+          <a:lstStyle/>
+          <a:p>
+            <a:endParaRPr lang="en-US" dirty="0"/>
+          </a:p>
+        </p:txBody>
+      </p:sp>
+      <p:sp>
+        <p:nvSpPr>
+          <p:cNvPr id="4" name="Slide Number Placeholder 3"/>
+          <p:cNvSpPr>
+            <a:spLocks noGrp="1"/>
+          </p:cNvSpPr>
+          <p:nvPr>
+            <p:ph type="sldNum" sz="quarter" idx="10"/>
+          </p:nvPr>
+        </p:nvSpPr>
+        <p:spPr/>
+        <p:txBody>
+          <a:bodyPr/>
+          <a:lstStyle/>
+          <a:p>
+            <a:fld id="{70DB5E9C-D3F2-437D-B37A-4DD046C4C087}" type="slidenum">
+              <a:rPr lang="en-US" smtClean="0"/>
+              <a:t>8</a:t>
+            </a:fld>
+            <a:endParaRPr lang="en-US"/>
+          </a:p>
+        </p:txBody>
+      </p:sp>
+    </p:spTree>
+    <p:extLst>
+      <p:ext uri="{BB962C8B-B14F-4D97-AF65-F5344CB8AC3E}">
+        <p14:creationId xmlns:p14="http://schemas.microsoft.com/office/powerpoint/2010/main" val="853073383"/>
+      </p:ext>
+    </p:extLst>
+  </p:cSld>
+  <p:clrMapOvr>
+    <a:masterClrMapping/>
+  </p:clrMapOvr>
+</p:notes>
+</file>
+
+<file path=ppt/notesSlides/notesSlide4.xml><?xml version="1.0" encoding="utf-8"?>
+<p:notes xmlns:a="http://schemas.openxmlformats.org/drawingml/2006/main" xmlns:r="http://schemas.openxmlformats.org/officeDocument/2006/relationships" xmlns:p="http://schemas.openxmlformats.org/presentationml/2006/main">
+  <p:cSld>
+    <p:spTree>
+      <p:nvGrpSpPr>
+        <p:cNvPr id="1" name=""/>
+        <p:cNvGrpSpPr/>
+        <p:nvPr/>
+      </p:nvGrpSpPr>
+      <p:grpSpPr>
+        <a:xfrm>
+          <a:off x="0" y="0"/>
+          <a:ext cx="0" cy="0"/>
+          <a:chOff x="0" y="0"/>
+          <a:chExt cx="0" cy="0"/>
+        </a:xfrm>
+      </p:grpSpPr>
+      <p:sp>
+        <p:nvSpPr>
+          <p:cNvPr id="2" name="Slide Image Placeholder 1"/>
+          <p:cNvSpPr>
+            <a:spLocks noGrp="1" noRot="1" noChangeAspect="1"/>
+          </p:cNvSpPr>
+          <p:nvPr>
+            <p:ph type="sldImg"/>
+          </p:nvPr>
+        </p:nvSpPr>
+        <p:spPr/>
+      </p:sp>
+      <p:sp>
+        <p:nvSpPr>
+          <p:cNvPr id="3" name="Notes Placeholder 2"/>
+          <p:cNvSpPr>
+            <a:spLocks noGrp="1"/>
+          </p:cNvSpPr>
+          <p:nvPr>
+            <p:ph type="body" idx="1"/>
+          </p:nvPr>
+        </p:nvSpPr>
+        <p:spPr/>
+        <p:txBody>
+          <a:bodyPr/>
+          <a:lstStyle/>
+          <a:p>
+            <a:r>
+              <a:rPr lang="en-US" dirty="0" smtClean="0"/>
+              <a:t>660000 child</a:t>
+            </a:r>
+            <a:r>
+              <a:rPr lang="en-US" baseline="0" dirty="0" smtClean="0"/>
+              <a:t> pop Nevada</a:t>
+            </a:r>
+          </a:p>
+          <a:p>
+            <a:r>
+              <a:rPr lang="en-US" baseline="0" dirty="0" smtClean="0"/>
+              <a:t>4million+ pop in Florida</a:t>
+            </a:r>
+            <a:endParaRPr lang="en-US" dirty="0"/>
+          </a:p>
+        </p:txBody>
+      </p:sp>
+      <p:sp>
+        <p:nvSpPr>
+          <p:cNvPr id="4" name="Slide Number Placeholder 3"/>
+          <p:cNvSpPr>
+            <a:spLocks noGrp="1"/>
+          </p:cNvSpPr>
+          <p:nvPr>
+            <p:ph type="sldNum" sz="quarter" idx="10"/>
+          </p:nvPr>
+        </p:nvSpPr>
+        <p:spPr/>
+        <p:txBody>
+          <a:bodyPr/>
+          <a:lstStyle/>
+          <a:p>
+            <a:fld id="{70DB5E9C-D3F2-437D-B37A-4DD046C4C087}" type="slidenum">
+              <a:rPr lang="en-US" smtClean="0"/>
+              <a:t>9</a:t>
+            </a:fld>
+            <a:endParaRPr lang="en-US"/>
+          </a:p>
+        </p:txBody>
+      </p:sp>
+    </p:spTree>
+    <p:extLst>
+      <p:ext uri="{BB962C8B-B14F-4D97-AF65-F5344CB8AC3E}">
+        <p14:creationId xmlns:p14="http://schemas.microsoft.com/office/powerpoint/2010/main" val="2255048009"/>
+      </p:ext>
+    </p:extLst>
+  </p:cSld>
+  <p:clrMapOvr>
+    <a:masterClrMapping/>
+  </p:clrMapOvr>
+</p:notes>
+</file>
+
+<file path=ppt/notesSlides/notesSlide5.xml><?xml version="1.0" encoding="utf-8"?>
+<p:notes xmlns:a="http://schemas.openxmlformats.org/drawingml/2006/main" xmlns:r="http://schemas.openxmlformats.org/officeDocument/2006/relationships" xmlns:p="http://schemas.openxmlformats.org/presentationml/2006/main">
+  <p:cSld>
+    <p:spTree>
+      <p:nvGrpSpPr>
+        <p:cNvPr id="1" name=""/>
+        <p:cNvGrpSpPr/>
+        <p:nvPr/>
+      </p:nvGrpSpPr>
+      <p:grpSpPr>
+        <a:xfrm>
+          <a:off x="0" y="0"/>
+          <a:ext cx="0" cy="0"/>
+          <a:chOff x="0" y="0"/>
+          <a:chExt cx="0" cy="0"/>
+        </a:xfrm>
+      </p:grpSpPr>
+      <p:sp>
+        <p:nvSpPr>
+          <p:cNvPr id="2" name="Slide Image Placeholder 1"/>
+          <p:cNvSpPr>
+            <a:spLocks noGrp="1" noRot="1" noChangeAspect="1"/>
+          </p:cNvSpPr>
+          <p:nvPr>
+            <p:ph type="sldImg"/>
+          </p:nvPr>
+        </p:nvSpPr>
+        <p:spPr/>
+      </p:sp>
+      <p:sp>
+        <p:nvSpPr>
+          <p:cNvPr id="3" name="Notes Placeholder 2"/>
+          <p:cNvSpPr>
+            <a:spLocks noGrp="1"/>
+          </p:cNvSpPr>
+          <p:nvPr>
+            <p:ph type="body" idx="1"/>
+          </p:nvPr>
+        </p:nvSpPr>
+        <p:spPr/>
+        <p:txBody>
+          <a:bodyPr/>
+          <a:lstStyle/>
+          <a:p>
+            <a:r>
+              <a:rPr lang="en-US" dirty="0" smtClean="0"/>
+              <a:t>Some Consistency Improvement but still significant </a:t>
+            </a:r>
+            <a:r>
+              <a:rPr lang="en-US" dirty="0" err="1" smtClean="0"/>
+              <a:t>overdispersion</a:t>
+            </a:r>
+            <a:r>
+              <a:rPr lang="en-US" baseline="0" dirty="0" smtClean="0"/>
+              <a:t> within and between states.</a:t>
+            </a:r>
+            <a:endParaRPr lang="en-US" dirty="0"/>
+          </a:p>
+        </p:txBody>
+      </p:sp>
+      <p:sp>
+        <p:nvSpPr>
+          <p:cNvPr id="4" name="Slide Number Placeholder 3"/>
+          <p:cNvSpPr>
+            <a:spLocks noGrp="1"/>
+          </p:cNvSpPr>
+          <p:nvPr>
+            <p:ph type="sldNum" sz="quarter" idx="10"/>
+          </p:nvPr>
+        </p:nvSpPr>
+        <p:spPr/>
+        <p:txBody>
+          <a:bodyPr/>
+          <a:lstStyle/>
+          <a:p>
+            <a:fld id="{70DB5E9C-D3F2-437D-B37A-4DD046C4C087}" type="slidenum">
+              <a:rPr lang="en-US" smtClean="0"/>
+              <a:t>11</a:t>
+            </a:fld>
+            <a:endParaRPr lang="en-US"/>
+          </a:p>
+        </p:txBody>
+      </p:sp>
+    </p:spTree>
+    <p:extLst>
+      <p:ext uri="{BB962C8B-B14F-4D97-AF65-F5344CB8AC3E}">
+        <p14:creationId xmlns:p14="http://schemas.microsoft.com/office/powerpoint/2010/main" val="2704239461"/>
+      </p:ext>
+    </p:extLst>
+  </p:cSld>
+  <p:clrMapOvr>
+    <a:masterClrMapping/>
+  </p:clrMapOvr>
+</p:notes>
+</file>
+
+<file path=ppt/notesSlides/notesSlide6.xml><?xml version="1.0" encoding="utf-8"?>
+<p:notes xmlns:a="http://schemas.openxmlformats.org/drawingml/2006/main" xmlns:r="http://schemas.openxmlformats.org/officeDocument/2006/relationships" xmlns:p="http://schemas.openxmlformats.org/presentationml/2006/main">
+  <p:cSld>
+    <p:spTree>
+      <p:nvGrpSpPr>
+        <p:cNvPr id="1" name=""/>
+        <p:cNvGrpSpPr/>
+        <p:nvPr/>
+      </p:nvGrpSpPr>
+      <p:grpSpPr>
+        <a:xfrm>
+          <a:off x="0" y="0"/>
+          <a:ext cx="0" cy="0"/>
+          <a:chOff x="0" y="0"/>
+          <a:chExt cx="0" cy="0"/>
+        </a:xfrm>
+      </p:grpSpPr>
+      <p:sp>
+        <p:nvSpPr>
+          <p:cNvPr id="2" name="Slide Image Placeholder 1"/>
+          <p:cNvSpPr>
+            <a:spLocks noGrp="1" noRot="1" noChangeAspect="1"/>
+          </p:cNvSpPr>
+          <p:nvPr>
+            <p:ph type="sldImg"/>
+          </p:nvPr>
+        </p:nvSpPr>
+        <p:spPr/>
+      </p:sp>
+      <p:sp>
+        <p:nvSpPr>
+          <p:cNvPr id="3" name="Notes Placeholder 2"/>
+          <p:cNvSpPr>
+            <a:spLocks noGrp="1"/>
+          </p:cNvSpPr>
+          <p:nvPr>
+            <p:ph type="body" idx="1"/>
+          </p:nvPr>
+        </p:nvSpPr>
+        <p:spPr/>
+        <p:txBody>
+          <a:bodyPr/>
+          <a:lstStyle/>
+          <a:p>
+            <a:r>
+              <a:rPr lang="en-US" dirty="0" smtClean="0"/>
+              <a:t>Before we blame the professionals</a:t>
+            </a:r>
+            <a:r>
+              <a:rPr lang="en-US" baseline="0" dirty="0" smtClean="0"/>
+              <a:t> who report, maybe we ought to hold our horses and ask some basic, fundamental questions about what we are trying to measure</a:t>
+            </a:r>
+            <a:endParaRPr lang="en-US" dirty="0"/>
+          </a:p>
+        </p:txBody>
+      </p:sp>
+      <p:sp>
+        <p:nvSpPr>
+          <p:cNvPr id="4" name="Slide Number Placeholder 3"/>
+          <p:cNvSpPr>
+            <a:spLocks noGrp="1"/>
+          </p:cNvSpPr>
+          <p:nvPr>
+            <p:ph type="sldNum" sz="quarter" idx="10"/>
+          </p:nvPr>
+        </p:nvSpPr>
+        <p:spPr/>
+        <p:txBody>
+          <a:bodyPr/>
+          <a:lstStyle/>
+          <a:p>
+            <a:fld id="{70DB5E9C-D3F2-437D-B37A-4DD046C4C087}" type="slidenum">
+              <a:rPr lang="en-US" smtClean="0"/>
+              <a:t>17</a:t>
+            </a:fld>
+            <a:endParaRPr lang="en-US"/>
+          </a:p>
+        </p:txBody>
+      </p:sp>
+    </p:spTree>
+    <p:extLst>
+      <p:ext uri="{BB962C8B-B14F-4D97-AF65-F5344CB8AC3E}">
+        <p14:creationId xmlns:p14="http://schemas.microsoft.com/office/powerpoint/2010/main" val="1955091250"/>
+      </p:ext>
+    </p:extLst>
+  </p:cSld>
+  <p:clrMapOvr>
+    <a:masterClrMapping/>
+  </p:clrMapOvr>
+</p:notes>
+</file>
+
+<file path=ppt/notesSlides/notesSlide7.xml><?xml version="1.0" encoding="utf-8"?>
+<p:notes xmlns:a="http://schemas.openxmlformats.org/drawingml/2006/main" xmlns:r="http://schemas.openxmlformats.org/officeDocument/2006/relationships" xmlns:p="http://schemas.openxmlformats.org/presentationml/2006/main">
+  <p:cSld>
+    <p:spTree>
+      <p:nvGrpSpPr>
+        <p:cNvPr id="1" name=""/>
+        <p:cNvGrpSpPr/>
+        <p:nvPr/>
+      </p:nvGrpSpPr>
+      <p:grpSpPr>
+        <a:xfrm>
+          <a:off x="0" y="0"/>
+          <a:ext cx="0" cy="0"/>
+          <a:chOff x="0" y="0"/>
+          <a:chExt cx="0" cy="0"/>
+        </a:xfrm>
+      </p:grpSpPr>
+      <p:sp>
+        <p:nvSpPr>
+          <p:cNvPr id="2" name="Slide Image Placeholder 1"/>
+          <p:cNvSpPr>
+            <a:spLocks noGrp="1" noRot="1" noChangeAspect="1"/>
+          </p:cNvSpPr>
+          <p:nvPr>
+            <p:ph type="sldImg"/>
+          </p:nvPr>
+        </p:nvSpPr>
+        <p:spPr/>
+      </p:sp>
+      <p:sp>
+        <p:nvSpPr>
+          <p:cNvPr id="3" name="Notes Placeholder 2"/>
+          <p:cNvSpPr>
+            <a:spLocks noGrp="1"/>
+          </p:cNvSpPr>
+          <p:nvPr>
+            <p:ph type="body" idx="1"/>
+          </p:nvPr>
+        </p:nvSpPr>
+        <p:spPr/>
+        <p:txBody>
+          <a:bodyPr/>
+          <a:lstStyle/>
+          <a:p>
+            <a:r>
+              <a:rPr lang="en-US" sz="1200" b="0" i="0" u="none" strike="noStrike" kern="1200" baseline="0" dirty="0" smtClean="0">
+                <a:solidFill>
+                  <a:schemeClr val="tx1"/>
+                </a:solidFill>
+                <a:latin typeface="+mn-lt"/>
+                <a:ea typeface="+mn-ea"/>
+                <a:cs typeface="+mn-cs"/>
+              </a:rPr>
+              <a:t>Modified version of the Maltreatment Classification System (MCS)</a:t>
+            </a:r>
+          </a:p>
+          <a:p>
+            <a:r>
+              <a:rPr lang="en-US" sz="1200" b="0" i="0" u="none" strike="noStrike" kern="1200" baseline="0" dirty="0" smtClean="0">
+                <a:solidFill>
+                  <a:schemeClr val="tx1"/>
+                </a:solidFill>
+                <a:latin typeface="+mn-lt"/>
+                <a:ea typeface="+mn-ea"/>
+                <a:cs typeface="+mn-cs"/>
+              </a:rPr>
+              <a:t>coding system used by the Second National Incidence Study (NIS-2) (</a:t>
+            </a:r>
+            <a:r>
+              <a:rPr lang="en-US" sz="1200" b="0" i="0" u="none" strike="noStrike" kern="1200" baseline="0" dirty="0" err="1" smtClean="0">
+                <a:solidFill>
+                  <a:schemeClr val="tx1"/>
+                </a:solidFill>
+                <a:latin typeface="+mn-lt"/>
+                <a:ea typeface="+mn-ea"/>
+                <a:cs typeface="+mn-cs"/>
+              </a:rPr>
+              <a:t>Sedlak</a:t>
+            </a:r>
+            <a:r>
+              <a:rPr lang="en-US" sz="1200" b="0" i="0" u="none" strike="noStrike" kern="1200" baseline="0" dirty="0" smtClean="0">
+                <a:solidFill>
+                  <a:schemeClr val="tx1"/>
+                </a:solidFill>
+                <a:latin typeface="+mn-lt"/>
+                <a:ea typeface="+mn-ea"/>
+                <a:cs typeface="+mn-cs"/>
+              </a:rPr>
+              <a:t>, 1986).</a:t>
+            </a:r>
+            <a:endParaRPr lang="en-US" dirty="0"/>
+          </a:p>
+        </p:txBody>
+      </p:sp>
+      <p:sp>
+        <p:nvSpPr>
+          <p:cNvPr id="4" name="Slide Number Placeholder 3"/>
+          <p:cNvSpPr>
+            <a:spLocks noGrp="1"/>
+          </p:cNvSpPr>
+          <p:nvPr>
+            <p:ph type="sldNum" sz="quarter" idx="10"/>
+          </p:nvPr>
+        </p:nvSpPr>
+        <p:spPr/>
+        <p:txBody>
+          <a:bodyPr/>
+          <a:lstStyle/>
+          <a:p>
+            <a:fld id="{70DB5E9C-D3F2-437D-B37A-4DD046C4C087}" type="slidenum">
+              <a:rPr lang="en-US" smtClean="0"/>
+              <a:t>18</a:t>
+            </a:fld>
+            <a:endParaRPr lang="en-US"/>
+          </a:p>
+        </p:txBody>
+      </p:sp>
+    </p:spTree>
+    <p:extLst>
+      <p:ext uri="{BB962C8B-B14F-4D97-AF65-F5344CB8AC3E}">
+        <p14:creationId xmlns:p14="http://schemas.microsoft.com/office/powerpoint/2010/main" val="1269468606"/>
+      </p:ext>
+    </p:extLst>
+  </p:cSld>
+  <p:clrMapOvr>
+    <a:masterClrMapping/>
+  </p:clrMapOvr>
+</p:notes>
+</file>
+
+<file path=ppt/notesSlides/notesSlide8.xml><?xml version="1.0" encoding="utf-8"?>
+<p:notes xmlns:a="http://schemas.openxmlformats.org/drawingml/2006/main" xmlns:r="http://schemas.openxmlformats.org/officeDocument/2006/relationships" xmlns:p="http://schemas.openxmlformats.org/presentationml/2006/main">
+  <p:cSld>
+    <p:spTree>
+      <p:nvGrpSpPr>
+        <p:cNvPr id="1" name=""/>
+        <p:cNvGrpSpPr/>
+        <p:nvPr/>
+      </p:nvGrpSpPr>
+      <p:grpSpPr>
+        <a:xfrm>
+          <a:off x="0" y="0"/>
+          <a:ext cx="0" cy="0"/>
+          <a:chOff x="0" y="0"/>
+          <a:chExt cx="0" cy="0"/>
+        </a:xfrm>
+      </p:grpSpPr>
+      <p:sp>
+        <p:nvSpPr>
+          <p:cNvPr id="2" name="Slide Image Placeholder 1"/>
+          <p:cNvSpPr>
+            <a:spLocks noGrp="1" noRot="1" noChangeAspect="1"/>
+          </p:cNvSpPr>
+          <p:nvPr>
+            <p:ph type="sldImg"/>
+          </p:nvPr>
+        </p:nvSpPr>
+        <p:spPr/>
+      </p:sp>
+      <p:sp>
+        <p:nvSpPr>
+          <p:cNvPr id="3" name="Notes Placeholder 2"/>
+          <p:cNvSpPr>
+            <a:spLocks noGrp="1"/>
+          </p:cNvSpPr>
+          <p:nvPr>
+            <p:ph type="body" idx="1"/>
+          </p:nvPr>
+        </p:nvSpPr>
+        <p:spPr/>
+        <p:txBody>
+          <a:bodyPr/>
+          <a:lstStyle/>
+          <a:p>
+            <a:pPr lvl="2"/>
+            <a:r>
+              <a:rPr lang="en-US" sz="1200" kern="1200" dirty="0" smtClean="0">
+                <a:solidFill>
+                  <a:schemeClr val="tx1"/>
+                </a:solidFill>
+                <a:effectLst/>
+                <a:latin typeface="+mn-lt"/>
+                <a:ea typeface="+mn-ea"/>
+                <a:cs typeface="+mn-cs"/>
+              </a:rPr>
+              <a:t>Judgment heuristics and biases (</a:t>
+            </a:r>
+            <a:r>
+              <a:rPr lang="en-US" sz="1200" kern="1200" dirty="0" err="1" smtClean="0">
+                <a:solidFill>
+                  <a:schemeClr val="tx1"/>
+                </a:solidFill>
+                <a:effectLst/>
+                <a:latin typeface="+mn-lt"/>
+                <a:ea typeface="+mn-ea"/>
+                <a:cs typeface="+mn-cs"/>
+              </a:rPr>
+              <a:t>ala</a:t>
+            </a:r>
+            <a:r>
+              <a:rPr lang="en-US" sz="1200" kern="1200" dirty="0" smtClean="0">
+                <a:solidFill>
+                  <a:schemeClr val="tx1"/>
+                </a:solidFill>
+                <a:effectLst/>
+                <a:latin typeface="+mn-lt"/>
+                <a:ea typeface="+mn-ea"/>
+                <a:cs typeface="+mn-cs"/>
+              </a:rPr>
+              <a:t> </a:t>
+            </a:r>
+            <a:r>
+              <a:rPr lang="en-US" sz="1200" kern="1200" dirty="0" err="1" smtClean="0">
+                <a:solidFill>
+                  <a:schemeClr val="tx1"/>
+                </a:solidFill>
+                <a:effectLst/>
+                <a:latin typeface="+mn-lt"/>
+                <a:ea typeface="+mn-ea"/>
+                <a:cs typeface="+mn-cs"/>
+              </a:rPr>
+              <a:t>Kahneman</a:t>
+            </a:r>
+            <a:r>
+              <a:rPr lang="en-US" sz="1200" kern="1200" dirty="0" smtClean="0">
+                <a:solidFill>
+                  <a:schemeClr val="tx1"/>
+                </a:solidFill>
+                <a:effectLst/>
+                <a:latin typeface="+mn-lt"/>
+                <a:ea typeface="+mn-ea"/>
+                <a:cs typeface="+mn-cs"/>
+              </a:rPr>
+              <a:t> &amp; </a:t>
+            </a:r>
+            <a:r>
+              <a:rPr lang="en-US" sz="1200" kern="1200" dirty="0" err="1" smtClean="0">
+                <a:solidFill>
+                  <a:schemeClr val="tx1"/>
+                </a:solidFill>
+                <a:effectLst/>
+                <a:latin typeface="+mn-lt"/>
+                <a:ea typeface="+mn-ea"/>
+                <a:cs typeface="+mn-cs"/>
+              </a:rPr>
+              <a:t>Tversky</a:t>
+            </a:r>
+            <a:r>
+              <a:rPr lang="en-US" sz="1200" kern="1200" dirty="0" smtClean="0">
+                <a:solidFill>
+                  <a:schemeClr val="tx1"/>
+                </a:solidFill>
+                <a:effectLst/>
+                <a:latin typeface="+mn-lt"/>
+                <a:ea typeface="+mn-ea"/>
+                <a:cs typeface="+mn-cs"/>
+              </a:rPr>
+              <a:t>)</a:t>
+            </a:r>
+          </a:p>
+          <a:p>
+            <a:pPr lvl="3"/>
+            <a:r>
+              <a:rPr lang="en-US" sz="1200" kern="1200" dirty="0" smtClean="0">
+                <a:solidFill>
+                  <a:schemeClr val="tx1"/>
+                </a:solidFill>
+                <a:effectLst/>
+                <a:latin typeface="+mn-lt"/>
+                <a:ea typeface="+mn-ea"/>
+                <a:cs typeface="+mn-cs"/>
+              </a:rPr>
+              <a:t>Ambiguity effect, framing effects, belief bias, confirmation bias, conservatism, outcome bias </a:t>
+            </a:r>
+          </a:p>
+          <a:p>
+            <a:pPr lvl="2"/>
+            <a:r>
+              <a:rPr lang="en-US" sz="1200" kern="1200" dirty="0" smtClean="0">
+                <a:solidFill>
+                  <a:schemeClr val="tx1"/>
+                </a:solidFill>
+                <a:effectLst/>
+                <a:latin typeface="+mn-lt"/>
+                <a:ea typeface="+mn-ea"/>
+                <a:cs typeface="+mn-cs"/>
+              </a:rPr>
+              <a:t>Utility maximization has to consider serious negative consequences of action, e.g., malpractice suits, loss of reputation, loss of patients, etc.</a:t>
+            </a:r>
+          </a:p>
+          <a:p>
+            <a:pPr lvl="3"/>
+            <a:r>
+              <a:rPr lang="en-US" sz="1200" kern="1200" dirty="0" smtClean="0">
+                <a:solidFill>
+                  <a:schemeClr val="tx1"/>
+                </a:solidFill>
+                <a:effectLst/>
+                <a:latin typeface="+mn-lt"/>
+                <a:ea typeface="+mn-ea"/>
+                <a:cs typeface="+mn-cs"/>
+              </a:rPr>
+              <a:t>Loss aversion?</a:t>
+            </a:r>
+          </a:p>
+          <a:p>
+            <a:pPr lvl="2"/>
+            <a:r>
+              <a:rPr lang="en-US" sz="1200" kern="1200" dirty="0" smtClean="0">
+                <a:solidFill>
+                  <a:schemeClr val="tx1"/>
+                </a:solidFill>
+                <a:effectLst/>
+                <a:latin typeface="+mn-lt"/>
+                <a:ea typeface="+mn-ea"/>
+                <a:cs typeface="+mn-cs"/>
+              </a:rPr>
+              <a:t>Personal responsibility to report (is there a diffusion of responsibility?)</a:t>
+            </a:r>
+          </a:p>
+          <a:p>
+            <a:pPr lvl="1"/>
+            <a:r>
+              <a:rPr lang="en-US" sz="1200" kern="1200" dirty="0" smtClean="0">
+                <a:solidFill>
+                  <a:schemeClr val="tx1"/>
+                </a:solidFill>
+                <a:effectLst/>
+                <a:latin typeface="+mn-lt"/>
+                <a:ea typeface="+mn-ea"/>
+                <a:cs typeface="+mn-cs"/>
+              </a:rPr>
+              <a:t>Over-reporting?</a:t>
+            </a:r>
+          </a:p>
+          <a:p>
+            <a:pPr lvl="2"/>
+            <a:r>
+              <a:rPr lang="en-US" sz="1200" kern="1200" dirty="0" smtClean="0">
+                <a:solidFill>
+                  <a:schemeClr val="tx1"/>
+                </a:solidFill>
+                <a:effectLst/>
+                <a:latin typeface="+mn-lt"/>
+                <a:ea typeface="+mn-ea"/>
+                <a:cs typeface="+mn-cs"/>
+              </a:rPr>
+              <a:t>Judgment heuristics and biases (</a:t>
+            </a:r>
+            <a:r>
+              <a:rPr lang="en-US" sz="1200" kern="1200" dirty="0" err="1" smtClean="0">
+                <a:solidFill>
+                  <a:schemeClr val="tx1"/>
+                </a:solidFill>
+                <a:effectLst/>
+                <a:latin typeface="+mn-lt"/>
+                <a:ea typeface="+mn-ea"/>
+                <a:cs typeface="+mn-cs"/>
+              </a:rPr>
+              <a:t>ala</a:t>
+            </a:r>
+            <a:r>
+              <a:rPr lang="en-US" sz="1200" kern="1200" dirty="0" smtClean="0">
+                <a:solidFill>
+                  <a:schemeClr val="tx1"/>
+                </a:solidFill>
+                <a:effectLst/>
+                <a:latin typeface="+mn-lt"/>
+                <a:ea typeface="+mn-ea"/>
+                <a:cs typeface="+mn-cs"/>
+              </a:rPr>
+              <a:t> </a:t>
+            </a:r>
+            <a:r>
+              <a:rPr lang="en-US" sz="1200" kern="1200" dirty="0" err="1" smtClean="0">
+                <a:solidFill>
+                  <a:schemeClr val="tx1"/>
+                </a:solidFill>
+                <a:effectLst/>
+                <a:latin typeface="+mn-lt"/>
+                <a:ea typeface="+mn-ea"/>
+                <a:cs typeface="+mn-cs"/>
+              </a:rPr>
+              <a:t>Kahneman</a:t>
+            </a:r>
+            <a:r>
+              <a:rPr lang="en-US" sz="1200" kern="1200" dirty="0" smtClean="0">
+                <a:solidFill>
+                  <a:schemeClr val="tx1"/>
+                </a:solidFill>
+                <a:effectLst/>
+                <a:latin typeface="+mn-lt"/>
+                <a:ea typeface="+mn-ea"/>
+                <a:cs typeface="+mn-cs"/>
+              </a:rPr>
+              <a:t> &amp; </a:t>
+            </a:r>
+            <a:r>
+              <a:rPr lang="en-US" sz="1200" kern="1200" dirty="0" err="1" smtClean="0">
+                <a:solidFill>
+                  <a:schemeClr val="tx1"/>
+                </a:solidFill>
+                <a:effectLst/>
+                <a:latin typeface="+mn-lt"/>
+                <a:ea typeface="+mn-ea"/>
+                <a:cs typeface="+mn-cs"/>
+              </a:rPr>
+              <a:t>Tversky</a:t>
+            </a:r>
+            <a:r>
+              <a:rPr lang="en-US" sz="1200" kern="1200" dirty="0" smtClean="0">
+                <a:solidFill>
+                  <a:schemeClr val="tx1"/>
+                </a:solidFill>
+                <a:effectLst/>
+                <a:latin typeface="+mn-lt"/>
+                <a:ea typeface="+mn-ea"/>
+                <a:cs typeface="+mn-cs"/>
+              </a:rPr>
+              <a:t>)</a:t>
+            </a:r>
+          </a:p>
+          <a:p>
+            <a:pPr lvl="3"/>
+            <a:r>
+              <a:rPr lang="en-US" sz="1200" kern="1200" dirty="0" smtClean="0">
+                <a:solidFill>
+                  <a:schemeClr val="tx1"/>
+                </a:solidFill>
+                <a:effectLst/>
+                <a:latin typeface="+mn-lt"/>
+                <a:ea typeface="+mn-ea"/>
+                <a:cs typeface="+mn-cs"/>
+              </a:rPr>
+              <a:t>Base rate neglect, </a:t>
+            </a:r>
+            <a:r>
+              <a:rPr lang="en-US" sz="1200" kern="1200" dirty="0" err="1" smtClean="0">
+                <a:solidFill>
+                  <a:schemeClr val="tx1"/>
+                </a:solidFill>
+                <a:effectLst/>
+                <a:latin typeface="+mn-lt"/>
+                <a:ea typeface="+mn-ea"/>
+                <a:cs typeface="+mn-cs"/>
+              </a:rPr>
+              <a:t>pseudodiagnosticity</a:t>
+            </a:r>
+            <a:r>
+              <a:rPr lang="en-US" sz="1200" kern="1200" dirty="0" smtClean="0">
+                <a:solidFill>
+                  <a:schemeClr val="tx1"/>
+                </a:solidFill>
+                <a:effectLst/>
+                <a:latin typeface="+mn-lt"/>
+                <a:ea typeface="+mn-ea"/>
+                <a:cs typeface="+mn-cs"/>
+              </a:rPr>
+              <a:t>, stereotype and framing effects</a:t>
+            </a:r>
+          </a:p>
+          <a:p>
+            <a:pPr lvl="2"/>
+            <a:r>
+              <a:rPr lang="en-US" sz="1200" kern="1200" dirty="0" smtClean="0">
+                <a:solidFill>
+                  <a:schemeClr val="tx1"/>
+                </a:solidFill>
+                <a:effectLst/>
+                <a:latin typeface="+mn-lt"/>
+                <a:ea typeface="+mn-ea"/>
+                <a:cs typeface="+mn-cs"/>
+              </a:rPr>
+              <a:t>Individual variation in mental decisional threshold (</a:t>
+            </a:r>
+            <a:r>
+              <a:rPr lang="en-US" sz="1200" kern="1200" dirty="0" err="1" smtClean="0">
+                <a:solidFill>
+                  <a:schemeClr val="tx1"/>
+                </a:solidFill>
+                <a:effectLst/>
+                <a:latin typeface="+mn-lt"/>
+                <a:ea typeface="+mn-ea"/>
+                <a:cs typeface="+mn-cs"/>
+              </a:rPr>
+              <a:t>ala</a:t>
+            </a:r>
+            <a:r>
+              <a:rPr lang="en-US" sz="1200" kern="1200" dirty="0" smtClean="0">
+                <a:solidFill>
+                  <a:schemeClr val="tx1"/>
+                </a:solidFill>
+                <a:effectLst/>
+                <a:latin typeface="+mn-lt"/>
+                <a:ea typeface="+mn-ea"/>
+                <a:cs typeface="+mn-cs"/>
+              </a:rPr>
+              <a:t> signal detection theory)- some individuals carry around mental thresholds that are too low</a:t>
+            </a:r>
+          </a:p>
+          <a:p>
+            <a:pPr lvl="2"/>
+            <a:r>
+              <a:rPr lang="en-US" sz="1200" kern="1200" dirty="0" smtClean="0">
+                <a:solidFill>
+                  <a:schemeClr val="tx1"/>
+                </a:solidFill>
+                <a:effectLst/>
+                <a:latin typeface="+mn-lt"/>
+                <a:ea typeface="+mn-ea"/>
+                <a:cs typeface="+mn-cs"/>
+              </a:rPr>
+              <a:t>Where should the “reasonable suspicion” threshold lie?</a:t>
+            </a:r>
+          </a:p>
+          <a:p>
+            <a:endParaRPr lang="en-US" dirty="0"/>
+          </a:p>
+        </p:txBody>
+      </p:sp>
+      <p:sp>
+        <p:nvSpPr>
+          <p:cNvPr id="4" name="Slide Number Placeholder 3"/>
+          <p:cNvSpPr>
+            <a:spLocks noGrp="1"/>
+          </p:cNvSpPr>
+          <p:nvPr>
+            <p:ph type="sldNum" sz="quarter" idx="10"/>
+          </p:nvPr>
+        </p:nvSpPr>
+        <p:spPr/>
+        <p:txBody>
+          <a:bodyPr/>
+          <a:lstStyle/>
+          <a:p>
+            <a:fld id="{70DB5E9C-D3F2-437D-B37A-4DD046C4C087}" type="slidenum">
+              <a:rPr lang="en-US" smtClean="0"/>
+              <a:t>19</a:t>
+            </a:fld>
+            <a:endParaRPr lang="en-US"/>
+          </a:p>
+        </p:txBody>
+      </p:sp>
+    </p:spTree>
+    <p:extLst>
+      <p:ext uri="{BB962C8B-B14F-4D97-AF65-F5344CB8AC3E}">
+        <p14:creationId xmlns:p14="http://schemas.microsoft.com/office/powerpoint/2010/main" val="2696302802"/>
+      </p:ext>
+    </p:extLst>
+  </p:cSld>
+  <p:clrMapOvr>
+    <a:masterClrMapping/>
+  </p:clrMapOvr>
+</p:notes>
+</file>
+
+<file path=ppt/notesSlides/notesSlide9.xml><?xml version="1.0" encoding="utf-8"?>
+<p:notes xmlns:a="http://schemas.openxmlformats.org/drawingml/2006/main" xmlns:r="http://schemas.openxmlformats.org/officeDocument/2006/relationships" xmlns:p="http://schemas.openxmlformats.org/presentationml/2006/main">
+  <p:cSld>
+    <p:spTree>
+      <p:nvGrpSpPr>
+        <p:cNvPr id="1" name=""/>
+        <p:cNvGrpSpPr/>
+        <p:nvPr/>
+      </p:nvGrpSpPr>
+      <p:grpSpPr>
+        <a:xfrm>
+          <a:off x="0" y="0"/>
+          <a:ext cx="0" cy="0"/>
+          <a:chOff x="0" y="0"/>
+          <a:chExt cx="0" cy="0"/>
+        </a:xfrm>
+      </p:grpSpPr>
+      <p:sp>
+        <p:nvSpPr>
+          <p:cNvPr id="2" name="Slide Image Placeholder 1"/>
+          <p:cNvSpPr>
+            <a:spLocks noGrp="1" noRot="1" noChangeAspect="1"/>
+          </p:cNvSpPr>
+          <p:nvPr>
+            <p:ph type="sldImg"/>
+          </p:nvPr>
+        </p:nvSpPr>
+        <p:spPr/>
+      </p:sp>
+      <p:sp>
+        <p:nvSpPr>
+          <p:cNvPr id="3" name="Notes Placeholder 2"/>
+          <p:cNvSpPr>
+            <a:spLocks noGrp="1"/>
+          </p:cNvSpPr>
+          <p:nvPr>
+            <p:ph type="body" idx="1"/>
+          </p:nvPr>
+        </p:nvSpPr>
+        <p:spPr/>
+        <p:txBody>
+          <a:bodyPr/>
+          <a:lstStyle/>
+          <a:p>
+            <a:endParaRPr lang="en-US" dirty="0"/>
+          </a:p>
+        </p:txBody>
+      </p:sp>
+      <p:sp>
+        <p:nvSpPr>
+          <p:cNvPr id="4" name="Slide Number Placeholder 3"/>
+          <p:cNvSpPr>
+            <a:spLocks noGrp="1"/>
+          </p:cNvSpPr>
+          <p:nvPr>
+            <p:ph type="sldNum" sz="quarter" idx="10"/>
+          </p:nvPr>
+        </p:nvSpPr>
+        <p:spPr/>
+        <p:txBody>
+          <a:bodyPr/>
+          <a:lstStyle/>
+          <a:p>
+            <a:fld id="{70DB5E9C-D3F2-437D-B37A-4DD046C4C087}" type="slidenum">
+              <a:rPr lang="en-US" smtClean="0"/>
+              <a:t>22</a:t>
+            </a:fld>
+            <a:endParaRPr lang="en-US"/>
+          </a:p>
+        </p:txBody>
+      </p:sp>
+    </p:spTree>
+    <p:extLst>
+      <p:ext uri="{BB962C8B-B14F-4D97-AF65-F5344CB8AC3E}">
+        <p14:creationId xmlns:p14="http://schemas.microsoft.com/office/powerpoint/2010/main" val="2122630364"/>
+      </p:ext>
+    </p:extLst>
+  </p:cSld>
+  <p:clrMapOvr>
+    <a:masterClrMapping/>
+  </p:clrMapOvr>
+</p:notes>
+</file>
+
 <file path=ppt/slideLayouts/slideLayout1.xml><?xml version="1.0" encoding="utf-8"?>
 <p:sldLayout xmlns:a="http://schemas.openxmlformats.org/drawingml/2006/main" xmlns:r="http://schemas.openxmlformats.org/officeDocument/2006/relationships" xmlns:p="http://schemas.openxmlformats.org/presentationml/2006/main" type="title" preserve="1">
   <p:cSld name="Title Slide">
@@ -128,7 +1730,7 @@
       </p:grpSpPr>
       <p:sp>
         <p:nvSpPr>
-          <p:cNvPr id="2" name="Title 1"/>
+          <p:cNvPr id="8" name="Title 7"/>
           <p:cNvSpPr>
             <a:spLocks noGrp="1"/>
           </p:cNvSpPr>
@@ -138,25 +1740,139 @@
         </p:nvSpPr>
         <p:spPr>
           <a:xfrm>
-            <a:off x="685800" y="2130425"/>
-            <a:ext cx="7772400" cy="1470025"/>
+            <a:off x="422030" y="1371600"/>
+            <a:ext cx="8229600" cy="1828800"/>
           </a:xfrm>
         </p:spPr>
         <p:txBody>
+          <a:bodyPr vert="horz" lIns="45720" tIns="0" rIns="45720" bIns="0" anchor="b">
+            <a:normAutofit/>
+            <a:scene3d>
+              <a:camera prst="orthographicFront"/>
+              <a:lightRig rig="soft" dir="t">
+                <a:rot lat="0" lon="0" rev="17220000"/>
+              </a:lightRig>
+            </a:scene3d>
+            <a:sp3d prstMaterial="softEdge">
+              <a:bevelT w="38100" h="38100"/>
+            </a:sp3d>
+          </a:bodyPr>
+          <a:lstStyle>
+            <a:lvl1pPr>
+              <a:defRPr sz="4800" b="1" cap="all" baseline="0">
+                <a:ln w="6350">
+                  <a:noFill/>
+                </a:ln>
+                <a:gradFill>
+                  <a:gsLst>
+                    <a:gs pos="0">
+                      <a:schemeClr val="accent1">
+                        <a:tint val="73000"/>
+                        <a:satMod val="145000"/>
+                      </a:schemeClr>
+                    </a:gs>
+                    <a:gs pos="73000">
+                      <a:schemeClr val="accent1">
+                        <a:tint val="73000"/>
+                        <a:satMod val="145000"/>
+                      </a:schemeClr>
+                    </a:gs>
+                    <a:gs pos="100000">
+                      <a:schemeClr val="accent1">
+                        <a:tint val="83000"/>
+                        <a:satMod val="143000"/>
+                      </a:schemeClr>
+                    </a:gs>
+                  </a:gsLst>
+                  <a:lin ang="4800000" scaled="1"/>
+                </a:gradFill>
+                <a:effectLst>
+                  <a:outerShdw blurRad="127000" dist="200000" dir="2700000" algn="tl" rotWithShape="0">
+                    <a:srgbClr val="000000">
+                      <a:alpha val="30000"/>
+                    </a:srgbClr>
+                  </a:outerShdw>
+                </a:effectLst>
+              </a:defRPr>
+            </a:lvl1pPr>
+          </a:lstStyle>
+          <a:p>
+            <a:r>
+              <a:rPr kumimoji="0" lang="en-US" smtClean="0"/>
+              <a:t>Click to edit Master title style</a:t>
+            </a:r>
+            <a:endParaRPr kumimoji="0" lang="en-US"/>
+          </a:p>
+        </p:txBody>
+      </p:sp>
+      <p:sp>
+        <p:nvSpPr>
+          <p:cNvPr id="28" name="Date Placeholder 27"/>
+          <p:cNvSpPr>
+            <a:spLocks noGrp="1"/>
+          </p:cNvSpPr>
+          <p:nvPr>
+            <p:ph type="dt" sz="half" idx="10"/>
+          </p:nvPr>
+        </p:nvSpPr>
+        <p:spPr/>
+        <p:txBody>
           <a:bodyPr/>
           <a:lstStyle/>
           <a:p>
-            <a:r>
+            <a:fld id="{2D65806D-4663-464B-B00E-E49CF436C95E}" type="datetimeFigureOut">
               <a:rPr lang="en-US" smtClean="0"/>
-              <a:t>Click to edit Master title style</a:t>
-            </a:r>
+              <a:t>1/29/2013</a:t>
+            </a:fld>
             <a:endParaRPr lang="en-US"/>
           </a:p>
         </p:txBody>
       </p:sp>
       <p:sp>
         <p:nvSpPr>
-          <p:cNvPr id="3" name="Subtitle 2"/>
+          <p:cNvPr id="17" name="Footer Placeholder 16"/>
+          <p:cNvSpPr>
+            <a:spLocks noGrp="1"/>
+          </p:cNvSpPr>
+          <p:nvPr>
+            <p:ph type="ftr" sz="quarter" idx="11"/>
+          </p:nvPr>
+        </p:nvSpPr>
+        <p:spPr/>
+        <p:txBody>
+          <a:bodyPr/>
+          <a:lstStyle/>
+          <a:p>
+            <a:endParaRPr lang="en-US"/>
+          </a:p>
+        </p:txBody>
+      </p:sp>
+      <p:sp>
+        <p:nvSpPr>
+          <p:cNvPr id="29" name="Slide Number Placeholder 28"/>
+          <p:cNvSpPr>
+            <a:spLocks noGrp="1"/>
+          </p:cNvSpPr>
+          <p:nvPr>
+            <p:ph type="sldNum" sz="quarter" idx="12"/>
+          </p:nvPr>
+        </p:nvSpPr>
+        <p:spPr/>
+        <p:txBody>
+          <a:bodyPr/>
+          <a:lstStyle/>
+          <a:p>
+            <a:fld id="{3812E3F7-8103-4934-B7DD-3212DEF972D1}" type="slidenum">
+              <a:rPr lang="en-US" smtClean="0"/>
+              <a:t>‹#›</a:t>
+            </a:fld>
+            <a:endParaRPr lang="en-US"/>
+          </a:p>
+        </p:txBody>
+      </p:sp>
+      <p:sp>
+        <p:nvSpPr>
+          <p:cNvPr id="9" name="Subtitle 8"/>
           <p:cNvSpPr>
             <a:spLocks noGrp="1"/>
           </p:cNvSpPr>
@@ -166,7 +1882,7 @@
         </p:nvSpPr>
         <p:spPr>
           <a:xfrm>
-            <a:off x="1371600" y="3886200"/>
+            <a:off x="1371600" y="3331698"/>
             <a:ext cx="6400800" cy="1752600"/>
           </a:xfrm>
         </p:spPr>
@@ -177,173 +1893,45 @@
               <a:buNone/>
               <a:defRPr>
                 <a:solidFill>
-                  <a:schemeClr val="tx1">
-                    <a:tint val="75000"/>
-                  </a:schemeClr>
+                  <a:schemeClr val="tx1"/>
                 </a:solidFill>
               </a:defRPr>
             </a:lvl1pPr>
             <a:lvl2pPr marL="457200" indent="0" algn="ctr">
               <a:buNone/>
-              <a:defRPr>
-                <a:solidFill>
-                  <a:schemeClr val="tx1">
-                    <a:tint val="75000"/>
-                  </a:schemeClr>
-                </a:solidFill>
-              </a:defRPr>
             </a:lvl2pPr>
             <a:lvl3pPr marL="914400" indent="0" algn="ctr">
               <a:buNone/>
-              <a:defRPr>
-                <a:solidFill>
-                  <a:schemeClr val="tx1">
-                    <a:tint val="75000"/>
-                  </a:schemeClr>
-                </a:solidFill>
-              </a:defRPr>
             </a:lvl3pPr>
             <a:lvl4pPr marL="1371600" indent="0" algn="ctr">
               <a:buNone/>
-              <a:defRPr>
-                <a:solidFill>
-                  <a:schemeClr val="tx1">
-                    <a:tint val="75000"/>
-                  </a:schemeClr>
-                </a:solidFill>
-              </a:defRPr>
             </a:lvl4pPr>
             <a:lvl5pPr marL="1828800" indent="0" algn="ctr">
               <a:buNone/>
-              <a:defRPr>
-                <a:solidFill>
-                  <a:schemeClr val="tx1">
-                    <a:tint val="75000"/>
-                  </a:schemeClr>
-                </a:solidFill>
-              </a:defRPr>
             </a:lvl5pPr>
             <a:lvl6pPr marL="2286000" indent="0" algn="ctr">
               <a:buNone/>
-              <a:defRPr>
-                <a:solidFill>
-                  <a:schemeClr val="tx1">
-                    <a:tint val="75000"/>
-                  </a:schemeClr>
-                </a:solidFill>
-              </a:defRPr>
             </a:lvl6pPr>
             <a:lvl7pPr marL="2743200" indent="0" algn="ctr">
               <a:buNone/>
-              <a:defRPr>
-                <a:solidFill>
-                  <a:schemeClr val="tx1">
-                    <a:tint val="75000"/>
-                  </a:schemeClr>
-                </a:solidFill>
-              </a:defRPr>
             </a:lvl7pPr>
             <a:lvl8pPr marL="3200400" indent="0" algn="ctr">
               <a:buNone/>
-              <a:defRPr>
-                <a:solidFill>
-                  <a:schemeClr val="tx1">
-                    <a:tint val="75000"/>
-                  </a:schemeClr>
-                </a:solidFill>
-              </a:defRPr>
             </a:lvl8pPr>
             <a:lvl9pPr marL="3657600" indent="0" algn="ctr">
               <a:buNone/>
-              <a:defRPr>
-                <a:solidFill>
-                  <a:schemeClr val="tx1">
-                    <a:tint val="75000"/>
-                  </a:schemeClr>
-                </a:solidFill>
-              </a:defRPr>
             </a:lvl9pPr>
           </a:lstStyle>
           <a:p>
             <a:r>
-              <a:rPr lang="en-US" smtClean="0"/>
+              <a:rPr kumimoji="0" lang="en-US" smtClean="0"/>
               <a:t>Click to edit Master subtitle style</a:t>
             </a:r>
-            <a:endParaRPr lang="en-US"/>
-          </a:p>
-        </p:txBody>
-      </p:sp>
-      <p:sp>
-        <p:nvSpPr>
-          <p:cNvPr id="4" name="Date Placeholder 3"/>
-          <p:cNvSpPr>
-            <a:spLocks noGrp="1"/>
-          </p:cNvSpPr>
-          <p:nvPr>
-            <p:ph type="dt" sz="half" idx="10"/>
-          </p:nvPr>
-        </p:nvSpPr>
-        <p:spPr/>
-        <p:txBody>
-          <a:bodyPr/>
-          <a:lstStyle/>
-          <a:p>
-            <a:fld id="{2D65806D-4663-464B-B00E-E49CF436C95E}" type="datetimeFigureOut">
-              <a:rPr lang="en-US" smtClean="0"/>
-              <a:t>1/26/2013</a:t>
-            </a:fld>
-            <a:endParaRPr lang="en-US"/>
-          </a:p>
-        </p:txBody>
-      </p:sp>
-      <p:sp>
-        <p:nvSpPr>
-          <p:cNvPr id="5" name="Footer Placeholder 4"/>
-          <p:cNvSpPr>
-            <a:spLocks noGrp="1"/>
-          </p:cNvSpPr>
-          <p:nvPr>
-            <p:ph type="ftr" sz="quarter" idx="11"/>
-          </p:nvPr>
-        </p:nvSpPr>
-        <p:spPr/>
-        <p:txBody>
-          <a:bodyPr/>
-          <a:lstStyle/>
-          <a:p>
-            <a:endParaRPr lang="en-US"/>
-          </a:p>
-        </p:txBody>
-      </p:sp>
-      <p:sp>
-        <p:nvSpPr>
-          <p:cNvPr id="6" name="Slide Number Placeholder 5"/>
-          <p:cNvSpPr>
-            <a:spLocks noGrp="1"/>
-          </p:cNvSpPr>
-          <p:nvPr>
-            <p:ph type="sldNum" sz="quarter" idx="12"/>
-          </p:nvPr>
-        </p:nvSpPr>
-        <p:spPr/>
-        <p:txBody>
-          <a:bodyPr/>
-          <a:lstStyle/>
-          <a:p>
-            <a:fld id="{3812E3F7-8103-4934-B7DD-3212DEF972D1}" type="slidenum">
-              <a:rPr lang="en-US" smtClean="0"/>
-              <a:t>‹#›</a:t>
-            </a:fld>
-            <a:endParaRPr lang="en-US"/>
+            <a:endParaRPr kumimoji="0" lang="en-US"/>
           </a:p>
         </p:txBody>
       </p:sp>
     </p:spTree>
-    <p:extLst>
-      <p:ext uri="{BB962C8B-B14F-4D97-AF65-F5344CB8AC3E}">
-        <p14:creationId xmlns:p14="http://schemas.microsoft.com/office/powerpoint/2010/main" val="1443854011"/>
-      </p:ext>
-    </p:extLst>
   </p:cSld>
   <p:clrMapOvr>
     <a:masterClrMapping/>
@@ -384,10 +1972,10 @@
           <a:lstStyle/>
           <a:p>
             <a:r>
-              <a:rPr lang="en-US" smtClean="0"/>
+              <a:rPr kumimoji="0" lang="en-US" smtClean="0"/>
               <a:t>Click to edit Master title style</a:t>
             </a:r>
-            <a:endParaRPr lang="en-US"/>
+            <a:endParaRPr kumimoji="0" lang="en-US"/>
           </a:p>
         </p:txBody>
       </p:sp>
@@ -406,40 +1994,40 @@
           <a:bodyPr vert="eaVert"/>
           <a:lstStyle/>
           <a:p>
-            <a:pPr lvl="0"/>
+            <a:pPr lvl="0" eaLnBrk="1" latinLnBrk="0" hangingPunct="1"/>
             <a:r>
               <a:rPr lang="en-US" smtClean="0"/>
               <a:t>Click to edit Master text styles</a:t>
             </a:r>
           </a:p>
           <a:p>
-            <a:pPr lvl="1"/>
+            <a:pPr lvl="1" eaLnBrk="1" latinLnBrk="0" hangingPunct="1"/>
             <a:r>
               <a:rPr lang="en-US" smtClean="0"/>
               <a:t>Second level</a:t>
             </a:r>
           </a:p>
           <a:p>
-            <a:pPr lvl="2"/>
+            <a:pPr lvl="2" eaLnBrk="1" latinLnBrk="0" hangingPunct="1"/>
             <a:r>
               <a:rPr lang="en-US" smtClean="0"/>
               <a:t>Third level</a:t>
             </a:r>
           </a:p>
           <a:p>
-            <a:pPr lvl="3"/>
+            <a:pPr lvl="3" eaLnBrk="1" latinLnBrk="0" hangingPunct="1"/>
             <a:r>
               <a:rPr lang="en-US" smtClean="0"/>
               <a:t>Fourth level</a:t>
             </a:r>
           </a:p>
           <a:p>
-            <a:pPr lvl="4"/>
+            <a:pPr lvl="4" eaLnBrk="1" latinLnBrk="0" hangingPunct="1"/>
             <a:r>
               <a:rPr lang="en-US" smtClean="0"/>
               <a:t>Fifth level</a:t>
             </a:r>
-            <a:endParaRPr lang="en-US"/>
+            <a:endParaRPr kumimoji="0" lang="en-US"/>
           </a:p>
         </p:txBody>
       </p:sp>
@@ -460,7 +2048,7 @@
           <a:p>
             <a:fld id="{2D65806D-4663-464B-B00E-E49CF436C95E}" type="datetimeFigureOut">
               <a:rPr lang="en-US" smtClean="0"/>
-              <a:t>1/26/2013</a:t>
+              <a:t>1/29/2013</a:t>
             </a:fld>
             <a:endParaRPr lang="en-US"/>
           </a:p>
@@ -509,11 +2097,6 @@
         </p:txBody>
       </p:sp>
     </p:spTree>
-    <p:extLst>
-      <p:ext uri="{BB962C8B-B14F-4D97-AF65-F5344CB8AC3E}">
-        <p14:creationId xmlns:p14="http://schemas.microsoft.com/office/powerpoint/2010/main" val="3384169734"/>
-      </p:ext>
-    </p:extLst>
   </p:cSld>
   <p:clrMapOvr>
     <a:masterClrMapping/>
@@ -559,10 +2142,10 @@
           <a:lstStyle/>
           <a:p>
             <a:r>
-              <a:rPr lang="en-US" smtClean="0"/>
+              <a:rPr kumimoji="0" lang="en-US" smtClean="0"/>
               <a:t>Click to edit Master title style</a:t>
             </a:r>
-            <a:endParaRPr lang="en-US"/>
+            <a:endParaRPr kumimoji="0" lang="en-US"/>
           </a:p>
         </p:txBody>
       </p:sp>
@@ -586,40 +2169,40 @@
           <a:bodyPr vert="eaVert"/>
           <a:lstStyle/>
           <a:p>
-            <a:pPr lvl="0"/>
+            <a:pPr lvl="0" eaLnBrk="1" latinLnBrk="0" hangingPunct="1"/>
             <a:r>
               <a:rPr lang="en-US" smtClean="0"/>
               <a:t>Click to edit Master text styles</a:t>
             </a:r>
           </a:p>
           <a:p>
-            <a:pPr lvl="1"/>
+            <a:pPr lvl="1" eaLnBrk="1" latinLnBrk="0" hangingPunct="1"/>
             <a:r>
               <a:rPr lang="en-US" smtClean="0"/>
               <a:t>Second level</a:t>
             </a:r>
           </a:p>
           <a:p>
-            <a:pPr lvl="2"/>
+            <a:pPr lvl="2" eaLnBrk="1" latinLnBrk="0" hangingPunct="1"/>
             <a:r>
               <a:rPr lang="en-US" smtClean="0"/>
               <a:t>Third level</a:t>
             </a:r>
           </a:p>
           <a:p>
-            <a:pPr lvl="3"/>
+            <a:pPr lvl="3" eaLnBrk="1" latinLnBrk="0" hangingPunct="1"/>
             <a:r>
               <a:rPr lang="en-US" smtClean="0"/>
               <a:t>Fourth level</a:t>
             </a:r>
           </a:p>
           <a:p>
-            <a:pPr lvl="4"/>
+            <a:pPr lvl="4" eaLnBrk="1" latinLnBrk="0" hangingPunct="1"/>
             <a:r>
               <a:rPr lang="en-US" smtClean="0"/>
               <a:t>Fifth level</a:t>
             </a:r>
-            <a:endParaRPr lang="en-US"/>
+            <a:endParaRPr kumimoji="0" lang="en-US"/>
           </a:p>
         </p:txBody>
       </p:sp>
@@ -640,7 +2223,7 @@
           <a:p>
             <a:fld id="{2D65806D-4663-464B-B00E-E49CF436C95E}" type="datetimeFigureOut">
               <a:rPr lang="en-US" smtClean="0"/>
-              <a:t>1/26/2013</a:t>
+              <a:t>1/29/2013</a:t>
             </a:fld>
             <a:endParaRPr lang="en-US"/>
           </a:p>
@@ -689,11 +2272,6 @@
         </p:txBody>
       </p:sp>
     </p:spTree>
-    <p:extLst>
-      <p:ext uri="{BB962C8B-B14F-4D97-AF65-F5344CB8AC3E}">
-        <p14:creationId xmlns:p14="http://schemas.microsoft.com/office/powerpoint/2010/main" val="1600901888"/>
-      </p:ext>
-    </p:extLst>
   </p:cSld>
   <p:clrMapOvr>
     <a:masterClrMapping/>
@@ -734,10 +2312,10 @@
           <a:lstStyle/>
           <a:p>
             <a:r>
-              <a:rPr lang="en-US" smtClean="0"/>
+              <a:rPr kumimoji="0" lang="en-US" smtClean="0"/>
               <a:t>Click to edit Master title style</a:t>
             </a:r>
-            <a:endParaRPr lang="en-US"/>
+            <a:endParaRPr kumimoji="0" lang="en-US"/>
           </a:p>
         </p:txBody>
       </p:sp>
@@ -756,40 +2334,40 @@
           <a:bodyPr/>
           <a:lstStyle/>
           <a:p>
-            <a:pPr lvl="0"/>
+            <a:pPr lvl="0" eaLnBrk="1" latinLnBrk="0" hangingPunct="1"/>
             <a:r>
               <a:rPr lang="en-US" smtClean="0"/>
               <a:t>Click to edit Master text styles</a:t>
             </a:r>
           </a:p>
           <a:p>
-            <a:pPr lvl="1"/>
+            <a:pPr lvl="1" eaLnBrk="1" latinLnBrk="0" hangingPunct="1"/>
             <a:r>
               <a:rPr lang="en-US" smtClean="0"/>
               <a:t>Second level</a:t>
             </a:r>
           </a:p>
           <a:p>
-            <a:pPr lvl="2"/>
+            <a:pPr lvl="2" eaLnBrk="1" latinLnBrk="0" hangingPunct="1"/>
             <a:r>
               <a:rPr lang="en-US" smtClean="0"/>
               <a:t>Third level</a:t>
             </a:r>
           </a:p>
           <a:p>
-            <a:pPr lvl="3"/>
+            <a:pPr lvl="3" eaLnBrk="1" latinLnBrk="0" hangingPunct="1"/>
             <a:r>
               <a:rPr lang="en-US" smtClean="0"/>
               <a:t>Fourth level</a:t>
             </a:r>
           </a:p>
           <a:p>
-            <a:pPr lvl="4"/>
+            <a:pPr lvl="4" eaLnBrk="1" latinLnBrk="0" hangingPunct="1"/>
             <a:r>
               <a:rPr lang="en-US" smtClean="0"/>
               <a:t>Fifth level</a:t>
             </a:r>
-            <a:endParaRPr lang="en-US"/>
+            <a:endParaRPr kumimoji="0" lang="en-US"/>
           </a:p>
         </p:txBody>
       </p:sp>
@@ -810,7 +2388,7 @@
           <a:p>
             <a:fld id="{2D65806D-4663-464B-B00E-E49CF436C95E}" type="datetimeFigureOut">
               <a:rPr lang="en-US" smtClean="0"/>
-              <a:t>1/26/2013</a:t>
+              <a:t>1/29/2013</a:t>
             </a:fld>
             <a:endParaRPr lang="en-US"/>
           </a:p>
@@ -859,11 +2437,6 @@
         </p:txBody>
       </p:sp>
     </p:spTree>
-    <p:extLst>
-      <p:ext uri="{BB962C8B-B14F-4D97-AF65-F5344CB8AC3E}">
-        <p14:creationId xmlns:p14="http://schemas.microsoft.com/office/powerpoint/2010/main" val="2815622009"/>
-      </p:ext>
-    </p:extLst>
   </p:cSld>
   <p:clrMapOvr>
     <a:masterClrMapping/>
@@ -874,6 +2447,11 @@
 <file path=ppt/slideLayouts/slideLayout3.xml><?xml version="1.0" encoding="utf-8"?>
 <p:sldLayout xmlns:a="http://schemas.openxmlformats.org/drawingml/2006/main" xmlns:r="http://schemas.openxmlformats.org/officeDocument/2006/relationships" xmlns:p="http://schemas.openxmlformats.org/presentationml/2006/main" type="secHead" preserve="1">
   <p:cSld name="Section Header">
+    <p:bg>
+      <p:bgRef idx="1003">
+        <a:schemeClr val="bg2"/>
+      </p:bgRef>
+    </p:bg>
     <p:spTree>
       <p:nvGrpSpPr>
         <p:cNvPr id="1" name=""/>
@@ -900,56 +2478,94 @@
         </p:nvSpPr>
         <p:spPr>
           <a:xfrm>
-            <a:off x="722313" y="4406900"/>
-            <a:ext cx="7772400" cy="1362075"/>
+            <a:off x="1600200" y="609600"/>
+            <a:ext cx="7086600" cy="1828800"/>
           </a:xfrm>
         </p:spPr>
         <p:txBody>
+          <a:bodyPr vert="horz" bIns="0" anchor="b">
+            <a:noAutofit/>
+            <a:scene3d>
+              <a:camera prst="orthographicFront"/>
+              <a:lightRig rig="soft" dir="t">
+                <a:rot lat="0" lon="0" rev="17220000"/>
+              </a:lightRig>
+            </a:scene3d>
+            <a:sp3d prstMaterial="softEdge">
+              <a:bevelT w="38100" h="38100"/>
+              <a:contourClr>
+                <a:schemeClr val="tx2">
+                  <a:shade val="50000"/>
+                </a:schemeClr>
+              </a:contourClr>
+            </a:sp3d>
+          </a:bodyPr>
+          <a:lstStyle>
+            <a:lvl1pPr algn="l" rtl="0">
+              <a:spcBef>
+                <a:spcPct val="0"/>
+              </a:spcBef>
+              <a:buNone/>
+              <a:defRPr sz="4800" b="1" cap="none" baseline="0">
+                <a:ln w="6350">
+                  <a:noFill/>
+                </a:ln>
+                <a:solidFill>
+                  <a:schemeClr val="accent1">
+                    <a:tint val="90000"/>
+                    <a:satMod val="120000"/>
+                  </a:schemeClr>
+                </a:solidFill>
+                <a:effectLst>
+                  <a:outerShdw blurRad="114300" dist="101600" dir="2700000" algn="tl" rotWithShape="0">
+                    <a:srgbClr val="000000">
+                      <a:alpha val="40000"/>
+                    </a:srgbClr>
+                  </a:outerShdw>
+                </a:effectLst>
+                <a:latin typeface="+mj-lt"/>
+                <a:ea typeface="+mj-ea"/>
+                <a:cs typeface="+mj-cs"/>
+              </a:defRPr>
+            </a:lvl1pPr>
+          </a:lstStyle>
+          <a:p>
+            <a:r>
+              <a:rPr kumimoji="0" lang="en-US" smtClean="0"/>
+              <a:t>Click to edit Master title style</a:t>
+            </a:r>
+            <a:endParaRPr kumimoji="0" lang="en-US"/>
+          </a:p>
+        </p:txBody>
+      </p:sp>
+      <p:sp>
+        <p:nvSpPr>
+          <p:cNvPr id="3" name="Text Placeholder 2"/>
+          <p:cNvSpPr>
+            <a:spLocks noGrp="1"/>
+          </p:cNvSpPr>
+          <p:nvPr>
+            <p:ph type="body" idx="1"/>
+          </p:nvPr>
+        </p:nvSpPr>
+        <p:spPr>
+          <a:xfrm>
+            <a:off x="1600200" y="2507786"/>
+            <a:ext cx="7086600" cy="1509712"/>
+          </a:xfrm>
+        </p:spPr>
+        <p:txBody>
           <a:bodyPr anchor="t"/>
           <a:lstStyle>
-            <a:lvl1pPr algn="l">
-              <a:defRPr sz="4000" b="1" cap="all"/>
-            </a:lvl1pPr>
-          </a:lstStyle>
-          <a:p>
-            <a:r>
-              <a:rPr lang="en-US" smtClean="0"/>
-              <a:t>Click to edit Master title style</a:t>
-            </a:r>
-            <a:endParaRPr lang="en-US"/>
-          </a:p>
-        </p:txBody>
-      </p:sp>
-      <p:sp>
-        <p:nvSpPr>
-          <p:cNvPr id="3" name="Text Placeholder 2"/>
-          <p:cNvSpPr>
-            <a:spLocks noGrp="1"/>
-          </p:cNvSpPr>
-          <p:nvPr>
-            <p:ph type="body" idx="1"/>
-          </p:nvPr>
-        </p:nvSpPr>
-        <p:spPr>
-          <a:xfrm>
-            <a:off x="722313" y="2906713"/>
-            <a:ext cx="7772400" cy="1500187"/>
-          </a:xfrm>
-        </p:spPr>
-        <p:txBody>
-          <a:bodyPr anchor="b"/>
-          <a:lstStyle>
-            <a:lvl1pPr marL="0" indent="0">
+            <a:lvl1pPr marL="73152" indent="0" algn="l">
               <a:buNone/>
               <a:defRPr sz="2000">
                 <a:solidFill>
-                  <a:schemeClr val="tx1">
-                    <a:tint val="75000"/>
-                  </a:schemeClr>
+                  <a:schemeClr val="tx1"/>
                 </a:solidFill>
               </a:defRPr>
             </a:lvl1pPr>
-            <a:lvl2pPr marL="457200" indent="0">
+            <a:lvl2pPr>
               <a:buNone/>
               <a:defRPr sz="1800">
                 <a:solidFill>
@@ -959,7 +2575,7 @@
                 </a:solidFill>
               </a:defRPr>
             </a:lvl2pPr>
-            <a:lvl3pPr marL="914400" indent="0">
+            <a:lvl3pPr>
               <a:buNone/>
               <a:defRPr sz="1600">
                 <a:solidFill>
@@ -969,7 +2585,7 @@
                 </a:solidFill>
               </a:defRPr>
             </a:lvl3pPr>
-            <a:lvl4pPr marL="1371600" indent="0">
+            <a:lvl4pPr>
               <a:buNone/>
               <a:defRPr sz="1400">
                 <a:solidFill>
@@ -979,7 +2595,7 @@
                 </a:solidFill>
               </a:defRPr>
             </a:lvl4pPr>
-            <a:lvl5pPr marL="1828800" indent="0">
+            <a:lvl5pPr>
               <a:buNone/>
               <a:defRPr sz="1400">
                 <a:solidFill>
@@ -989,51 +2605,11 @@
                 </a:solidFill>
               </a:defRPr>
             </a:lvl5pPr>
-            <a:lvl6pPr marL="2286000" indent="0">
-              <a:buNone/>
-              <a:defRPr sz="1400">
-                <a:solidFill>
-                  <a:schemeClr val="tx1">
-                    <a:tint val="75000"/>
-                  </a:schemeClr>
-                </a:solidFill>
-              </a:defRPr>
-            </a:lvl6pPr>
-            <a:lvl7pPr marL="2743200" indent="0">
-              <a:buNone/>
-              <a:defRPr sz="1400">
-                <a:solidFill>
-                  <a:schemeClr val="tx1">
-                    <a:tint val="75000"/>
-                  </a:schemeClr>
-                </a:solidFill>
-              </a:defRPr>
-            </a:lvl7pPr>
-            <a:lvl8pPr marL="3200400" indent="0">
-              <a:buNone/>
-              <a:defRPr sz="1400">
-                <a:solidFill>
-                  <a:schemeClr val="tx1">
-                    <a:tint val="75000"/>
-                  </a:schemeClr>
-                </a:solidFill>
-              </a:defRPr>
-            </a:lvl8pPr>
-            <a:lvl9pPr marL="3657600" indent="0">
-              <a:buNone/>
-              <a:defRPr sz="1400">
-                <a:solidFill>
-                  <a:schemeClr val="tx1">
-                    <a:tint val="75000"/>
-                  </a:schemeClr>
-                </a:solidFill>
-              </a:defRPr>
-            </a:lvl9pPr>
           </a:lstStyle>
           <a:p>
-            <a:pPr lvl="0"/>
-            <a:r>
-              <a:rPr lang="en-US" smtClean="0"/>
+            <a:pPr lvl="0" eaLnBrk="1" latinLnBrk="0" hangingPunct="1"/>
+            <a:r>
+              <a:rPr kumimoji="0" lang="en-US" smtClean="0"/>
               <a:t>Click to edit Master text styles</a:t>
             </a:r>
           </a:p>
@@ -1056,7 +2632,7 @@
           <a:p>
             <a:fld id="{2D65806D-4663-464B-B00E-E49CF436C95E}" type="datetimeFigureOut">
               <a:rPr lang="en-US" smtClean="0"/>
-              <a:t>1/26/2013</a:t>
+              <a:t>1/29/2013</a:t>
             </a:fld>
             <a:endParaRPr lang="en-US"/>
           </a:p>
@@ -1091,7 +2667,12 @@
             <p:ph type="sldNum" sz="quarter" idx="12"/>
           </p:nvPr>
         </p:nvSpPr>
-        <p:spPr/>
+        <p:spPr>
+          <a:xfrm>
+            <a:off x="7924800" y="6416675"/>
+            <a:ext cx="762000" cy="365125"/>
+          </a:xfrm>
+        </p:spPr>
         <p:txBody>
           <a:bodyPr/>
           <a:lstStyle/>
@@ -1105,14 +2686,9 @@
         </p:txBody>
       </p:sp>
     </p:spTree>
-    <p:extLst>
-      <p:ext uri="{BB962C8B-B14F-4D97-AF65-F5344CB8AC3E}">
-        <p14:creationId xmlns:p14="http://schemas.microsoft.com/office/powerpoint/2010/main" val="1999821379"/>
-      </p:ext>
-    </p:extLst>
   </p:cSld>
   <p:clrMapOvr>
-    <a:masterClrMapping/>
+    <a:overrideClrMapping bg1="dk1" tx1="lt1" bg2="dk2" tx2="lt2" accent1="accent1" accent2="accent2" accent3="accent3" accent4="accent4" accent5="accent5" accent6="accent6" hlink="hlink" folHlink="folHlink"/>
   </p:clrMapOvr>
 </p:sldLayout>
 </file>
@@ -1150,10 +2726,10 @@
           <a:lstStyle/>
           <a:p>
             <a:r>
-              <a:rPr lang="en-US" smtClean="0"/>
+              <a:rPr kumimoji="0" lang="en-US" smtClean="0"/>
               <a:t>Click to edit Master title style</a:t>
             </a:r>
-            <a:endParaRPr lang="en-US"/>
+            <a:endParaRPr kumimoji="0" lang="en-US"/>
           </a:p>
         </p:txBody>
       </p:sp>
@@ -1177,7 +2753,7 @@
           <a:bodyPr/>
           <a:lstStyle>
             <a:lvl1pPr>
-              <a:defRPr sz="2800"/>
+              <a:defRPr sz="2600"/>
             </a:lvl1pPr>
             <a:lvl2pPr>
               <a:defRPr sz="2400"/>
@@ -1191,54 +2767,42 @@
             <a:lvl5pPr>
               <a:defRPr sz="1800"/>
             </a:lvl5pPr>
-            <a:lvl6pPr>
-              <a:defRPr sz="1800"/>
-            </a:lvl6pPr>
-            <a:lvl7pPr>
-              <a:defRPr sz="1800"/>
-            </a:lvl7pPr>
-            <a:lvl8pPr>
-              <a:defRPr sz="1800"/>
-            </a:lvl8pPr>
-            <a:lvl9pPr>
-              <a:defRPr sz="1800"/>
-            </a:lvl9pPr>
           </a:lstStyle>
           <a:p>
-            <a:pPr lvl="0"/>
+            <a:pPr lvl="0" eaLnBrk="1" latinLnBrk="0" hangingPunct="1"/>
             <a:r>
               <a:rPr lang="en-US" smtClean="0"/>
               <a:t>Click to edit Master text styles</a:t>
             </a:r>
           </a:p>
           <a:p>
-            <a:pPr lvl="1"/>
+            <a:pPr lvl="1" eaLnBrk="1" latinLnBrk="0" hangingPunct="1"/>
             <a:r>
               <a:rPr lang="en-US" smtClean="0"/>
               <a:t>Second level</a:t>
             </a:r>
           </a:p>
           <a:p>
-            <a:pPr lvl="2"/>
+            <a:pPr lvl="2" eaLnBrk="1" latinLnBrk="0" hangingPunct="1"/>
             <a:r>
               <a:rPr lang="en-US" smtClean="0"/>
               <a:t>Third level</a:t>
             </a:r>
           </a:p>
           <a:p>
-            <a:pPr lvl="3"/>
+            <a:pPr lvl="3" eaLnBrk="1" latinLnBrk="0" hangingPunct="1"/>
             <a:r>
               <a:rPr lang="en-US" smtClean="0"/>
               <a:t>Fourth level</a:t>
             </a:r>
           </a:p>
           <a:p>
-            <a:pPr lvl="4"/>
+            <a:pPr lvl="4" eaLnBrk="1" latinLnBrk="0" hangingPunct="1"/>
             <a:r>
               <a:rPr lang="en-US" smtClean="0"/>
               <a:t>Fifth level</a:t>
             </a:r>
-            <a:endParaRPr lang="en-US"/>
+            <a:endParaRPr kumimoji="0" lang="en-US"/>
           </a:p>
         </p:txBody>
       </p:sp>
@@ -1262,7 +2826,7 @@
           <a:bodyPr/>
           <a:lstStyle>
             <a:lvl1pPr>
-              <a:defRPr sz="2800"/>
+              <a:defRPr sz="2600"/>
             </a:lvl1pPr>
             <a:lvl2pPr>
               <a:defRPr sz="2400"/>
@@ -1276,54 +2840,42 @@
             <a:lvl5pPr>
               <a:defRPr sz="1800"/>
             </a:lvl5pPr>
-            <a:lvl6pPr>
-              <a:defRPr sz="1800"/>
-            </a:lvl6pPr>
-            <a:lvl7pPr>
-              <a:defRPr sz="1800"/>
-            </a:lvl7pPr>
-            <a:lvl8pPr>
-              <a:defRPr sz="1800"/>
-            </a:lvl8pPr>
-            <a:lvl9pPr>
-              <a:defRPr sz="1800"/>
-            </a:lvl9pPr>
           </a:lstStyle>
           <a:p>
-            <a:pPr lvl="0"/>
+            <a:pPr lvl="0" eaLnBrk="1" latinLnBrk="0" hangingPunct="1"/>
             <a:r>
               <a:rPr lang="en-US" smtClean="0"/>
               <a:t>Click to edit Master text styles</a:t>
             </a:r>
           </a:p>
           <a:p>
-            <a:pPr lvl="1"/>
+            <a:pPr lvl="1" eaLnBrk="1" latinLnBrk="0" hangingPunct="1"/>
             <a:r>
               <a:rPr lang="en-US" smtClean="0"/>
               <a:t>Second level</a:t>
             </a:r>
           </a:p>
           <a:p>
-            <a:pPr lvl="2"/>
+            <a:pPr lvl="2" eaLnBrk="1" latinLnBrk="0" hangingPunct="1"/>
             <a:r>
               <a:rPr lang="en-US" smtClean="0"/>
               <a:t>Third level</a:t>
             </a:r>
           </a:p>
           <a:p>
-            <a:pPr lvl="3"/>
+            <a:pPr lvl="3" eaLnBrk="1" latinLnBrk="0" hangingPunct="1"/>
             <a:r>
               <a:rPr lang="en-US" smtClean="0"/>
               <a:t>Fourth level</a:t>
             </a:r>
           </a:p>
           <a:p>
-            <a:pPr lvl="4"/>
+            <a:pPr lvl="4" eaLnBrk="1" latinLnBrk="0" hangingPunct="1"/>
             <a:r>
               <a:rPr lang="en-US" smtClean="0"/>
               <a:t>Fifth level</a:t>
             </a:r>
-            <a:endParaRPr lang="en-US"/>
+            <a:endParaRPr kumimoji="0" lang="en-US"/>
           </a:p>
         </p:txBody>
       </p:sp>
@@ -1344,7 +2896,7 @@
           <a:p>
             <a:fld id="{2D65806D-4663-464B-B00E-E49CF436C95E}" type="datetimeFigureOut">
               <a:rPr lang="en-US" smtClean="0"/>
-              <a:t>1/26/2013</a:t>
+              <a:t>1/29/2013</a:t>
             </a:fld>
             <a:endParaRPr lang="en-US"/>
           </a:p>
@@ -1393,11 +2945,6 @@
         </p:txBody>
       </p:sp>
     </p:spTree>
-    <p:extLst>
-      <p:ext uri="{BB962C8B-B14F-4D97-AF65-F5344CB8AC3E}">
-        <p14:creationId xmlns:p14="http://schemas.microsoft.com/office/powerpoint/2010/main" val="2063243848"/>
-      </p:ext>
-    </p:extLst>
   </p:cSld>
   <p:clrMapOvr>
     <a:masterClrMapping/>
@@ -1432,9 +2979,14 @@
             <p:ph type="title"/>
           </p:nvPr>
         </p:nvSpPr>
-        <p:spPr/>
-        <p:txBody>
-          <a:bodyPr/>
+        <p:spPr>
+          <a:xfrm>
+            <a:off x="457200" y="273050"/>
+            <a:ext cx="8229600" cy="1143000"/>
+          </a:xfrm>
+        </p:spPr>
+        <p:txBody>
+          <a:bodyPr anchor="ctr"/>
           <a:lstStyle>
             <a:lvl1pPr>
               <a:defRPr/>
@@ -1442,10 +2994,10 @@
           </a:lstStyle>
           <a:p>
             <a:r>
-              <a:rPr lang="en-US" smtClean="0"/>
+              <a:rPr kumimoji="0" lang="en-US" smtClean="0"/>
               <a:t>Click to edit Master title style</a:t>
             </a:r>
-            <a:endParaRPr lang="en-US"/>
+            <a:endParaRPr kumimoji="0" lang="en-US"/>
           </a:p>
         </p:txBody>
       </p:sp>
@@ -1461,54 +3013,95 @@
         </p:nvSpPr>
         <p:spPr>
           <a:xfrm>
-            <a:off x="457200" y="1535113"/>
-            <a:ext cx="4040188" cy="639762"/>
+            <a:off x="457200" y="1535112"/>
+            <a:ext cx="4040188" cy="750887"/>
           </a:xfrm>
         </p:spPr>
         <p:txBody>
-          <a:bodyPr anchor="b"/>
+          <a:bodyPr anchor="ctr"/>
           <a:lstStyle>
             <a:lvl1pPr marL="0" indent="0">
               <a:buNone/>
-              <a:defRPr sz="2400" b="1"/>
+              <a:defRPr sz="2400" b="0" cap="all" baseline="0">
+                <a:solidFill>
+                  <a:schemeClr val="tx1"/>
+                </a:solidFill>
+              </a:defRPr>
             </a:lvl1pPr>
-            <a:lvl2pPr marL="457200" indent="0">
+            <a:lvl2pPr>
               <a:buNone/>
               <a:defRPr sz="2000" b="1"/>
             </a:lvl2pPr>
-            <a:lvl3pPr marL="914400" indent="0">
+            <a:lvl3pPr>
               <a:buNone/>
               <a:defRPr sz="1800" b="1"/>
             </a:lvl3pPr>
-            <a:lvl4pPr marL="1371600" indent="0">
+            <a:lvl4pPr>
               <a:buNone/>
               <a:defRPr sz="1600" b="1"/>
             </a:lvl4pPr>
-            <a:lvl5pPr marL="1828800" indent="0">
+            <a:lvl5pPr>
               <a:buNone/>
               <a:defRPr sz="1600" b="1"/>
             </a:lvl5pPr>
-            <a:lvl6pPr marL="2286000" indent="0">
+          </a:lstStyle>
+          <a:p>
+            <a:pPr lvl="0" eaLnBrk="1" latinLnBrk="0" hangingPunct="1"/>
+            <a:r>
+              <a:rPr kumimoji="0" lang="en-US" smtClean="0"/>
+              <a:t>Click to edit Master text styles</a:t>
+            </a:r>
+          </a:p>
+        </p:txBody>
+      </p:sp>
+      <p:sp>
+        <p:nvSpPr>
+          <p:cNvPr id="4" name="Text Placeholder 3"/>
+          <p:cNvSpPr>
+            <a:spLocks noGrp="1"/>
+          </p:cNvSpPr>
+          <p:nvPr>
+            <p:ph type="body" sz="half" idx="3"/>
+          </p:nvPr>
+        </p:nvSpPr>
+        <p:spPr>
+          <a:xfrm>
+            <a:off x="4645025" y="1535112"/>
+            <a:ext cx="4041775" cy="750887"/>
+          </a:xfrm>
+        </p:spPr>
+        <p:txBody>
+          <a:bodyPr anchor="ctr"/>
+          <a:lstStyle>
+            <a:lvl1pPr marL="0" indent="0">
+              <a:buNone/>
+              <a:defRPr sz="2400" b="0" cap="all" baseline="0">
+                <a:solidFill>
+                  <a:schemeClr val="tx1"/>
+                </a:solidFill>
+              </a:defRPr>
+            </a:lvl1pPr>
+            <a:lvl2pPr>
+              <a:buNone/>
+              <a:defRPr sz="2000" b="1"/>
+            </a:lvl2pPr>
+            <a:lvl3pPr>
+              <a:buNone/>
+              <a:defRPr sz="1800" b="1"/>
+            </a:lvl3pPr>
+            <a:lvl4pPr>
               <a:buNone/>
               <a:defRPr sz="1600" b="1"/>
-            </a:lvl6pPr>
-            <a:lvl7pPr marL="2743200" indent="0">
+            </a:lvl4pPr>
+            <a:lvl5pPr>
               <a:buNone/>
               <a:defRPr sz="1600" b="1"/>
-            </a:lvl7pPr>
-            <a:lvl8pPr marL="3200400" indent="0">
-              <a:buNone/>
-              <a:defRPr sz="1600" b="1"/>
-            </a:lvl8pPr>
-            <a:lvl9pPr marL="3657600" indent="0">
-              <a:buNone/>
-              <a:defRPr sz="1600" b="1"/>
-            </a:lvl9pPr>
+            </a:lvl5pPr>
           </a:lstStyle>
           <a:p>
-            <a:pPr lvl="0"/>
-            <a:r>
-              <a:rPr lang="en-US" smtClean="0"/>
+            <a:pPr lvl="0" eaLnBrk="1" latinLnBrk="0" hangingPunct="1"/>
+            <a:r>
+              <a:rPr kumimoji="0" lang="en-US" smtClean="0"/>
               <a:t>Click to edit Master text styles</a:t>
             </a:r>
           </a:p>
@@ -1516,18 +3109,18 @@
       </p:sp>
       <p:sp>
         <p:nvSpPr>
-          <p:cNvPr id="4" name="Content Placeholder 3"/>
-          <p:cNvSpPr>
-            <a:spLocks noGrp="1"/>
-          </p:cNvSpPr>
-          <p:nvPr>
-            <p:ph sz="half" idx="2"/>
+          <p:cNvPr id="5" name="Content Placeholder 4"/>
+          <p:cNvSpPr>
+            <a:spLocks noGrp="1"/>
+          </p:cNvSpPr>
+          <p:nvPr>
+            <p:ph sz="quarter" idx="2"/>
           </p:nvPr>
         </p:nvSpPr>
         <p:spPr>
           <a:xfrm>
-            <a:off x="457200" y="2174875"/>
-            <a:ext cx="4040188" cy="3951288"/>
+            <a:off x="457200" y="2362200"/>
+            <a:ext cx="4040188" cy="3763963"/>
           </a:xfrm>
         </p:spPr>
         <p:txBody>
@@ -1548,136 +3141,59 @@
             <a:lvl5pPr>
               <a:defRPr sz="1600"/>
             </a:lvl5pPr>
-            <a:lvl6pPr>
-              <a:defRPr sz="1600"/>
-            </a:lvl6pPr>
-            <a:lvl7pPr>
-              <a:defRPr sz="1600"/>
-            </a:lvl7pPr>
-            <a:lvl8pPr>
-              <a:defRPr sz="1600"/>
-            </a:lvl8pPr>
-            <a:lvl9pPr>
-              <a:defRPr sz="1600"/>
-            </a:lvl9pPr>
           </a:lstStyle>
           <a:p>
-            <a:pPr lvl="0"/>
+            <a:pPr lvl="0" eaLnBrk="1" latinLnBrk="0" hangingPunct="1"/>
             <a:r>
               <a:rPr lang="en-US" smtClean="0"/>
               <a:t>Click to edit Master text styles</a:t>
             </a:r>
           </a:p>
           <a:p>
-            <a:pPr lvl="1"/>
+            <a:pPr lvl="1" eaLnBrk="1" latinLnBrk="0" hangingPunct="1"/>
             <a:r>
               <a:rPr lang="en-US" smtClean="0"/>
               <a:t>Second level</a:t>
             </a:r>
           </a:p>
           <a:p>
-            <a:pPr lvl="2"/>
+            <a:pPr lvl="2" eaLnBrk="1" latinLnBrk="0" hangingPunct="1"/>
             <a:r>
               <a:rPr lang="en-US" smtClean="0"/>
               <a:t>Third level</a:t>
             </a:r>
           </a:p>
           <a:p>
-            <a:pPr lvl="3"/>
+            <a:pPr lvl="3" eaLnBrk="1" latinLnBrk="0" hangingPunct="1"/>
             <a:r>
               <a:rPr lang="en-US" smtClean="0"/>
               <a:t>Fourth level</a:t>
             </a:r>
           </a:p>
           <a:p>
-            <a:pPr lvl="4"/>
+            <a:pPr lvl="4" eaLnBrk="1" latinLnBrk="0" hangingPunct="1"/>
             <a:r>
               <a:rPr lang="en-US" smtClean="0"/>
               <a:t>Fifth level</a:t>
             </a:r>
-            <a:endParaRPr lang="en-US"/>
-          </a:p>
-        </p:txBody>
-      </p:sp>
-      <p:sp>
-        <p:nvSpPr>
-          <p:cNvPr id="5" name="Text Placeholder 4"/>
-          <p:cNvSpPr>
-            <a:spLocks noGrp="1"/>
-          </p:cNvSpPr>
-          <p:nvPr>
-            <p:ph type="body" sz="quarter" idx="3"/>
+            <a:endParaRPr kumimoji="0" lang="en-US"/>
+          </a:p>
+        </p:txBody>
+      </p:sp>
+      <p:sp>
+        <p:nvSpPr>
+          <p:cNvPr id="6" name="Content Placeholder 5"/>
+          <p:cNvSpPr>
+            <a:spLocks noGrp="1"/>
+          </p:cNvSpPr>
+          <p:nvPr>
+            <p:ph sz="quarter" idx="4"/>
           </p:nvPr>
         </p:nvSpPr>
         <p:spPr>
           <a:xfrm>
-            <a:off x="4645025" y="1535113"/>
-            <a:ext cx="4041775" cy="639762"/>
-          </a:xfrm>
-        </p:spPr>
-        <p:txBody>
-          <a:bodyPr anchor="b"/>
-          <a:lstStyle>
-            <a:lvl1pPr marL="0" indent="0">
-              <a:buNone/>
-              <a:defRPr sz="2400" b="1"/>
-            </a:lvl1pPr>
-            <a:lvl2pPr marL="457200" indent="0">
-              <a:buNone/>
-              <a:defRPr sz="2000" b="1"/>
-            </a:lvl2pPr>
-            <a:lvl3pPr marL="914400" indent="0">
-              <a:buNone/>
-              <a:defRPr sz="1800" b="1"/>
-            </a:lvl3pPr>
-            <a:lvl4pPr marL="1371600" indent="0">
-              <a:buNone/>
-              <a:defRPr sz="1600" b="1"/>
-            </a:lvl4pPr>
-            <a:lvl5pPr marL="1828800" indent="0">
-              <a:buNone/>
-              <a:defRPr sz="1600" b="1"/>
-            </a:lvl5pPr>
-            <a:lvl6pPr marL="2286000" indent="0">
-              <a:buNone/>
-              <a:defRPr sz="1600" b="1"/>
-            </a:lvl6pPr>
-            <a:lvl7pPr marL="2743200" indent="0">
-              <a:buNone/>
-              <a:defRPr sz="1600" b="1"/>
-            </a:lvl7pPr>
-            <a:lvl8pPr marL="3200400" indent="0">
-              <a:buNone/>
-              <a:defRPr sz="1600" b="1"/>
-            </a:lvl8pPr>
-            <a:lvl9pPr marL="3657600" indent="0">
-              <a:buNone/>
-              <a:defRPr sz="1600" b="1"/>
-            </a:lvl9pPr>
-          </a:lstStyle>
-          <a:p>
-            <a:pPr lvl="0"/>
-            <a:r>
-              <a:rPr lang="en-US" smtClean="0"/>
-              <a:t>Click to edit Master text styles</a:t>
-            </a:r>
-          </a:p>
-        </p:txBody>
-      </p:sp>
-      <p:sp>
-        <p:nvSpPr>
-          <p:cNvPr id="6" name="Content Placeholder 5"/>
-          <p:cNvSpPr>
-            <a:spLocks noGrp="1"/>
-          </p:cNvSpPr>
-          <p:nvPr>
-            <p:ph sz="quarter" idx="4"/>
-          </p:nvPr>
-        </p:nvSpPr>
-        <p:spPr>
-          <a:xfrm>
-            <a:off x="4645025" y="2174875"/>
-            <a:ext cx="4041775" cy="3951288"/>
+            <a:off x="4645025" y="2362200"/>
+            <a:ext cx="4041775" cy="3763963"/>
           </a:xfrm>
         </p:spPr>
         <p:txBody>
@@ -1698,54 +3214,42 @@
             <a:lvl5pPr>
               <a:defRPr sz="1600"/>
             </a:lvl5pPr>
-            <a:lvl6pPr>
-              <a:defRPr sz="1600"/>
-            </a:lvl6pPr>
-            <a:lvl7pPr>
-              <a:defRPr sz="1600"/>
-            </a:lvl7pPr>
-            <a:lvl8pPr>
-              <a:defRPr sz="1600"/>
-            </a:lvl8pPr>
-            <a:lvl9pPr>
-              <a:defRPr sz="1600"/>
-            </a:lvl9pPr>
           </a:lstStyle>
           <a:p>
-            <a:pPr lvl="0"/>
+            <a:pPr lvl="0" eaLnBrk="1" latinLnBrk="0" hangingPunct="1"/>
             <a:r>
               <a:rPr lang="en-US" smtClean="0"/>
               <a:t>Click to edit Master text styles</a:t>
             </a:r>
           </a:p>
           <a:p>
-            <a:pPr lvl="1"/>
+            <a:pPr lvl="1" eaLnBrk="1" latinLnBrk="0" hangingPunct="1"/>
             <a:r>
               <a:rPr lang="en-US" smtClean="0"/>
               <a:t>Second level</a:t>
             </a:r>
           </a:p>
           <a:p>
-            <a:pPr lvl="2"/>
+            <a:pPr lvl="2" eaLnBrk="1" latinLnBrk="0" hangingPunct="1"/>
             <a:r>
               <a:rPr lang="en-US" smtClean="0"/>
               <a:t>Third level</a:t>
             </a:r>
           </a:p>
           <a:p>
-            <a:pPr lvl="3"/>
+            <a:pPr lvl="3" eaLnBrk="1" latinLnBrk="0" hangingPunct="1"/>
             <a:r>
               <a:rPr lang="en-US" smtClean="0"/>
               <a:t>Fourth level</a:t>
             </a:r>
           </a:p>
           <a:p>
-            <a:pPr lvl="4"/>
+            <a:pPr lvl="4" eaLnBrk="1" latinLnBrk="0" hangingPunct="1"/>
             <a:r>
               <a:rPr lang="en-US" smtClean="0"/>
               <a:t>Fifth level</a:t>
             </a:r>
-            <a:endParaRPr lang="en-US"/>
+            <a:endParaRPr kumimoji="0" lang="en-US"/>
           </a:p>
         </p:txBody>
       </p:sp>
@@ -1766,7 +3270,7 @@
           <a:p>
             <a:fld id="{2D65806D-4663-464B-B00E-E49CF436C95E}" type="datetimeFigureOut">
               <a:rPr lang="en-US" smtClean="0"/>
-              <a:t>1/26/2013</a:t>
+              <a:t>1/29/2013</a:t>
             </a:fld>
             <a:endParaRPr lang="en-US"/>
           </a:p>
@@ -1815,11 +3319,6 @@
         </p:txBody>
       </p:sp>
     </p:spTree>
-    <p:extLst>
-      <p:ext uri="{BB962C8B-B14F-4D97-AF65-F5344CB8AC3E}">
-        <p14:creationId xmlns:p14="http://schemas.microsoft.com/office/powerpoint/2010/main" val="4266595547"/>
-      </p:ext>
-    </p:extLst>
   </p:cSld>
   <p:clrMapOvr>
     <a:masterClrMapping/>
@@ -1860,10 +3359,10 @@
           <a:lstStyle/>
           <a:p>
             <a:r>
-              <a:rPr lang="en-US" smtClean="0"/>
+              <a:rPr kumimoji="0" lang="en-US" smtClean="0"/>
               <a:t>Click to edit Master title style</a:t>
             </a:r>
-            <a:endParaRPr lang="en-US"/>
+            <a:endParaRPr kumimoji="0" lang="en-US"/>
           </a:p>
         </p:txBody>
       </p:sp>
@@ -1884,7 +3383,7 @@
           <a:p>
             <a:fld id="{2D65806D-4663-464B-B00E-E49CF436C95E}" type="datetimeFigureOut">
               <a:rPr lang="en-US" smtClean="0"/>
-              <a:t>1/26/2013</a:t>
+              <a:t>1/29/2013</a:t>
             </a:fld>
             <a:endParaRPr lang="en-US"/>
           </a:p>
@@ -1933,11 +3432,6 @@
         </p:txBody>
       </p:sp>
     </p:spTree>
-    <p:extLst>
-      <p:ext uri="{BB962C8B-B14F-4D97-AF65-F5344CB8AC3E}">
-        <p14:creationId xmlns:p14="http://schemas.microsoft.com/office/powerpoint/2010/main" val="1088602732"/>
-      </p:ext>
-    </p:extLst>
   </p:cSld>
   <p:clrMapOvr>
     <a:masterClrMapping/>
@@ -1979,7 +3473,7 @@
           <a:p>
             <a:fld id="{2D65806D-4663-464B-B00E-E49CF436C95E}" type="datetimeFigureOut">
               <a:rPr lang="en-US" smtClean="0"/>
-              <a:t>1/26/2013</a:t>
+              <a:t>1/29/2013</a:t>
             </a:fld>
             <a:endParaRPr lang="en-US"/>
           </a:p>
@@ -2028,11 +3522,6 @@
         </p:txBody>
       </p:sp>
     </p:spTree>
-    <p:extLst>
-      <p:ext uri="{BB962C8B-B14F-4D97-AF65-F5344CB8AC3E}">
-        <p14:creationId xmlns:p14="http://schemas.microsoft.com/office/powerpoint/2010/main" val="1085112"/>
-      </p:ext>
-    </p:extLst>
   </p:cSld>
   <p:clrMapOvr>
     <a:masterClrMapping/>
@@ -2074,29 +3563,92 @@
           </a:xfrm>
         </p:spPr>
         <p:txBody>
-          <a:bodyPr anchor="b"/>
+          <a:bodyPr vert="horz" anchor="b">
+            <a:normAutofit/>
+            <a:sp3d prstMaterial="softEdge"/>
+          </a:bodyPr>
           <a:lstStyle>
             <a:lvl1pPr algn="l">
-              <a:defRPr sz="2000" b="1"/>
+              <a:buNone/>
+              <a:defRPr sz="2200" b="0">
+                <a:ln w="6350">
+                  <a:noFill/>
+                </a:ln>
+                <a:solidFill>
+                  <a:schemeClr val="accent1">
+                    <a:tint val="73000"/>
+                    <a:satMod val="180000"/>
+                  </a:schemeClr>
+                </a:solidFill>
+              </a:defRPr>
             </a:lvl1pPr>
           </a:lstStyle>
           <a:p>
             <a:r>
-              <a:rPr lang="en-US" smtClean="0"/>
+              <a:rPr kumimoji="0" lang="en-US" smtClean="0"/>
               <a:t>Click to edit Master title style</a:t>
             </a:r>
-            <a:endParaRPr lang="en-US"/>
-          </a:p>
-        </p:txBody>
-      </p:sp>
-      <p:sp>
-        <p:nvSpPr>
-          <p:cNvPr id="3" name="Content Placeholder 2"/>
-          <p:cNvSpPr>
-            <a:spLocks noGrp="1"/>
-          </p:cNvSpPr>
-          <p:nvPr>
-            <p:ph idx="1"/>
+            <a:endParaRPr kumimoji="0" lang="en-US"/>
+          </a:p>
+        </p:txBody>
+      </p:sp>
+      <p:sp>
+        <p:nvSpPr>
+          <p:cNvPr id="3" name="Text Placeholder 2"/>
+          <p:cNvSpPr>
+            <a:spLocks noGrp="1"/>
+          </p:cNvSpPr>
+          <p:nvPr>
+            <p:ph type="body" idx="2"/>
+          </p:nvPr>
+        </p:nvSpPr>
+        <p:spPr>
+          <a:xfrm>
+            <a:off x="457200" y="1524000"/>
+            <a:ext cx="3008313" cy="4602163"/>
+          </a:xfrm>
+        </p:spPr>
+        <p:txBody>
+          <a:bodyPr/>
+          <a:lstStyle>
+            <a:lvl1pPr marL="0" indent="0">
+              <a:buNone/>
+              <a:defRPr sz="1400"/>
+            </a:lvl1pPr>
+            <a:lvl2pPr>
+              <a:buNone/>
+              <a:defRPr sz="1200"/>
+            </a:lvl2pPr>
+            <a:lvl3pPr>
+              <a:buNone/>
+              <a:defRPr sz="1000"/>
+            </a:lvl3pPr>
+            <a:lvl4pPr>
+              <a:buNone/>
+              <a:defRPr sz="900"/>
+            </a:lvl4pPr>
+            <a:lvl5pPr>
+              <a:buNone/>
+              <a:defRPr sz="900"/>
+            </a:lvl5pPr>
+          </a:lstStyle>
+          <a:p>
+            <a:pPr lvl="0" eaLnBrk="1" latinLnBrk="0" hangingPunct="1"/>
+            <a:r>
+              <a:rPr kumimoji="0" lang="en-US" smtClean="0"/>
+              <a:t>Click to edit Master text styles</a:t>
+            </a:r>
+          </a:p>
+        </p:txBody>
+      </p:sp>
+      <p:sp>
+        <p:nvSpPr>
+          <p:cNvPr id="4" name="Content Placeholder 3"/>
+          <p:cNvSpPr>
+            <a:spLocks noGrp="1"/>
+          </p:cNvSpPr>
+          <p:nvPr>
+            <p:ph sz="half" idx="1"/>
           </p:nvPr>
         </p:nvSpPr>
         <p:spPr>
@@ -2109,133 +3661,56 @@
           <a:bodyPr/>
           <a:lstStyle>
             <a:lvl1pPr>
-              <a:defRPr sz="3200"/>
+              <a:defRPr sz="2600"/>
             </a:lvl1pPr>
             <a:lvl2pPr>
-              <a:defRPr sz="2800"/>
+              <a:defRPr sz="2400"/>
             </a:lvl2pPr>
             <a:lvl3pPr>
-              <a:defRPr sz="2400"/>
+              <a:defRPr sz="2200"/>
             </a:lvl3pPr>
             <a:lvl4pPr>
               <a:defRPr sz="2000"/>
             </a:lvl4pPr>
             <a:lvl5pPr>
-              <a:defRPr sz="2000"/>
+              <a:defRPr sz="1800"/>
             </a:lvl5pPr>
-            <a:lvl6pPr>
-              <a:defRPr sz="2000"/>
-            </a:lvl6pPr>
-            <a:lvl7pPr>
-              <a:defRPr sz="2000"/>
-            </a:lvl7pPr>
-            <a:lvl8pPr>
-              <a:defRPr sz="2000"/>
-            </a:lvl8pPr>
-            <a:lvl9pPr>
-              <a:defRPr sz="2000"/>
-            </a:lvl9pPr>
           </a:lstStyle>
           <a:p>
-            <a:pPr lvl="0"/>
+            <a:pPr lvl="0" eaLnBrk="1" latinLnBrk="0" hangingPunct="1"/>
             <a:r>
               <a:rPr lang="en-US" smtClean="0"/>
               <a:t>Click to edit Master text styles</a:t>
             </a:r>
           </a:p>
           <a:p>
-            <a:pPr lvl="1"/>
+            <a:pPr lvl="1" eaLnBrk="1" latinLnBrk="0" hangingPunct="1"/>
             <a:r>
               <a:rPr lang="en-US" smtClean="0"/>
               <a:t>Second level</a:t>
             </a:r>
           </a:p>
           <a:p>
-            <a:pPr lvl="2"/>
+            <a:pPr lvl="2" eaLnBrk="1" latinLnBrk="0" hangingPunct="1"/>
             <a:r>
               <a:rPr lang="en-US" smtClean="0"/>
               <a:t>Third level</a:t>
             </a:r>
           </a:p>
           <a:p>
-            <a:pPr lvl="3"/>
+            <a:pPr lvl="3" eaLnBrk="1" latinLnBrk="0" hangingPunct="1"/>
             <a:r>
               <a:rPr lang="en-US" smtClean="0"/>
               <a:t>Fourth level</a:t>
             </a:r>
           </a:p>
           <a:p>
-            <a:pPr lvl="4"/>
+            <a:pPr lvl="4" eaLnBrk="1" latinLnBrk="0" hangingPunct="1"/>
             <a:r>
               <a:rPr lang="en-US" smtClean="0"/>
               <a:t>Fifth level</a:t>
             </a:r>
-            <a:endParaRPr lang="en-US"/>
-          </a:p>
-        </p:txBody>
-      </p:sp>
-      <p:sp>
-        <p:nvSpPr>
-          <p:cNvPr id="4" name="Text Placeholder 3"/>
-          <p:cNvSpPr>
-            <a:spLocks noGrp="1"/>
-          </p:cNvSpPr>
-          <p:nvPr>
-            <p:ph type="body" sz="half" idx="2"/>
-          </p:nvPr>
-        </p:nvSpPr>
-        <p:spPr>
-          <a:xfrm>
-            <a:off x="457200" y="1435100"/>
-            <a:ext cx="3008313" cy="4691063"/>
-          </a:xfrm>
-        </p:spPr>
-        <p:txBody>
-          <a:bodyPr/>
-          <a:lstStyle>
-            <a:lvl1pPr marL="0" indent="0">
-              <a:buNone/>
-              <a:defRPr sz="1400"/>
-            </a:lvl1pPr>
-            <a:lvl2pPr marL="457200" indent="0">
-              <a:buNone/>
-              <a:defRPr sz="1200"/>
-            </a:lvl2pPr>
-            <a:lvl3pPr marL="914400" indent="0">
-              <a:buNone/>
-              <a:defRPr sz="1000"/>
-            </a:lvl3pPr>
-            <a:lvl4pPr marL="1371600" indent="0">
-              <a:buNone/>
-              <a:defRPr sz="900"/>
-            </a:lvl4pPr>
-            <a:lvl5pPr marL="1828800" indent="0">
-              <a:buNone/>
-              <a:defRPr sz="900"/>
-            </a:lvl5pPr>
-            <a:lvl6pPr marL="2286000" indent="0">
-              <a:buNone/>
-              <a:defRPr sz="900"/>
-            </a:lvl6pPr>
-            <a:lvl7pPr marL="2743200" indent="0">
-              <a:buNone/>
-              <a:defRPr sz="900"/>
-            </a:lvl7pPr>
-            <a:lvl8pPr marL="3200400" indent="0">
-              <a:buNone/>
-              <a:defRPr sz="900"/>
-            </a:lvl8pPr>
-            <a:lvl9pPr marL="3657600" indent="0">
-              <a:buNone/>
-              <a:defRPr sz="900"/>
-            </a:lvl9pPr>
-          </a:lstStyle>
-          <a:p>
-            <a:pPr lvl="0"/>
-            <a:r>
-              <a:rPr lang="en-US" smtClean="0"/>
-              <a:t>Click to edit Master text styles</a:t>
-            </a:r>
+            <a:endParaRPr kumimoji="0" lang="en-US"/>
           </a:p>
         </p:txBody>
       </p:sp>
@@ -2256,7 +3731,7 @@
           <a:p>
             <a:fld id="{2D65806D-4663-464B-B00E-E49CF436C95E}" type="datetimeFigureOut">
               <a:rPr lang="en-US" smtClean="0"/>
-              <a:t>1/26/2013</a:t>
+              <a:t>1/29/2013</a:t>
             </a:fld>
             <a:endParaRPr lang="en-US"/>
           </a:p>
@@ -2305,11 +3780,6 @@
         </p:txBody>
       </p:sp>
     </p:spTree>
-    <p:extLst>
-      <p:ext uri="{BB962C8B-B14F-4D97-AF65-F5344CB8AC3E}">
-        <p14:creationId xmlns:p14="http://schemas.microsoft.com/office/powerpoint/2010/main" val="4028927290"/>
-      </p:ext>
-    </p:extLst>
   </p:cSld>
   <p:clrMapOvr>
     <a:masterClrMapping/>
@@ -2346,23 +3816,26 @@
         </p:nvSpPr>
         <p:spPr>
           <a:xfrm>
-            <a:off x="1792288" y="4800600"/>
-            <a:ext cx="5486400" cy="566738"/>
+            <a:off x="1828800" y="609600"/>
+            <a:ext cx="5486400" cy="522288"/>
           </a:xfrm>
         </p:spPr>
         <p:txBody>
-          <a:bodyPr anchor="b"/>
+          <a:bodyPr lIns="45720" rIns="45720" bIns="0" anchor="b">
+            <a:sp3d prstMaterial="softEdge"/>
+          </a:bodyPr>
           <a:lstStyle>
-            <a:lvl1pPr algn="l">
+            <a:lvl1pPr algn="ctr">
+              <a:buNone/>
               <a:defRPr sz="2000" b="1"/>
             </a:lvl1pPr>
           </a:lstStyle>
           <a:p>
             <a:r>
-              <a:rPr lang="en-US" smtClean="0"/>
+              <a:rPr kumimoji="0" lang="en-US" smtClean="0"/>
               <a:t>Click to edit Master title style</a:t>
             </a:r>
-            <a:endParaRPr lang="en-US"/>
+            <a:endParaRPr kumimoji="0" lang="en-US"/>
           </a:p>
         </p:txBody>
       </p:sp>
@@ -2378,52 +3851,85 @@
         </p:nvSpPr>
         <p:spPr>
           <a:xfrm>
-            <a:off x="1792288" y="612775"/>
-            <a:ext cx="5486400" cy="4114800"/>
+            <a:off x="1828800" y="1831975"/>
+            <a:ext cx="5486400" cy="3962400"/>
           </a:xfrm>
+          <a:solidFill>
+            <a:schemeClr val="bg2"/>
+          </a:solidFill>
+          <a:ln w="44450" cap="sq" cmpd="sng" algn="ctr">
+            <a:solidFill>
+              <a:srgbClr val="FFFFFF"/>
+            </a:solidFill>
+            <a:prstDash val="solid"/>
+            <a:miter lim="800000"/>
+          </a:ln>
+          <a:effectLst>
+            <a:outerShdw blurRad="190500" dist="228600" dir="2700000" sy="90000">
+              <a:srgbClr val="000000">
+                <a:alpha val="25000"/>
+              </a:srgbClr>
+            </a:outerShdw>
+          </a:effectLst>
+          <a:scene3d>
+            <a:camera prst="orthographicFront">
+              <a:rot lat="0" lon="0" rev="0"/>
+            </a:camera>
+            <a:lightRig rig="balanced" dir="tr">
+              <a:rot lat="0" lon="0" rev="2700000"/>
+            </a:lightRig>
+          </a:scene3d>
+          <a:sp3d prstMaterial="matte">
+            <a:contourClr>
+              <a:schemeClr val="tx2">
+                <a:shade val="50000"/>
+              </a:schemeClr>
+            </a:contourClr>
+          </a:sp3d>
         </p:spPr>
-        <p:txBody>
-          <a:bodyPr/>
+        <p:style>
+          <a:lnRef idx="3">
+            <a:schemeClr val="lt1"/>
+          </a:lnRef>
+          <a:fillRef idx="1">
+            <a:schemeClr val="accent1"/>
+          </a:fillRef>
+          <a:effectRef idx="1">
+            <a:schemeClr val="accent1"/>
+          </a:effectRef>
+          <a:fontRef idx="minor">
+            <a:schemeClr val="lt1"/>
+          </a:fontRef>
+        </p:style>
+        <p:txBody>
+          <a:bodyPr anchor="t"/>
           <a:lstStyle>
-            <a:lvl1pPr marL="0" indent="0">
+            <a:lvl1pPr indent="0">
               <a:buNone/>
               <a:defRPr sz="3200"/>
             </a:lvl1pPr>
-            <a:lvl2pPr marL="457200" indent="0">
-              <a:buNone/>
-              <a:defRPr sz="2800"/>
-            </a:lvl2pPr>
-            <a:lvl3pPr marL="914400" indent="0">
-              <a:buNone/>
-              <a:defRPr sz="2400"/>
-            </a:lvl3pPr>
-            <a:lvl4pPr marL="1371600" indent="0">
-              <a:buNone/>
-              <a:defRPr sz="2000"/>
-            </a:lvl4pPr>
-            <a:lvl5pPr marL="1828800" indent="0">
-              <a:buNone/>
-              <a:defRPr sz="2000"/>
-            </a:lvl5pPr>
-            <a:lvl6pPr marL="2286000" indent="0">
-              <a:buNone/>
-              <a:defRPr sz="2000"/>
-            </a:lvl6pPr>
-            <a:lvl7pPr marL="2743200" indent="0">
-              <a:buNone/>
-              <a:defRPr sz="2000"/>
-            </a:lvl7pPr>
-            <a:lvl8pPr marL="3200400" indent="0">
-              <a:buNone/>
-              <a:defRPr sz="2000"/>
-            </a:lvl8pPr>
-            <a:lvl9pPr marL="3657600" indent="0">
-              <a:buNone/>
-              <a:defRPr sz="2000"/>
-            </a:lvl9pPr>
           </a:lstStyle>
           <a:p>
-            <a:endParaRPr lang="en-US"/>
+            <a:pPr marL="0" algn="l" rtl="0" eaLnBrk="1" latinLnBrk="0" hangingPunct="1"/>
+            <a:r>
+              <a:rPr kumimoji="0" lang="en-US" smtClean="0">
+                <a:solidFill>
+                  <a:schemeClr val="lt1"/>
+                </a:solidFill>
+                <a:latin typeface="+mn-lt"/>
+                <a:ea typeface="+mn-ea"/>
+                <a:cs typeface="+mn-cs"/>
+              </a:rPr>
+              <a:t>Click icon to add picture</a:t>
+            </a:r>
+            <a:endParaRPr kumimoji="0" lang="en-US" dirty="0">
+              <a:solidFill>
+                <a:schemeClr val="lt1"/>
+              </a:solidFill>
+              <a:latin typeface="+mn-lt"/>
+              <a:ea typeface="+mn-ea"/>
+              <a:cs typeface="+mn-cs"/>
+            </a:endParaRPr>
           </a:p>
         </p:txBody>
       </p:sp>
@@ -2439,54 +3945,34 @@
         </p:nvSpPr>
         <p:spPr>
           <a:xfrm>
-            <a:off x="1792288" y="5367338"/>
-            <a:ext cx="5486400" cy="804862"/>
+            <a:off x="1828800" y="1166787"/>
+            <a:ext cx="5486400" cy="530352"/>
           </a:xfrm>
         </p:spPr>
         <p:txBody>
-          <a:bodyPr/>
+          <a:bodyPr lIns="45720" tIns="45720" rIns="45720" anchor="t"/>
           <a:lstStyle>
-            <a:lvl1pPr marL="0" indent="0">
+            <a:lvl1pPr marL="0" indent="0" algn="ctr">
               <a:buNone/>
               <a:defRPr sz="1400"/>
             </a:lvl1pPr>
-            <a:lvl2pPr marL="457200" indent="0">
-              <a:buNone/>
+            <a:lvl2pPr>
               <a:defRPr sz="1200"/>
             </a:lvl2pPr>
-            <a:lvl3pPr marL="914400" indent="0">
-              <a:buNone/>
+            <a:lvl3pPr>
               <a:defRPr sz="1000"/>
             </a:lvl3pPr>
-            <a:lvl4pPr marL="1371600" indent="0">
-              <a:buNone/>
+            <a:lvl4pPr>
               <a:defRPr sz="900"/>
             </a:lvl4pPr>
-            <a:lvl5pPr marL="1828800" indent="0">
-              <a:buNone/>
+            <a:lvl5pPr>
               <a:defRPr sz="900"/>
             </a:lvl5pPr>
-            <a:lvl6pPr marL="2286000" indent="0">
-              <a:buNone/>
-              <a:defRPr sz="900"/>
-            </a:lvl6pPr>
-            <a:lvl7pPr marL="2743200" indent="0">
-              <a:buNone/>
-              <a:defRPr sz="900"/>
-            </a:lvl7pPr>
-            <a:lvl8pPr marL="3200400" indent="0">
-              <a:buNone/>
-              <a:defRPr sz="900"/>
-            </a:lvl8pPr>
-            <a:lvl9pPr marL="3657600" indent="0">
-              <a:buNone/>
-              <a:defRPr sz="900"/>
-            </a:lvl9pPr>
           </a:lstStyle>
           <a:p>
-            <a:pPr lvl="0"/>
-            <a:r>
-              <a:rPr lang="en-US" smtClean="0"/>
+            <a:pPr lvl="0" eaLnBrk="1" latinLnBrk="0" hangingPunct="1"/>
+            <a:r>
+              <a:rPr kumimoji="0" lang="en-US" smtClean="0"/>
               <a:t>Click to edit Master text styles</a:t>
             </a:r>
           </a:p>
@@ -2509,7 +3995,7 @@
           <a:p>
             <a:fld id="{2D65806D-4663-464B-B00E-E49CF436C95E}" type="datetimeFigureOut">
               <a:rPr lang="en-US" smtClean="0"/>
-              <a:t>1/26/2013</a:t>
+              <a:t>1/29/2013</a:t>
             </a:fld>
             <a:endParaRPr lang="en-US"/>
           </a:p>
@@ -2558,11 +4044,6 @@
         </p:txBody>
       </p:sp>
     </p:spTree>
-    <p:extLst>
-      <p:ext uri="{BB962C8B-B14F-4D97-AF65-F5344CB8AC3E}">
-        <p14:creationId xmlns:p14="http://schemas.microsoft.com/office/powerpoint/2010/main" val="1615721198"/>
-      </p:ext>
-    </p:extLst>
   </p:cSld>
   <p:clrMapOvr>
     <a:masterClrMapping/>
@@ -2574,8 +4055,8 @@
 <p:sldMaster xmlns:a="http://schemas.openxmlformats.org/drawingml/2006/main" xmlns:r="http://schemas.openxmlformats.org/officeDocument/2006/relationships" xmlns:p="http://schemas.openxmlformats.org/presentationml/2006/main">
   <p:cSld>
     <p:bg>
-      <p:bgRef idx="1001">
-        <a:schemeClr val="bg1"/>
+      <p:bgRef idx="1003">
+        <a:schemeClr val="bg2"/>
       </p:bgRef>
     </p:bg>
     <p:spTree>
@@ -2594,7 +4075,7 @@
       </p:grpSpPr>
       <p:sp>
         <p:nvSpPr>
-          <p:cNvPr id="2" name="Title Placeholder 1"/>
+          <p:cNvPr id="22" name="Title Placeholder 21"/>
           <p:cNvSpPr>
             <a:spLocks noGrp="1"/>
           </p:cNvSpPr>
@@ -2612,22 +4093,31 @@
           </a:prstGeom>
         </p:spPr>
         <p:txBody>
-          <a:bodyPr vert="horz" lIns="91440" tIns="45720" rIns="91440" bIns="45720" rtlCol="0" anchor="ctr">
+          <a:bodyPr vert="horz" anchor="ctr">
             <a:normAutofit/>
+            <a:scene3d>
+              <a:camera prst="orthographicFront"/>
+              <a:lightRig rig="soft" dir="t">
+                <a:rot lat="0" lon="0" rev="16800000"/>
+              </a:lightRig>
+            </a:scene3d>
+            <a:sp3d prstMaterial="softEdge">
+              <a:bevelT w="38100" h="38100"/>
+            </a:sp3d>
           </a:bodyPr>
           <a:lstStyle/>
           <a:p>
             <a:r>
-              <a:rPr lang="en-US" smtClean="0"/>
+              <a:rPr kumimoji="0" lang="en-US" smtClean="0"/>
               <a:t>Click to edit Master title style</a:t>
             </a:r>
-            <a:endParaRPr lang="en-US"/>
-          </a:p>
-        </p:txBody>
-      </p:sp>
-      <p:sp>
-        <p:nvSpPr>
-          <p:cNvPr id="3" name="Text Placeholder 2"/>
+            <a:endParaRPr kumimoji="0" lang="en-US"/>
+          </a:p>
+        </p:txBody>
+      </p:sp>
+      <p:sp>
+        <p:nvSpPr>
+          <p:cNvPr id="13" name="Text Placeholder 12"/>
           <p:cNvSpPr>
             <a:spLocks noGrp="1"/>
           </p:cNvSpPr>
@@ -2638,58 +4128,58 @@
         <p:spPr>
           <a:xfrm>
             <a:off x="457200" y="1600200"/>
-            <a:ext cx="8229600" cy="4525963"/>
+            <a:ext cx="8229600" cy="4709160"/>
           </a:xfrm>
           <a:prstGeom prst="rect">
             <a:avLst/>
           </a:prstGeom>
         </p:spPr>
         <p:txBody>
-          <a:bodyPr vert="horz" lIns="91440" tIns="45720" rIns="91440" bIns="45720" rtlCol="0">
+          <a:bodyPr vert="horz">
             <a:normAutofit/>
           </a:bodyPr>
           <a:lstStyle/>
           <a:p>
-            <a:pPr lvl="0"/>
-            <a:r>
-              <a:rPr lang="en-US" smtClean="0"/>
+            <a:pPr lvl="0" eaLnBrk="1" latinLnBrk="0" hangingPunct="1"/>
+            <a:r>
+              <a:rPr kumimoji="0" lang="en-US" smtClean="0"/>
               <a:t>Click to edit Master text styles</a:t>
             </a:r>
           </a:p>
           <a:p>
-            <a:pPr lvl="1"/>
-            <a:r>
-              <a:rPr lang="en-US" smtClean="0"/>
+            <a:pPr lvl="1" eaLnBrk="1" latinLnBrk="0" hangingPunct="1"/>
+            <a:r>
+              <a:rPr kumimoji="0" lang="en-US" smtClean="0"/>
               <a:t>Second level</a:t>
             </a:r>
           </a:p>
           <a:p>
-            <a:pPr lvl="2"/>
-            <a:r>
-              <a:rPr lang="en-US" smtClean="0"/>
+            <a:pPr lvl="2" eaLnBrk="1" latinLnBrk="0" hangingPunct="1"/>
+            <a:r>
+              <a:rPr kumimoji="0" lang="en-US" smtClean="0"/>
               <a:t>Third level</a:t>
             </a:r>
           </a:p>
           <a:p>
-            <a:pPr lvl="3"/>
-            <a:r>
-              <a:rPr lang="en-US" smtClean="0"/>
+            <a:pPr lvl="3" eaLnBrk="1" latinLnBrk="0" hangingPunct="1"/>
+            <a:r>
+              <a:rPr kumimoji="0" lang="en-US" smtClean="0"/>
               <a:t>Fourth level</a:t>
             </a:r>
           </a:p>
           <a:p>
-            <a:pPr lvl="4"/>
-            <a:r>
-              <a:rPr lang="en-US" smtClean="0"/>
+            <a:pPr lvl="4" eaLnBrk="1" latinLnBrk="0" hangingPunct="1"/>
+            <a:r>
+              <a:rPr kumimoji="0" lang="en-US" smtClean="0"/>
               <a:t>Fifth level</a:t>
             </a:r>
-            <a:endParaRPr lang="en-US"/>
-          </a:p>
-        </p:txBody>
-      </p:sp>
-      <p:sp>
-        <p:nvSpPr>
-          <p:cNvPr id="4" name="Date Placeholder 3"/>
+            <a:endParaRPr kumimoji="0" lang="en-US"/>
+          </a:p>
+        </p:txBody>
+      </p:sp>
+      <p:sp>
+        <p:nvSpPr>
+          <p:cNvPr id="14" name="Date Placeholder 13"/>
           <p:cNvSpPr>
             <a:spLocks noGrp="1"/>
           </p:cNvSpPr>
@@ -2699,7 +4189,7 @@
         </p:nvSpPr>
         <p:spPr>
           <a:xfrm>
-            <a:off x="457200" y="6356350"/>
+            <a:off x="457200" y="6416675"/>
             <a:ext cx="2133600" cy="365125"/>
           </a:xfrm>
           <a:prstGeom prst="rect">
@@ -2707,13 +4197,13 @@
           </a:prstGeom>
         </p:spPr>
         <p:txBody>
-          <a:bodyPr vert="horz" lIns="91440" tIns="45720" rIns="91440" bIns="45720" rtlCol="0" anchor="ctr"/>
+          <a:bodyPr vert="horz" anchor="b"/>
           <a:lstStyle>
-            <a:lvl1pPr algn="l">
-              <a:defRPr sz="1200">
+            <a:lvl1pPr algn="l" eaLnBrk="1" latinLnBrk="0" hangingPunct="1">
+              <a:defRPr kumimoji="0" sz="1200">
                 <a:solidFill>
                   <a:schemeClr val="tx1">
-                    <a:tint val="75000"/>
+                    <a:shade val="50000"/>
                   </a:schemeClr>
                 </a:solidFill>
               </a:defRPr>
@@ -2722,7 +4212,7 @@
           <a:p>
             <a:fld id="{2D65806D-4663-464B-B00E-E49CF436C95E}" type="datetimeFigureOut">
               <a:rPr lang="en-US" smtClean="0"/>
-              <a:t>1/26/2013</a:t>
+              <a:t>1/29/2013</a:t>
             </a:fld>
             <a:endParaRPr lang="en-US"/>
           </a:p>
@@ -2730,7 +4220,7 @@
       </p:sp>
       <p:sp>
         <p:nvSpPr>
-          <p:cNvPr id="5" name="Footer Placeholder 4"/>
+          <p:cNvPr id="3" name="Footer Placeholder 2"/>
           <p:cNvSpPr>
             <a:spLocks noGrp="1"/>
           </p:cNvSpPr>
@@ -2740,7 +4230,7 @@
         </p:nvSpPr>
         <p:spPr>
           <a:xfrm>
-            <a:off x="3124200" y="6356350"/>
+            <a:off x="3124200" y="6416675"/>
             <a:ext cx="2895600" cy="365125"/>
           </a:xfrm>
           <a:prstGeom prst="rect">
@@ -2748,13 +4238,13 @@
           </a:prstGeom>
         </p:spPr>
         <p:txBody>
-          <a:bodyPr vert="horz" lIns="91440" tIns="45720" rIns="91440" bIns="45720" rtlCol="0" anchor="ctr"/>
+          <a:bodyPr vert="horz" anchor="b"/>
           <a:lstStyle>
-            <a:lvl1pPr algn="ctr">
-              <a:defRPr sz="1200">
+            <a:lvl1pPr algn="ctr" eaLnBrk="1" latinLnBrk="0" hangingPunct="1">
+              <a:defRPr kumimoji="0" sz="1200">
                 <a:solidFill>
                   <a:schemeClr val="tx1">
-                    <a:tint val="75000"/>
+                    <a:shade val="50000"/>
                   </a:schemeClr>
                 </a:solidFill>
               </a:defRPr>
@@ -2767,7 +4257,7 @@
       </p:sp>
       <p:sp>
         <p:nvSpPr>
-          <p:cNvPr id="6" name="Slide Number Placeholder 5"/>
+          <p:cNvPr id="23" name="Slide Number Placeholder 22"/>
           <p:cNvSpPr>
             <a:spLocks noGrp="1"/>
           </p:cNvSpPr>
@@ -2777,21 +4267,21 @@
         </p:nvSpPr>
         <p:spPr>
           <a:xfrm>
-            <a:off x="6553200" y="6356350"/>
-            <a:ext cx="2133600" cy="365125"/>
+            <a:off x="7924800" y="6416675"/>
+            <a:ext cx="762000" cy="365125"/>
           </a:xfrm>
           <a:prstGeom prst="rect">
             <a:avLst/>
           </a:prstGeom>
         </p:spPr>
         <p:txBody>
-          <a:bodyPr vert="horz" lIns="91440" tIns="45720" rIns="91440" bIns="45720" rtlCol="0" anchor="ctr"/>
+          <a:bodyPr vert="horz" lIns="0" rIns="0" anchor="b"/>
           <a:lstStyle>
-            <a:lvl1pPr algn="r">
-              <a:defRPr sz="1200">
+            <a:lvl1pPr algn="r" eaLnBrk="1" latinLnBrk="0" hangingPunct="1">
+              <a:defRPr kumimoji="0" sz="1200">
                 <a:solidFill>
                   <a:schemeClr val="tx1">
-                    <a:tint val="75000"/>
+                    <a:shade val="50000"/>
                   </a:schemeClr>
                 </a:solidFill>
               </a:defRPr>
@@ -2807,37 +4297,62 @@
         </p:txBody>
       </p:sp>
     </p:spTree>
-    <p:extLst>
-      <p:ext uri="{BB962C8B-B14F-4D97-AF65-F5344CB8AC3E}">
-        <p14:creationId xmlns:p14="http://schemas.microsoft.com/office/powerpoint/2010/main" val="3670981146"/>
-      </p:ext>
-    </p:extLst>
   </p:cSld>
-  <p:clrMap bg1="lt1" tx1="dk1" bg2="lt2" tx2="dk2" accent1="accent1" accent2="accent2" accent3="accent3" accent4="accent4" accent5="accent5" accent6="accent6" hlink="hlink" folHlink="folHlink"/>
+  <p:clrMap bg1="dk1" tx1="lt1" bg2="dk2" tx2="lt2" accent1="accent1" accent2="accent2" accent3="accent3" accent4="accent4" accent5="accent5" accent6="accent6" hlink="hlink" folHlink="folHlink"/>
   <p:sldLayoutIdLst>
-    <p:sldLayoutId id="2147483649" r:id="rId1"/>
-    <p:sldLayoutId id="2147483650" r:id="rId2"/>
-    <p:sldLayoutId id="2147483651" r:id="rId3"/>
-    <p:sldLayoutId id="2147483652" r:id="rId4"/>
-    <p:sldLayoutId id="2147483653" r:id="rId5"/>
-    <p:sldLayoutId id="2147483654" r:id="rId6"/>
-    <p:sldLayoutId id="2147483655" r:id="rId7"/>
-    <p:sldLayoutId id="2147483656" r:id="rId8"/>
-    <p:sldLayoutId id="2147483657" r:id="rId9"/>
-    <p:sldLayoutId id="2147483658" r:id="rId10"/>
-    <p:sldLayoutId id="2147483659" r:id="rId11"/>
+    <p:sldLayoutId id="2147483661" r:id="rId1"/>
+    <p:sldLayoutId id="2147483662" r:id="rId2"/>
+    <p:sldLayoutId id="2147483663" r:id="rId3"/>
+    <p:sldLayoutId id="2147483664" r:id="rId4"/>
+    <p:sldLayoutId id="2147483665" r:id="rId5"/>
+    <p:sldLayoutId id="2147483666" r:id="rId6"/>
+    <p:sldLayoutId id="2147483667" r:id="rId7"/>
+    <p:sldLayoutId id="2147483668" r:id="rId8"/>
+    <p:sldLayoutId id="2147483669" r:id="rId9"/>
+    <p:sldLayoutId id="2147483670" r:id="rId10"/>
+    <p:sldLayoutId id="2147483671" r:id="rId11"/>
   </p:sldLayoutIdLst>
   <p:txStyles>
     <p:titleStyle>
-      <a:lvl1pPr algn="ctr" defTabSz="914400" rtl="0" eaLnBrk="1" latinLnBrk="0" hangingPunct="1">
+      <a:lvl1pPr algn="ctr" rtl="0" eaLnBrk="1" latinLnBrk="0" hangingPunct="1">
         <a:spcBef>
           <a:spcPct val="0"/>
         </a:spcBef>
         <a:buNone/>
-        <a:defRPr sz="4400" kern="1200">
-          <a:solidFill>
-            <a:schemeClr val="tx1"/>
-          </a:solidFill>
+        <a:defRPr kumimoji="0" sz="4100" b="1" kern="1200" cap="none" baseline="0">
+          <a:ln w="6350">
+            <a:noFill/>
+          </a:ln>
+          <a:gradFill>
+            <a:gsLst>
+              <a:gs pos="0">
+                <a:schemeClr val="accent1">
+                  <a:tint val="73000"/>
+                  <a:satMod val="145000"/>
+                </a:schemeClr>
+              </a:gs>
+              <a:gs pos="73000">
+                <a:schemeClr val="accent1">
+                  <a:tint val="73000"/>
+                  <a:satMod val="145000"/>
+                </a:schemeClr>
+              </a:gs>
+              <a:gs pos="100000">
+                <a:schemeClr val="accent1">
+                  <a:tint val="83000"/>
+                  <a:satMod val="143000"/>
+                </a:schemeClr>
+              </a:gs>
+            </a:gsLst>
+            <a:lin ang="4800000" scaled="1"/>
+          </a:gradFill>
+          <a:effectLst>
+            <a:outerShdw blurRad="114300" dist="101600" dir="2700000" algn="tl" rotWithShape="0">
+              <a:srgbClr val="000000">
+                <a:alpha val="40000"/>
+              </a:srgbClr>
+            </a:outerShdw>
+          </a:effectLst>
           <a:latin typeface="+mj-lt"/>
           <a:ea typeface="+mj-ea"/>
           <a:cs typeface="+mj-cs"/>
@@ -2845,13 +4360,19 @@
       </a:lvl1pPr>
     </p:titleStyle>
     <p:bodyStyle>
-      <a:lvl1pPr marL="342900" indent="-342900" algn="l" defTabSz="914400" rtl="0" eaLnBrk="1" latinLnBrk="0" hangingPunct="1">
+      <a:lvl1pPr marL="548640" indent="-411480" algn="l" rtl="0" eaLnBrk="1" latinLnBrk="0" hangingPunct="1">
         <a:spcBef>
           <a:spcPct val="20000"/>
         </a:spcBef>
-        <a:buFont typeface="Arial" pitchFamily="34" charset="0"/>
-        <a:buChar char="•"/>
-        <a:defRPr sz="3200" kern="1200">
+        <a:buClr>
+          <a:schemeClr val="tx1">
+            <a:shade val="95000"/>
+          </a:schemeClr>
+        </a:buClr>
+        <a:buSzPct val="65000"/>
+        <a:buFont typeface="Wingdings 2"/>
+        <a:buChar char=""/>
+        <a:defRPr kumimoji="0" sz="2800" kern="1200">
           <a:solidFill>
             <a:schemeClr val="tx1"/>
           </a:solidFill>
@@ -2860,13 +4381,17 @@
           <a:cs typeface="+mn-cs"/>
         </a:defRPr>
       </a:lvl1pPr>
-      <a:lvl2pPr marL="742950" indent="-285750" algn="l" defTabSz="914400" rtl="0" eaLnBrk="1" latinLnBrk="0" hangingPunct="1">
+      <a:lvl2pPr marL="868680" indent="-283464" algn="l" rtl="0" eaLnBrk="1" latinLnBrk="0" hangingPunct="1">
         <a:spcBef>
           <a:spcPct val="20000"/>
         </a:spcBef>
-        <a:buFont typeface="Arial" pitchFamily="34" charset="0"/>
-        <a:buChar char="–"/>
-        <a:defRPr sz="2800" kern="1200">
+        <a:buClr>
+          <a:schemeClr val="tx1"/>
+        </a:buClr>
+        <a:buSzPct val="80000"/>
+        <a:buFont typeface="Wingdings 2"/>
+        <a:buChar char=""/>
+        <a:defRPr kumimoji="0" sz="2400" kern="1200">
           <a:solidFill>
             <a:schemeClr val="tx1"/>
           </a:solidFill>
@@ -2875,13 +4400,17 @@
           <a:cs typeface="+mn-cs"/>
         </a:defRPr>
       </a:lvl2pPr>
-      <a:lvl3pPr marL="1143000" indent="-228600" algn="l" defTabSz="914400" rtl="0" eaLnBrk="1" latinLnBrk="0" hangingPunct="1">
+      <a:lvl3pPr marL="1133856" indent="-228600" algn="l" rtl="0" eaLnBrk="1" latinLnBrk="0" hangingPunct="1">
         <a:spcBef>
           <a:spcPct val="20000"/>
         </a:spcBef>
-        <a:buFont typeface="Arial" pitchFamily="34" charset="0"/>
-        <a:buChar char="•"/>
-        <a:defRPr sz="2400" kern="1200">
+        <a:buClr>
+          <a:schemeClr val="tx1"/>
+        </a:buClr>
+        <a:buSzPct val="95000"/>
+        <a:buFont typeface="Wingdings"/>
+        <a:buChar char=""/>
+        <a:defRPr kumimoji="0" sz="2200" kern="1200">
           <a:solidFill>
             <a:schemeClr val="tx1"/>
           </a:solidFill>
@@ -2890,13 +4419,17 @@
           <a:cs typeface="+mn-cs"/>
         </a:defRPr>
       </a:lvl3pPr>
-      <a:lvl4pPr marL="1600200" indent="-228600" algn="l" defTabSz="914400" rtl="0" eaLnBrk="1" latinLnBrk="0" hangingPunct="1">
+      <a:lvl4pPr marL="1353312" indent="-182880" algn="l" rtl="0" eaLnBrk="1" latinLnBrk="0" hangingPunct="1">
         <a:spcBef>
           <a:spcPct val="20000"/>
         </a:spcBef>
-        <a:buFont typeface="Arial" pitchFamily="34" charset="0"/>
-        <a:buChar char="–"/>
-        <a:defRPr sz="2000" kern="1200">
+        <a:buClr>
+          <a:schemeClr val="tx1"/>
+        </a:buClr>
+        <a:buSzPct val="100000"/>
+        <a:buFont typeface="Wingdings 3"/>
+        <a:buChar char=""/>
+        <a:defRPr kumimoji="0" sz="2000" kern="1200">
           <a:solidFill>
             <a:schemeClr val="tx1"/>
           </a:solidFill>
@@ -2905,13 +4438,16 @@
           <a:cs typeface="+mn-cs"/>
         </a:defRPr>
       </a:lvl4pPr>
-      <a:lvl5pPr marL="2057400" indent="-228600" algn="l" defTabSz="914400" rtl="0" eaLnBrk="1" latinLnBrk="0" hangingPunct="1">
+      <a:lvl5pPr marL="1545336" indent="-182880" algn="l" rtl="0" eaLnBrk="1" latinLnBrk="0" hangingPunct="1">
         <a:spcBef>
           <a:spcPct val="20000"/>
         </a:spcBef>
-        <a:buFont typeface="Arial" pitchFamily="34" charset="0"/>
-        <a:buChar char="»"/>
-        <a:defRPr sz="2000" kern="1200">
+        <a:buClr>
+          <a:schemeClr val="tx1"/>
+        </a:buClr>
+        <a:buFont typeface="Wingdings 2"/>
+        <a:buChar char=""/>
+        <a:defRPr kumimoji="0" sz="2000" kern="1200">
           <a:solidFill>
             <a:schemeClr val="tx1"/>
           </a:solidFill>
@@ -2920,13 +4456,16 @@
           <a:cs typeface="+mn-cs"/>
         </a:defRPr>
       </a:lvl5pPr>
-      <a:lvl6pPr marL="2514600" indent="-228600" algn="l" defTabSz="914400" rtl="0" eaLnBrk="1" latinLnBrk="0" hangingPunct="1">
+      <a:lvl6pPr marL="1764792" indent="-182880" algn="l" rtl="0" eaLnBrk="1" latinLnBrk="0" hangingPunct="1">
         <a:spcBef>
           <a:spcPct val="20000"/>
         </a:spcBef>
-        <a:buFont typeface="Arial" pitchFamily="34" charset="0"/>
-        <a:buChar char="•"/>
-        <a:defRPr sz="2000" kern="1200">
+        <a:buClr>
+          <a:schemeClr val="tx1"/>
+        </a:buClr>
+        <a:buFont typeface="Wingdings 3"/>
+        <a:buChar char=""/>
+        <a:defRPr kumimoji="0" sz="1800" kern="1200">
           <a:solidFill>
             <a:schemeClr val="tx1"/>
           </a:solidFill>
@@ -2935,13 +4474,16 @@
           <a:cs typeface="+mn-cs"/>
         </a:defRPr>
       </a:lvl6pPr>
-      <a:lvl7pPr marL="2971800" indent="-228600" algn="l" defTabSz="914400" rtl="0" eaLnBrk="1" latinLnBrk="0" hangingPunct="1">
+      <a:lvl7pPr marL="1965960" indent="-182880" algn="l" rtl="0" eaLnBrk="1" latinLnBrk="0" hangingPunct="1">
         <a:spcBef>
           <a:spcPct val="20000"/>
         </a:spcBef>
-        <a:buFont typeface="Arial" pitchFamily="34" charset="0"/>
-        <a:buChar char="•"/>
-        <a:defRPr sz="2000" kern="1200">
+        <a:buClr>
+          <a:schemeClr val="tx1"/>
+        </a:buClr>
+        <a:buFont typeface="Wingdings 2"/>
+        <a:buChar char=""/>
+        <a:defRPr kumimoji="0" sz="1600" kern="1200">
           <a:solidFill>
             <a:schemeClr val="tx1"/>
           </a:solidFill>
@@ -2950,13 +4492,16 @@
           <a:cs typeface="+mn-cs"/>
         </a:defRPr>
       </a:lvl7pPr>
-      <a:lvl8pPr marL="3429000" indent="-228600" algn="l" defTabSz="914400" rtl="0" eaLnBrk="1" latinLnBrk="0" hangingPunct="1">
+      <a:lvl8pPr marL="2167128" indent="-182880" algn="l" rtl="0" eaLnBrk="1" latinLnBrk="0" hangingPunct="1">
         <a:spcBef>
           <a:spcPct val="20000"/>
         </a:spcBef>
-        <a:buFont typeface="Arial" pitchFamily="34" charset="0"/>
-        <a:buChar char="•"/>
-        <a:defRPr sz="2000" kern="1200">
+        <a:buClr>
+          <a:schemeClr val="tx1"/>
+        </a:buClr>
+        <a:buFont typeface="Wingdings 2"/>
+        <a:buChar char=""/>
+        <a:defRPr kumimoji="0" sz="1400" kern="1200">
           <a:solidFill>
             <a:schemeClr val="tx1"/>
           </a:solidFill>
@@ -2965,13 +4510,16 @@
           <a:cs typeface="+mn-cs"/>
         </a:defRPr>
       </a:lvl8pPr>
-      <a:lvl9pPr marL="3886200" indent="-228600" algn="l" defTabSz="914400" rtl="0" eaLnBrk="1" latinLnBrk="0" hangingPunct="1">
+      <a:lvl9pPr marL="2368296" indent="-182880" algn="l" rtl="0" eaLnBrk="1" latinLnBrk="0" hangingPunct="1">
         <a:spcBef>
           <a:spcPct val="20000"/>
         </a:spcBef>
-        <a:buFont typeface="Arial" pitchFamily="34" charset="0"/>
-        <a:buChar char="•"/>
-        <a:defRPr sz="2000" kern="1200">
+        <a:buClr>
+          <a:schemeClr val="tx1"/>
+        </a:buClr>
+        <a:buFont typeface="Wingdings 2"/>
+        <a:buChar char=""/>
+        <a:defRPr kumimoji="0" sz="1400" kern="1200" baseline="0">
           <a:solidFill>
             <a:schemeClr val="tx1"/>
           </a:solidFill>
@@ -2982,11 +4530,8 @@
       </a:lvl9pPr>
     </p:bodyStyle>
     <p:otherStyle>
-      <a:defPPr>
-        <a:defRPr lang="en-US"/>
-      </a:defPPr>
-      <a:lvl1pPr marL="0" algn="l" defTabSz="914400" rtl="0" eaLnBrk="1" latinLnBrk="0" hangingPunct="1">
-        <a:defRPr sz="1800" kern="1200">
+      <a:lvl1pPr marL="0" algn="l" rtl="0" eaLnBrk="1" latinLnBrk="0" hangingPunct="1">
+        <a:defRPr kumimoji="0" kern="1200">
           <a:solidFill>
             <a:schemeClr val="tx1"/>
           </a:solidFill>
@@ -2995,8 +4540,8 @@
           <a:cs typeface="+mn-cs"/>
         </a:defRPr>
       </a:lvl1pPr>
-      <a:lvl2pPr marL="457200" algn="l" defTabSz="914400" rtl="0" eaLnBrk="1" latinLnBrk="0" hangingPunct="1">
-        <a:defRPr sz="1800" kern="1200">
+      <a:lvl2pPr marL="457200" algn="l" rtl="0" eaLnBrk="1" latinLnBrk="0" hangingPunct="1">
+        <a:defRPr kumimoji="0" kern="1200">
           <a:solidFill>
             <a:schemeClr val="tx1"/>
           </a:solidFill>
@@ -3005,8 +4550,8 @@
           <a:cs typeface="+mn-cs"/>
         </a:defRPr>
       </a:lvl2pPr>
-      <a:lvl3pPr marL="914400" algn="l" defTabSz="914400" rtl="0" eaLnBrk="1" latinLnBrk="0" hangingPunct="1">
-        <a:defRPr sz="1800" kern="1200">
+      <a:lvl3pPr marL="914400" algn="l" rtl="0" eaLnBrk="1" latinLnBrk="0" hangingPunct="1">
+        <a:defRPr kumimoji="0" kern="1200">
           <a:solidFill>
             <a:schemeClr val="tx1"/>
           </a:solidFill>
@@ -3015,8 +4560,8 @@
           <a:cs typeface="+mn-cs"/>
         </a:defRPr>
       </a:lvl3pPr>
-      <a:lvl4pPr marL="1371600" algn="l" defTabSz="914400" rtl="0" eaLnBrk="1" latinLnBrk="0" hangingPunct="1">
-        <a:defRPr sz="1800" kern="1200">
+      <a:lvl4pPr marL="1371600" algn="l" rtl="0" eaLnBrk="1" latinLnBrk="0" hangingPunct="1">
+        <a:defRPr kumimoji="0" kern="1200">
           <a:solidFill>
             <a:schemeClr val="tx1"/>
           </a:solidFill>
@@ -3025,8 +4570,8 @@
           <a:cs typeface="+mn-cs"/>
         </a:defRPr>
       </a:lvl4pPr>
-      <a:lvl5pPr marL="1828800" algn="l" defTabSz="914400" rtl="0" eaLnBrk="1" latinLnBrk="0" hangingPunct="1">
-        <a:defRPr sz="1800" kern="1200">
+      <a:lvl5pPr marL="1828800" algn="l" rtl="0" eaLnBrk="1" latinLnBrk="0" hangingPunct="1">
+        <a:defRPr kumimoji="0" kern="1200">
           <a:solidFill>
             <a:schemeClr val="tx1"/>
           </a:solidFill>
@@ -3035,8 +4580,8 @@
           <a:cs typeface="+mn-cs"/>
         </a:defRPr>
       </a:lvl5pPr>
-      <a:lvl6pPr marL="2286000" algn="l" defTabSz="914400" rtl="0" eaLnBrk="1" latinLnBrk="0" hangingPunct="1">
-        <a:defRPr sz="1800" kern="1200">
+      <a:lvl6pPr marL="2286000" algn="l" rtl="0" eaLnBrk="1" latinLnBrk="0" hangingPunct="1">
+        <a:defRPr kumimoji="0" kern="1200">
           <a:solidFill>
             <a:schemeClr val="tx1"/>
           </a:solidFill>
@@ -3045,8 +4590,8 @@
           <a:cs typeface="+mn-cs"/>
         </a:defRPr>
       </a:lvl6pPr>
-      <a:lvl7pPr marL="2743200" algn="l" defTabSz="914400" rtl="0" eaLnBrk="1" latinLnBrk="0" hangingPunct="1">
-        <a:defRPr sz="1800" kern="1200">
+      <a:lvl7pPr marL="2743200" algn="l" rtl="0" eaLnBrk="1" latinLnBrk="0" hangingPunct="1">
+        <a:defRPr kumimoji="0" kern="1200">
           <a:solidFill>
             <a:schemeClr val="tx1"/>
           </a:solidFill>
@@ -3055,8 +4600,8 @@
           <a:cs typeface="+mn-cs"/>
         </a:defRPr>
       </a:lvl7pPr>
-      <a:lvl8pPr marL="3200400" algn="l" defTabSz="914400" rtl="0" eaLnBrk="1" latinLnBrk="0" hangingPunct="1">
-        <a:defRPr sz="1800" kern="1200">
+      <a:lvl8pPr marL="3200400" algn="l" rtl="0" eaLnBrk="1" latinLnBrk="0" hangingPunct="1">
+        <a:defRPr kumimoji="0" kern="1200">
           <a:solidFill>
             <a:schemeClr val="tx1"/>
           </a:solidFill>
@@ -3065,8 +4610,8 @@
           <a:cs typeface="+mn-cs"/>
         </a:defRPr>
       </a:lvl8pPr>
-      <a:lvl9pPr marL="3657600" algn="l" defTabSz="914400" rtl="0" eaLnBrk="1" latinLnBrk="0" hangingPunct="1">
-        <a:defRPr sz="1800" kern="1200">
+      <a:lvl9pPr marL="3657600" algn="l" rtl="0" eaLnBrk="1" latinLnBrk="0" hangingPunct="1">
+        <a:defRPr kumimoji="0" kern="1200">
           <a:solidFill>
             <a:schemeClr val="tx1"/>
           </a:solidFill>
@@ -3109,10 +4654,19 @@
         </p:nvSpPr>
         <p:spPr/>
         <p:txBody>
-          <a:bodyPr/>
-          <a:lstStyle/>
-          <a:p>
-            <a:endParaRPr lang="en-US"/>
+          <a:bodyPr>
+            <a:normAutofit/>
+          </a:bodyPr>
+          <a:lstStyle/>
+          <a:p>
+            <a:r>
+              <a:rPr lang="en-US" dirty="0" smtClean="0"/>
+              <a:t>Are You sure?</a:t>
+            </a:r>
+            <a:br>
+              <a:rPr lang="en-US" dirty="0" smtClean="0"/>
+            </a:br>
+            <a:endParaRPr lang="en-US" dirty="0"/>
           </a:p>
         </p:txBody>
       </p:sp>
@@ -3128,10 +4682,41 @@
         </p:nvSpPr>
         <p:spPr/>
         <p:txBody>
-          <a:bodyPr/>
-          <a:lstStyle/>
-          <a:p>
-            <a:endParaRPr lang="en-US"/>
+          <a:bodyPr>
+            <a:normAutofit fontScale="62500" lnSpcReduction="20000"/>
+          </a:bodyPr>
+          <a:lstStyle/>
+          <a:p>
+            <a:r>
+              <a:rPr lang="en-US" dirty="0" smtClean="0"/>
+              <a:t>David E. Bard, PhD</a:t>
+            </a:r>
+          </a:p>
+          <a:p>
+            <a:r>
+              <a:rPr lang="en-US" dirty="0" smtClean="0"/>
+              <a:t>University of Oklahoma HSC</a:t>
+            </a:r>
+          </a:p>
+          <a:p>
+            <a:r>
+              <a:rPr lang="en-US" dirty="0" smtClean="0"/>
+              <a:t>Center on Child Abuse and Neglect</a:t>
+            </a:r>
+          </a:p>
+          <a:p>
+            <a:endParaRPr lang="en-US" dirty="0" smtClean="0"/>
+          </a:p>
+          <a:p>
+            <a:r>
+              <a:rPr lang="en-US" dirty="0"/>
+              <a:t>Panel Discussion for Sand Diego </a:t>
+            </a:r>
+            <a:r>
+              <a:rPr lang="en-US" dirty="0" smtClean="0"/>
+              <a:t>International Conference on Child and Family Maltreatment</a:t>
+            </a:r>
+            <a:endParaRPr lang="en-US" dirty="0"/>
           </a:p>
         </p:txBody>
       </p:sp>
@@ -3139,6 +4724,1267 @@
     <p:extLst>
       <p:ext uri="{BB962C8B-B14F-4D97-AF65-F5344CB8AC3E}">
         <p14:creationId xmlns:p14="http://schemas.microsoft.com/office/powerpoint/2010/main" val="2190568973"/>
+      </p:ext>
+    </p:extLst>
+  </p:cSld>
+  <p:clrMapOvr>
+    <a:masterClrMapping/>
+  </p:clrMapOvr>
+</p:sld>
+</file>
+
+<file path=ppt/slides/slide10.xml><?xml version="1.0" encoding="utf-8"?>
+<p:sld xmlns:a="http://schemas.openxmlformats.org/drawingml/2006/main" xmlns:r="http://schemas.openxmlformats.org/officeDocument/2006/relationships" xmlns:p="http://schemas.openxmlformats.org/presentationml/2006/main">
+  <p:cSld>
+    <p:spTree>
+      <p:nvGrpSpPr>
+        <p:cNvPr id="1" name=""/>
+        <p:cNvGrpSpPr/>
+        <p:nvPr/>
+      </p:nvGrpSpPr>
+      <p:grpSpPr>
+        <a:xfrm>
+          <a:off x="0" y="0"/>
+          <a:ext cx="0" cy="0"/>
+          <a:chOff x="0" y="0"/>
+          <a:chExt cx="0" cy="0"/>
+        </a:xfrm>
+      </p:grpSpPr>
+      <p:sp>
+        <p:nvSpPr>
+          <p:cNvPr id="2" name="Title 1"/>
+          <p:cNvSpPr>
+            <a:spLocks noGrp="1"/>
+          </p:cNvSpPr>
+          <p:nvPr>
+            <p:ph type="title"/>
+          </p:nvPr>
+        </p:nvSpPr>
+        <p:spPr/>
+        <p:txBody>
+          <a:bodyPr/>
+          <a:lstStyle/>
+          <a:p>
+            <a:r>
+              <a:rPr lang="en-US" dirty="0"/>
+              <a:t>Consistency in Screen-Out Rate Across States</a:t>
+            </a:r>
+          </a:p>
+        </p:txBody>
+      </p:sp>
+      <p:sp>
+        <p:nvSpPr>
+          <p:cNvPr id="3" name="Text Placeholder 2"/>
+          <p:cNvSpPr>
+            <a:spLocks noGrp="1"/>
+          </p:cNvSpPr>
+          <p:nvPr>
+            <p:ph type="body" idx="2"/>
+          </p:nvPr>
+        </p:nvSpPr>
+        <p:spPr/>
+        <p:txBody>
+          <a:bodyPr/>
+          <a:lstStyle/>
+          <a:p>
+            <a:r>
+              <a:rPr lang="en-US" sz="2000" dirty="0"/>
+              <a:t>Rates widely discrepant</a:t>
+            </a:r>
+          </a:p>
+          <a:p>
+            <a:endParaRPr lang="en-US" sz="2000" dirty="0" smtClean="0"/>
+          </a:p>
+          <a:p>
+            <a:r>
+              <a:rPr lang="en-US" sz="2000" dirty="0" smtClean="0"/>
+              <a:t>Within- </a:t>
+            </a:r>
+            <a:r>
+              <a:rPr lang="en-US" sz="2000" dirty="0"/>
+              <a:t>and Between-State variation defies statistical expectation</a:t>
+            </a:r>
+          </a:p>
+          <a:p>
+            <a:pPr lvl="1"/>
+            <a:endParaRPr lang="en-US" dirty="0"/>
+          </a:p>
+          <a:p>
+            <a:endParaRPr lang="en-US" dirty="0"/>
+          </a:p>
+        </p:txBody>
+      </p:sp>
+      <p:pic>
+        <p:nvPicPr>
+          <p:cNvPr id="5" name="Picture 2"/>
+          <p:cNvPicPr>
+            <a:picLocks noGrp="1" noChangeAspect="1" noChangeArrowheads="1"/>
+          </p:cNvPicPr>
+          <p:nvPr>
+            <p:ph sz="half" idx="1"/>
+          </p:nvPr>
+        </p:nvPicPr>
+        <p:blipFill>
+          <a:blip r:embed="rId2">
+            <a:extLst>
+              <a:ext uri="{28A0092B-C50C-407E-A947-70E740481C1C}">
+                <a14:useLocalDpi xmlns:a14="http://schemas.microsoft.com/office/drawing/2010/main" val="0"/>
+              </a:ext>
+            </a:extLst>
+          </a:blip>
+          <a:srcRect/>
+          <a:stretch>
+            <a:fillRect/>
+          </a:stretch>
+        </p:blipFill>
+        <p:spPr bwMode="auto">
+          <a:xfrm>
+            <a:off x="3575050" y="643662"/>
+            <a:ext cx="5111750" cy="5111888"/>
+          </a:xfrm>
+          <a:prstGeom prst="rect">
+            <a:avLst/>
+          </a:prstGeom>
+          <a:noFill/>
+          <a:ln>
+            <a:noFill/>
+          </a:ln>
+          <a:effectLst/>
+          <a:extLst>
+            <a:ext uri="{909E8E84-426E-40DD-AFC4-6F175D3DCCD1}">
+              <a14:hiddenFill xmlns:a14="http://schemas.microsoft.com/office/drawing/2010/main">
+                <a:solidFill>
+                  <a:schemeClr val="accent1"/>
+                </a:solidFill>
+              </a14:hiddenFill>
+            </a:ext>
+            <a:ext uri="{91240B29-F687-4F45-9708-019B960494DF}">
+              <a14:hiddenLine xmlns:a14="http://schemas.microsoft.com/office/drawing/2010/main" w="9525">
+                <a:solidFill>
+                  <a:schemeClr val="tx1"/>
+                </a:solidFill>
+                <a:miter lim="800000"/>
+                <a:headEnd/>
+                <a:tailEnd/>
+              </a14:hiddenLine>
+            </a:ext>
+            <a:ext uri="{AF507438-7753-43E0-B8FC-AC1667EBCBE1}">
+              <a14:hiddenEffects xmlns:a14="http://schemas.microsoft.com/office/drawing/2010/main">
+                <a:effectLst>
+                  <a:outerShdw dist="35921" dir="2700000" algn="ctr" rotWithShape="0">
+                    <a:schemeClr val="bg2"/>
+                  </a:outerShdw>
+                </a:effectLst>
+              </a14:hiddenEffects>
+            </a:ext>
+          </a:extLst>
+        </p:spPr>
+      </p:pic>
+    </p:spTree>
+    <p:extLst>
+      <p:ext uri="{BB962C8B-B14F-4D97-AF65-F5344CB8AC3E}">
+        <p14:creationId xmlns:p14="http://schemas.microsoft.com/office/powerpoint/2010/main" val="2946679617"/>
+      </p:ext>
+    </p:extLst>
+  </p:cSld>
+  <p:clrMapOvr>
+    <a:masterClrMapping/>
+  </p:clrMapOvr>
+  <p:timing>
+    <p:tnLst>
+      <p:par>
+        <p:cTn id="1" dur="indefinite" restart="never" nodeType="tmRoot"/>
+      </p:par>
+    </p:tnLst>
+  </p:timing>
+</p:sld>
+</file>
+
+<file path=ppt/slides/slide11.xml><?xml version="1.0" encoding="utf-8"?>
+<p:sld xmlns:a="http://schemas.openxmlformats.org/drawingml/2006/main" xmlns:r="http://schemas.openxmlformats.org/officeDocument/2006/relationships" xmlns:p="http://schemas.openxmlformats.org/presentationml/2006/main">
+  <p:cSld>
+    <p:spTree>
+      <p:nvGrpSpPr>
+        <p:cNvPr id="1" name=""/>
+        <p:cNvGrpSpPr/>
+        <p:nvPr/>
+      </p:nvGrpSpPr>
+      <p:grpSpPr>
+        <a:xfrm>
+          <a:off x="0" y="0"/>
+          <a:ext cx="0" cy="0"/>
+          <a:chOff x="0" y="0"/>
+          <a:chExt cx="0" cy="0"/>
+        </a:xfrm>
+      </p:grpSpPr>
+      <p:sp>
+        <p:nvSpPr>
+          <p:cNvPr id="2" name="Title 1"/>
+          <p:cNvSpPr>
+            <a:spLocks noGrp="1"/>
+          </p:cNvSpPr>
+          <p:nvPr>
+            <p:ph type="title"/>
+          </p:nvPr>
+        </p:nvSpPr>
+        <p:spPr/>
+        <p:txBody>
+          <a:bodyPr>
+            <a:normAutofit/>
+          </a:bodyPr>
+          <a:lstStyle/>
+          <a:p>
+            <a:r>
+              <a:rPr lang="en-US" dirty="0" smtClean="0"/>
+              <a:t>Screen-in Counts</a:t>
+            </a:r>
+            <a:endParaRPr lang="en-US" dirty="0"/>
+          </a:p>
+        </p:txBody>
+      </p:sp>
+      <p:pic>
+        <p:nvPicPr>
+          <p:cNvPr id="6" name="Content Placeholder 5"/>
+          <p:cNvPicPr>
+            <a:picLocks noGrp="1" noChangeAspect="1"/>
+          </p:cNvPicPr>
+          <p:nvPr>
+            <p:ph idx="1"/>
+          </p:nvPr>
+        </p:nvPicPr>
+        <p:blipFill>
+          <a:blip r:embed="rId3" cstate="print">
+            <a:extLst>
+              <a:ext uri="{28A0092B-C50C-407E-A947-70E740481C1C}">
+                <a14:useLocalDpi xmlns:a14="http://schemas.microsoft.com/office/drawing/2010/main" val="0"/>
+              </a:ext>
+            </a:extLst>
+          </a:blip>
+          <a:stretch>
+            <a:fillRect/>
+          </a:stretch>
+        </p:blipFill>
+        <p:spPr>
+          <a:xfrm>
+            <a:off x="457200" y="1732471"/>
+            <a:ext cx="8229600" cy="4443983"/>
+          </a:xfrm>
+        </p:spPr>
+      </p:pic>
+    </p:spTree>
+    <p:extLst>
+      <p:ext uri="{BB962C8B-B14F-4D97-AF65-F5344CB8AC3E}">
+        <p14:creationId xmlns:p14="http://schemas.microsoft.com/office/powerpoint/2010/main" val="215043197"/>
+      </p:ext>
+    </p:extLst>
+  </p:cSld>
+  <p:clrMapOvr>
+    <a:masterClrMapping/>
+  </p:clrMapOvr>
+  <p:timing>
+    <p:tnLst>
+      <p:par>
+        <p:cTn id="1" dur="indefinite" restart="never" nodeType="tmRoot"/>
+      </p:par>
+    </p:tnLst>
+  </p:timing>
+</p:sld>
+</file>
+
+<file path=ppt/slides/slide12.xml><?xml version="1.0" encoding="utf-8"?>
+<p:sld xmlns:a="http://schemas.openxmlformats.org/drawingml/2006/main" xmlns:r="http://schemas.openxmlformats.org/officeDocument/2006/relationships" xmlns:p="http://schemas.openxmlformats.org/presentationml/2006/main">
+  <p:cSld>
+    <p:spTree>
+      <p:nvGrpSpPr>
+        <p:cNvPr id="1" name=""/>
+        <p:cNvGrpSpPr/>
+        <p:nvPr/>
+      </p:nvGrpSpPr>
+      <p:grpSpPr>
+        <a:xfrm>
+          <a:off x="0" y="0"/>
+          <a:ext cx="0" cy="0"/>
+          <a:chOff x="0" y="0"/>
+          <a:chExt cx="0" cy="0"/>
+        </a:xfrm>
+      </p:grpSpPr>
+      <p:sp>
+        <p:nvSpPr>
+          <p:cNvPr id="2" name="Title 1"/>
+          <p:cNvSpPr>
+            <a:spLocks noGrp="1"/>
+          </p:cNvSpPr>
+          <p:nvPr>
+            <p:ph type="title"/>
+          </p:nvPr>
+        </p:nvSpPr>
+        <p:spPr/>
+        <p:txBody>
+          <a:bodyPr>
+            <a:normAutofit fontScale="90000"/>
+          </a:bodyPr>
+          <a:lstStyle/>
+          <a:p>
+            <a:r>
+              <a:rPr lang="en-US" dirty="0" smtClean="0"/>
+              <a:t>Reliability of Maltreatment Identification</a:t>
+            </a:r>
+            <a:endParaRPr lang="en-US" dirty="0"/>
+          </a:p>
+        </p:txBody>
+      </p:sp>
+      <p:sp>
+        <p:nvSpPr>
+          <p:cNvPr id="3" name="Content Placeholder 2"/>
+          <p:cNvSpPr>
+            <a:spLocks noGrp="1"/>
+          </p:cNvSpPr>
+          <p:nvPr>
+            <p:ph idx="1"/>
+          </p:nvPr>
+        </p:nvSpPr>
+        <p:spPr/>
+        <p:txBody>
+          <a:bodyPr>
+            <a:normAutofit/>
+          </a:bodyPr>
+          <a:lstStyle/>
+          <a:p>
+            <a:endParaRPr lang="en-US" sz="3600" dirty="0" smtClean="0"/>
+          </a:p>
+          <a:p>
+            <a:endParaRPr lang="en-US" sz="3600" dirty="0" smtClean="0"/>
+          </a:p>
+          <a:p>
+            <a:r>
+              <a:rPr lang="en-US" sz="3600" dirty="0" smtClean="0"/>
+              <a:t>In a nutshell, </a:t>
+            </a:r>
+          </a:p>
+          <a:p>
+            <a:pPr lvl="1"/>
+            <a:r>
+              <a:rPr lang="en-US" sz="3200" dirty="0" smtClean="0"/>
+              <a:t>even if identification rates were valid, they appear to be highly unreliable</a:t>
+            </a:r>
+          </a:p>
+          <a:p>
+            <a:pPr lvl="1"/>
+            <a:endParaRPr lang="en-US" sz="3200" dirty="0"/>
+          </a:p>
+        </p:txBody>
+      </p:sp>
+    </p:spTree>
+    <p:extLst>
+      <p:ext uri="{BB962C8B-B14F-4D97-AF65-F5344CB8AC3E}">
+        <p14:creationId xmlns:p14="http://schemas.microsoft.com/office/powerpoint/2010/main" val="730992878"/>
+      </p:ext>
+    </p:extLst>
+  </p:cSld>
+  <p:clrMapOvr>
+    <a:masterClrMapping/>
+  </p:clrMapOvr>
+  <p:timing>
+    <p:tnLst>
+      <p:par>
+        <p:cTn id="1" dur="indefinite" restart="never" nodeType="tmRoot"/>
+      </p:par>
+    </p:tnLst>
+  </p:timing>
+</p:sld>
+</file>
+
+<file path=ppt/slides/slide13.xml><?xml version="1.0" encoding="utf-8"?>
+<p:sld xmlns:a="http://schemas.openxmlformats.org/drawingml/2006/main" xmlns:r="http://schemas.openxmlformats.org/officeDocument/2006/relationships" xmlns:p="http://schemas.openxmlformats.org/presentationml/2006/main">
+  <p:cSld>
+    <p:spTree>
+      <p:nvGrpSpPr>
+        <p:cNvPr id="1" name=""/>
+        <p:cNvGrpSpPr/>
+        <p:nvPr/>
+      </p:nvGrpSpPr>
+      <p:grpSpPr>
+        <a:xfrm>
+          <a:off x="0" y="0"/>
+          <a:ext cx="0" cy="0"/>
+          <a:chOff x="0" y="0"/>
+          <a:chExt cx="0" cy="0"/>
+        </a:xfrm>
+      </p:grpSpPr>
+      <p:sp>
+        <p:nvSpPr>
+          <p:cNvPr id="2" name="Title 1"/>
+          <p:cNvSpPr>
+            <a:spLocks noGrp="1"/>
+          </p:cNvSpPr>
+          <p:nvPr>
+            <p:ph type="title"/>
+          </p:nvPr>
+        </p:nvSpPr>
+        <p:spPr/>
+        <p:txBody>
+          <a:bodyPr/>
+          <a:lstStyle/>
+          <a:p>
+            <a:r>
+              <a:rPr lang="en-US" dirty="0" smtClean="0"/>
+              <a:t>Validity of the Rates?</a:t>
+            </a:r>
+            <a:endParaRPr lang="en-US" dirty="0"/>
+          </a:p>
+        </p:txBody>
+      </p:sp>
+      <p:sp>
+        <p:nvSpPr>
+          <p:cNvPr id="3" name="Content Placeholder 2"/>
+          <p:cNvSpPr>
+            <a:spLocks noGrp="1"/>
+          </p:cNvSpPr>
+          <p:nvPr>
+            <p:ph idx="1"/>
+          </p:nvPr>
+        </p:nvSpPr>
+        <p:spPr/>
+        <p:txBody>
+          <a:bodyPr/>
+          <a:lstStyle/>
+          <a:p>
+            <a:r>
+              <a:rPr lang="en-US" dirty="0" smtClean="0"/>
+              <a:t>Hard to say other than under-detection appears to be the norm</a:t>
+            </a:r>
+          </a:p>
+          <a:p>
+            <a:pPr lvl="1"/>
+            <a:r>
+              <a:rPr lang="en-US" dirty="0" err="1" smtClean="0"/>
+              <a:t>Finkelhor</a:t>
+            </a:r>
+            <a:r>
+              <a:rPr lang="en-US" dirty="0" smtClean="0"/>
+              <a:t> et al., 2005</a:t>
+            </a:r>
+          </a:p>
+          <a:p>
+            <a:pPr lvl="2"/>
+            <a:r>
+              <a:rPr lang="en-US" dirty="0" smtClean="0"/>
+              <a:t>Caregiver &amp; self-reported maltreatment: 124 per 1,000</a:t>
+            </a:r>
+          </a:p>
+          <a:p>
+            <a:pPr lvl="2"/>
+            <a:r>
+              <a:rPr lang="en-US" dirty="0" smtClean="0"/>
+              <a:t>Compare to referral rate range (2007-2011):                  13.5 to 113 per 1,000</a:t>
+            </a:r>
+          </a:p>
+          <a:p>
+            <a:r>
+              <a:rPr lang="en-US" dirty="0" smtClean="0"/>
+              <a:t>Over-detection?</a:t>
+            </a:r>
+            <a:endParaRPr lang="en-US" dirty="0"/>
+          </a:p>
+        </p:txBody>
+      </p:sp>
+    </p:spTree>
+    <p:extLst>
+      <p:ext uri="{BB962C8B-B14F-4D97-AF65-F5344CB8AC3E}">
+        <p14:creationId xmlns:p14="http://schemas.microsoft.com/office/powerpoint/2010/main" val="2813369373"/>
+      </p:ext>
+    </p:extLst>
+  </p:cSld>
+  <p:clrMapOvr>
+    <a:masterClrMapping/>
+  </p:clrMapOvr>
+</p:sld>
+</file>
+
+<file path=ppt/slides/slide14.xml><?xml version="1.0" encoding="utf-8"?>
+<p:sld xmlns:a="http://schemas.openxmlformats.org/drawingml/2006/main" xmlns:r="http://schemas.openxmlformats.org/officeDocument/2006/relationships" xmlns:p="http://schemas.openxmlformats.org/presentationml/2006/main">
+  <p:cSld>
+    <p:spTree>
+      <p:nvGrpSpPr>
+        <p:cNvPr id="1" name=""/>
+        <p:cNvGrpSpPr/>
+        <p:nvPr/>
+      </p:nvGrpSpPr>
+      <p:grpSpPr>
+        <a:xfrm>
+          <a:off x="0" y="0"/>
+          <a:ext cx="0" cy="0"/>
+          <a:chOff x="0" y="0"/>
+          <a:chExt cx="0" cy="0"/>
+        </a:xfrm>
+      </p:grpSpPr>
+      <p:sp>
+        <p:nvSpPr>
+          <p:cNvPr id="2" name="Title 1"/>
+          <p:cNvSpPr>
+            <a:spLocks noGrp="1"/>
+          </p:cNvSpPr>
+          <p:nvPr>
+            <p:ph type="title"/>
+          </p:nvPr>
+        </p:nvSpPr>
+        <p:spPr/>
+        <p:txBody>
+          <a:bodyPr>
+            <a:normAutofit fontScale="90000"/>
+          </a:bodyPr>
+          <a:lstStyle/>
+          <a:p>
+            <a:r>
+              <a:rPr lang="en-US" dirty="0"/>
+              <a:t>Validity in Substantiation/</a:t>
+            </a:r>
+            <a:br>
+              <a:rPr lang="en-US" dirty="0"/>
+            </a:br>
+            <a:r>
+              <a:rPr lang="en-US" dirty="0"/>
+              <a:t>Victim Rates</a:t>
+            </a:r>
+          </a:p>
+        </p:txBody>
+      </p:sp>
+      <p:sp>
+        <p:nvSpPr>
+          <p:cNvPr id="3" name="Content Placeholder 2"/>
+          <p:cNvSpPr>
+            <a:spLocks noGrp="1"/>
+          </p:cNvSpPr>
+          <p:nvPr>
+            <p:ph idx="1"/>
+          </p:nvPr>
+        </p:nvSpPr>
+        <p:spPr/>
+        <p:txBody>
+          <a:bodyPr/>
+          <a:lstStyle/>
+          <a:p>
+            <a:r>
+              <a:rPr lang="en-US" dirty="0"/>
+              <a:t>Historically poor indicator of maltreatment </a:t>
+            </a:r>
+            <a:r>
+              <a:rPr lang="en-US" dirty="0" smtClean="0"/>
+              <a:t>occurrence</a:t>
+            </a:r>
+            <a:endParaRPr lang="en-US" dirty="0"/>
+          </a:p>
+          <a:p>
+            <a:pPr lvl="1"/>
+            <a:r>
+              <a:rPr lang="en-US" dirty="0"/>
+              <a:t>Drake, Jonson-Reid, Way, &amp; Chung, 2003; </a:t>
+            </a:r>
+          </a:p>
+          <a:p>
+            <a:pPr lvl="1"/>
+            <a:r>
+              <a:rPr lang="en-US" dirty="0"/>
+              <a:t>Fluke, Parry, &amp; Baumann, 2001</a:t>
+            </a:r>
+          </a:p>
+          <a:p>
+            <a:endParaRPr lang="en-US" dirty="0"/>
+          </a:p>
+        </p:txBody>
+      </p:sp>
+      <p:pic>
+        <p:nvPicPr>
+          <p:cNvPr id="4" name="Picture 2"/>
+          <p:cNvPicPr>
+            <a:picLocks noChangeAspect="1" noChangeArrowheads="1"/>
+          </p:cNvPicPr>
+          <p:nvPr/>
+        </p:nvPicPr>
+        <p:blipFill>
+          <a:blip r:embed="rId2">
+            <a:extLst>
+              <a:ext uri="{28A0092B-C50C-407E-A947-70E740481C1C}">
+                <a14:useLocalDpi xmlns:a14="http://schemas.microsoft.com/office/drawing/2010/main" val="0"/>
+              </a:ext>
+            </a:extLst>
+          </a:blip>
+          <a:srcRect/>
+          <a:stretch>
+            <a:fillRect/>
+          </a:stretch>
+        </p:blipFill>
+        <p:spPr bwMode="auto">
+          <a:xfrm>
+            <a:off x="2209484" y="3630292"/>
+            <a:ext cx="4488549" cy="2884808"/>
+          </a:xfrm>
+          <a:prstGeom prst="rect">
+            <a:avLst/>
+          </a:prstGeom>
+          <a:noFill/>
+          <a:ln>
+            <a:noFill/>
+          </a:ln>
+          <a:effectLst/>
+          <a:extLst>
+            <a:ext uri="{909E8E84-426E-40DD-AFC4-6F175D3DCCD1}">
+              <a14:hiddenFill xmlns:a14="http://schemas.microsoft.com/office/drawing/2010/main">
+                <a:solidFill>
+                  <a:schemeClr val="accent1"/>
+                </a:solidFill>
+              </a14:hiddenFill>
+            </a:ext>
+            <a:ext uri="{91240B29-F687-4F45-9708-019B960494DF}">
+              <a14:hiddenLine xmlns:a14="http://schemas.microsoft.com/office/drawing/2010/main" w="9525">
+                <a:solidFill>
+                  <a:schemeClr val="tx1"/>
+                </a:solidFill>
+                <a:miter lim="800000"/>
+                <a:headEnd/>
+                <a:tailEnd/>
+              </a14:hiddenLine>
+            </a:ext>
+            <a:ext uri="{AF507438-7753-43E0-B8FC-AC1667EBCBE1}">
+              <a14:hiddenEffects xmlns:a14="http://schemas.microsoft.com/office/drawing/2010/main">
+                <a:effectLst>
+                  <a:outerShdw dist="35921" dir="2700000" algn="ctr" rotWithShape="0">
+                    <a:schemeClr val="bg2"/>
+                  </a:outerShdw>
+                </a:effectLst>
+              </a14:hiddenEffects>
+            </a:ext>
+          </a:extLst>
+        </p:spPr>
+      </p:pic>
+    </p:spTree>
+    <p:extLst>
+      <p:ext uri="{BB962C8B-B14F-4D97-AF65-F5344CB8AC3E}">
+        <p14:creationId xmlns:p14="http://schemas.microsoft.com/office/powerpoint/2010/main" val="2398341333"/>
+      </p:ext>
+    </p:extLst>
+  </p:cSld>
+  <p:clrMapOvr>
+    <a:masterClrMapping/>
+  </p:clrMapOvr>
+</p:sld>
+</file>
+
+<file path=ppt/slides/slide15.xml><?xml version="1.0" encoding="utf-8"?>
+<p:sld xmlns:a="http://schemas.openxmlformats.org/drawingml/2006/main" xmlns:r="http://schemas.openxmlformats.org/officeDocument/2006/relationships" xmlns:p="http://schemas.openxmlformats.org/presentationml/2006/main">
+  <p:cSld>
+    <p:spTree>
+      <p:nvGrpSpPr>
+        <p:cNvPr id="1" name=""/>
+        <p:cNvGrpSpPr/>
+        <p:nvPr/>
+      </p:nvGrpSpPr>
+      <p:grpSpPr>
+        <a:xfrm>
+          <a:off x="0" y="0"/>
+          <a:ext cx="0" cy="0"/>
+          <a:chOff x="0" y="0"/>
+          <a:chExt cx="0" cy="0"/>
+        </a:xfrm>
+      </p:grpSpPr>
+      <p:sp>
+        <p:nvSpPr>
+          <p:cNvPr id="2" name="Title 1"/>
+          <p:cNvSpPr>
+            <a:spLocks noGrp="1"/>
+          </p:cNvSpPr>
+          <p:nvPr>
+            <p:ph type="title"/>
+          </p:nvPr>
+        </p:nvSpPr>
+        <p:spPr/>
+        <p:txBody>
+          <a:bodyPr>
+            <a:normAutofit fontScale="90000"/>
+          </a:bodyPr>
+          <a:lstStyle/>
+          <a:p>
+            <a:r>
+              <a:rPr lang="en-US" dirty="0" smtClean="0"/>
+              <a:t>Validity of Maltreatment Identification</a:t>
+            </a:r>
+            <a:endParaRPr lang="en-US" dirty="0"/>
+          </a:p>
+        </p:txBody>
+      </p:sp>
+      <p:sp>
+        <p:nvSpPr>
+          <p:cNvPr id="3" name="Content Placeholder 2"/>
+          <p:cNvSpPr>
+            <a:spLocks noGrp="1"/>
+          </p:cNvSpPr>
+          <p:nvPr>
+            <p:ph idx="1"/>
+          </p:nvPr>
+        </p:nvSpPr>
+        <p:spPr/>
+        <p:txBody>
+          <a:bodyPr/>
+          <a:lstStyle/>
+          <a:p>
+            <a:endParaRPr lang="en-US" dirty="0" smtClean="0"/>
+          </a:p>
+          <a:p>
+            <a:endParaRPr lang="en-US" dirty="0"/>
+          </a:p>
+          <a:p>
+            <a:r>
+              <a:rPr lang="en-US" dirty="0" smtClean="0"/>
+              <a:t>In a nutshell, reasonable minds disagree. </a:t>
+            </a:r>
+          </a:p>
+          <a:p>
+            <a:pPr lvl="1"/>
+            <a:r>
+              <a:rPr lang="en-US" dirty="0" smtClean="0"/>
+              <a:t>To advance, however, we need more convergence of evidence from these types of data </a:t>
+            </a:r>
+          </a:p>
+        </p:txBody>
+      </p:sp>
+    </p:spTree>
+    <p:extLst>
+      <p:ext uri="{BB962C8B-B14F-4D97-AF65-F5344CB8AC3E}">
+        <p14:creationId xmlns:p14="http://schemas.microsoft.com/office/powerpoint/2010/main" val="2130944997"/>
+      </p:ext>
+    </p:extLst>
+  </p:cSld>
+  <p:clrMapOvr>
+    <a:masterClrMapping/>
+  </p:clrMapOvr>
+</p:sld>
+</file>
+
+<file path=ppt/slides/slide16.xml><?xml version="1.0" encoding="utf-8"?>
+<p:sld xmlns:a="http://schemas.openxmlformats.org/drawingml/2006/main" xmlns:r="http://schemas.openxmlformats.org/officeDocument/2006/relationships" xmlns:p="http://schemas.openxmlformats.org/presentationml/2006/main">
+  <p:cSld>
+    <p:spTree>
+      <p:nvGrpSpPr>
+        <p:cNvPr id="1" name=""/>
+        <p:cNvGrpSpPr/>
+        <p:nvPr/>
+      </p:nvGrpSpPr>
+      <p:grpSpPr>
+        <a:xfrm>
+          <a:off x="0" y="0"/>
+          <a:ext cx="0" cy="0"/>
+          <a:chOff x="0" y="0"/>
+          <a:chExt cx="0" cy="0"/>
+        </a:xfrm>
+      </p:grpSpPr>
+      <p:sp>
+        <p:nvSpPr>
+          <p:cNvPr id="2" name="Title 1"/>
+          <p:cNvSpPr>
+            <a:spLocks noGrp="1"/>
+          </p:cNvSpPr>
+          <p:nvPr>
+            <p:ph type="title"/>
+          </p:nvPr>
+        </p:nvSpPr>
+        <p:spPr>
+          <a:xfrm>
+            <a:off x="685800" y="609600"/>
+            <a:ext cx="8001000" cy="1828800"/>
+          </a:xfrm>
+        </p:spPr>
+        <p:txBody>
+          <a:bodyPr/>
+          <a:lstStyle/>
+          <a:p>
+            <a:r>
+              <a:rPr lang="en-US" dirty="0"/>
+              <a:t>What is wrong with the maltreatment  identification system?</a:t>
+            </a:r>
+          </a:p>
+        </p:txBody>
+      </p:sp>
+      <p:sp>
+        <p:nvSpPr>
+          <p:cNvPr id="3" name="Text Placeholder 2"/>
+          <p:cNvSpPr>
+            <a:spLocks noGrp="1"/>
+          </p:cNvSpPr>
+          <p:nvPr>
+            <p:ph type="body" idx="1"/>
+          </p:nvPr>
+        </p:nvSpPr>
+        <p:spPr/>
+        <p:txBody>
+          <a:bodyPr>
+            <a:normAutofit lnSpcReduction="10000"/>
+          </a:bodyPr>
+          <a:lstStyle/>
+          <a:p>
+            <a:endParaRPr lang="en-US" sz="4400" dirty="0"/>
+          </a:p>
+          <a:p>
+            <a:r>
+              <a:rPr lang="en-US" sz="4400" dirty="0" smtClean="0"/>
+              <a:t>Where do we start…</a:t>
+            </a:r>
+          </a:p>
+        </p:txBody>
+      </p:sp>
+    </p:spTree>
+    <p:extLst>
+      <p:ext uri="{BB962C8B-B14F-4D97-AF65-F5344CB8AC3E}">
+        <p14:creationId xmlns:p14="http://schemas.microsoft.com/office/powerpoint/2010/main" val="2990736872"/>
+      </p:ext>
+    </p:extLst>
+  </p:cSld>
+  <p:clrMapOvr>
+    <a:masterClrMapping/>
+  </p:clrMapOvr>
+</p:sld>
+</file>
+
+<file path=ppt/slides/slide17.xml><?xml version="1.0" encoding="utf-8"?>
+<p:sld xmlns:a="http://schemas.openxmlformats.org/drawingml/2006/main" xmlns:r="http://schemas.openxmlformats.org/officeDocument/2006/relationships" xmlns:p="http://schemas.openxmlformats.org/presentationml/2006/main">
+  <p:cSld>
+    <p:spTree>
+      <p:nvGrpSpPr>
+        <p:cNvPr id="1" name=""/>
+        <p:cNvGrpSpPr/>
+        <p:nvPr/>
+      </p:nvGrpSpPr>
+      <p:grpSpPr>
+        <a:xfrm>
+          <a:off x="0" y="0"/>
+          <a:ext cx="0" cy="0"/>
+          <a:chOff x="0" y="0"/>
+          <a:chExt cx="0" cy="0"/>
+        </a:xfrm>
+      </p:grpSpPr>
+      <p:sp>
+        <p:nvSpPr>
+          <p:cNvPr id="2" name="Title 1"/>
+          <p:cNvSpPr>
+            <a:spLocks noGrp="1"/>
+          </p:cNvSpPr>
+          <p:nvPr>
+            <p:ph type="title"/>
+          </p:nvPr>
+        </p:nvSpPr>
+        <p:spPr/>
+        <p:txBody>
+          <a:bodyPr>
+            <a:normAutofit fontScale="90000"/>
+          </a:bodyPr>
+          <a:lstStyle/>
+          <a:p>
+            <a:r>
+              <a:rPr lang="en-US" dirty="0" smtClean="0"/>
+              <a:t>Uh oh! </a:t>
+            </a:r>
+            <a:br>
+              <a:rPr lang="en-US" dirty="0" smtClean="0"/>
+            </a:br>
+            <a:r>
+              <a:rPr lang="en-US" dirty="0" smtClean="0"/>
+              <a:t>Poor Validity &amp; Reliability</a:t>
+            </a:r>
+            <a:endParaRPr lang="en-US" dirty="0"/>
+          </a:p>
+        </p:txBody>
+      </p:sp>
+      <p:pic>
+        <p:nvPicPr>
+          <p:cNvPr id="4" name="Content Placeholder 3"/>
+          <p:cNvPicPr>
+            <a:picLocks noGrp="1" noChangeAspect="1"/>
+          </p:cNvPicPr>
+          <p:nvPr>
+            <p:ph idx="1"/>
+          </p:nvPr>
+        </p:nvPicPr>
+        <p:blipFill>
+          <a:blip r:embed="rId3">
+            <a:extLst>
+              <a:ext uri="{28A0092B-C50C-407E-A947-70E740481C1C}">
+                <a14:useLocalDpi xmlns:a14="http://schemas.microsoft.com/office/drawing/2010/main" val="0"/>
+              </a:ext>
+            </a:extLst>
+          </a:blip>
+          <a:stretch>
+            <a:fillRect/>
+          </a:stretch>
+        </p:blipFill>
+        <p:spPr>
+          <a:xfrm>
+            <a:off x="2667000" y="1905000"/>
+            <a:ext cx="4010104" cy="4221162"/>
+          </a:xfrm>
+        </p:spPr>
+      </p:pic>
+    </p:spTree>
+    <p:extLst>
+      <p:ext uri="{BB962C8B-B14F-4D97-AF65-F5344CB8AC3E}">
+        <p14:creationId xmlns:p14="http://schemas.microsoft.com/office/powerpoint/2010/main" val="2387941328"/>
+      </p:ext>
+    </p:extLst>
+  </p:cSld>
+  <p:clrMapOvr>
+    <a:masterClrMapping/>
+  </p:clrMapOvr>
+</p:sld>
+</file>
+
+<file path=ppt/slides/slide18.xml><?xml version="1.0" encoding="utf-8"?>
+<p:sld xmlns:a="http://schemas.openxmlformats.org/drawingml/2006/main" xmlns:r="http://schemas.openxmlformats.org/officeDocument/2006/relationships" xmlns:p="http://schemas.openxmlformats.org/presentationml/2006/main">
+  <p:cSld>
+    <p:spTree>
+      <p:nvGrpSpPr>
+        <p:cNvPr id="1" name=""/>
+        <p:cNvGrpSpPr/>
+        <p:nvPr/>
+      </p:nvGrpSpPr>
+      <p:grpSpPr>
+        <a:xfrm>
+          <a:off x="0" y="0"/>
+          <a:ext cx="0" cy="0"/>
+          <a:chOff x="0" y="0"/>
+          <a:chExt cx="0" cy="0"/>
+        </a:xfrm>
+      </p:grpSpPr>
+      <p:sp>
+        <p:nvSpPr>
+          <p:cNvPr id="2" name="Title 1"/>
+          <p:cNvSpPr>
+            <a:spLocks noGrp="1"/>
+          </p:cNvSpPr>
+          <p:nvPr>
+            <p:ph type="title"/>
+          </p:nvPr>
+        </p:nvSpPr>
+        <p:spPr/>
+        <p:txBody>
+          <a:bodyPr>
+            <a:normAutofit fontScale="90000"/>
+          </a:bodyPr>
+          <a:lstStyle/>
+          <a:p>
+            <a:r>
+              <a:rPr lang="en-US" dirty="0" smtClean="0"/>
+              <a:t>Validity = Measuring what you intend to measure</a:t>
+            </a:r>
+            <a:endParaRPr lang="en-US" dirty="0"/>
+          </a:p>
+        </p:txBody>
+      </p:sp>
+      <p:sp>
+        <p:nvSpPr>
+          <p:cNvPr id="3" name="Content Placeholder 2"/>
+          <p:cNvSpPr>
+            <a:spLocks noGrp="1"/>
+          </p:cNvSpPr>
+          <p:nvPr>
+            <p:ph idx="1"/>
+          </p:nvPr>
+        </p:nvSpPr>
+        <p:spPr/>
+        <p:txBody>
+          <a:bodyPr/>
+          <a:lstStyle/>
+          <a:p>
+            <a:r>
+              <a:rPr lang="en-US" dirty="0" smtClean="0"/>
+              <a:t>What are we measuring?</a:t>
+            </a:r>
+          </a:p>
+          <a:p>
+            <a:pPr lvl="1"/>
+            <a:r>
+              <a:rPr lang="en-US" dirty="0" smtClean="0"/>
+              <a:t>Need </a:t>
+            </a:r>
+            <a:r>
+              <a:rPr lang="en-US" dirty="0"/>
+              <a:t>some consistency in definitions of maltreatment</a:t>
+            </a:r>
+          </a:p>
+          <a:p>
+            <a:pPr lvl="2"/>
+            <a:r>
+              <a:rPr lang="en-US" dirty="0" err="1"/>
+              <a:t>Ruyan</a:t>
+            </a:r>
+            <a:r>
+              <a:rPr lang="en-US" dirty="0"/>
+              <a:t> et al. (2005</a:t>
+            </a:r>
+            <a:r>
+              <a:rPr lang="en-US" dirty="0" smtClean="0"/>
+              <a:t>)</a:t>
+            </a:r>
+          </a:p>
+          <a:p>
+            <a:pPr lvl="3"/>
+            <a:r>
+              <a:rPr lang="en-US" dirty="0" smtClean="0"/>
+              <a:t>Compared MMCS (Barnett et al., 2003) and NIS-2 </a:t>
+            </a:r>
+            <a:r>
+              <a:rPr lang="en-US" dirty="0"/>
+              <a:t>(</a:t>
+            </a:r>
+            <a:r>
+              <a:rPr lang="en-US" dirty="0" err="1"/>
+              <a:t>Sedlak</a:t>
+            </a:r>
+            <a:r>
+              <a:rPr lang="en-US" dirty="0"/>
+              <a:t>, 1986</a:t>
+            </a:r>
+            <a:r>
+              <a:rPr lang="en-US" dirty="0" smtClean="0"/>
+              <a:t>) classification systems</a:t>
+            </a:r>
+            <a:endParaRPr lang="en-US" dirty="0"/>
+          </a:p>
+          <a:p>
+            <a:pPr lvl="2"/>
+            <a:r>
+              <a:rPr lang="en-US" dirty="0" err="1"/>
+              <a:t>Cicchetti</a:t>
+            </a:r>
+            <a:r>
+              <a:rPr lang="en-US" dirty="0"/>
+              <a:t> &amp; Manly (2001)</a:t>
+            </a:r>
+          </a:p>
+          <a:p>
+            <a:pPr lvl="2"/>
+            <a:r>
+              <a:rPr lang="en-US" dirty="0"/>
+              <a:t>Barnett et al. (1993)</a:t>
+            </a:r>
+          </a:p>
+          <a:p>
+            <a:pPr lvl="2"/>
+            <a:r>
+              <a:rPr lang="en-US" dirty="0" err="1"/>
+              <a:t>Zuravin</a:t>
+            </a:r>
+            <a:r>
+              <a:rPr lang="en-US" dirty="0"/>
+              <a:t> (1991)</a:t>
+            </a:r>
+          </a:p>
+          <a:p>
+            <a:pPr lvl="1"/>
+            <a:endParaRPr lang="en-US" dirty="0"/>
+          </a:p>
+        </p:txBody>
+      </p:sp>
+      <p:pic>
+        <p:nvPicPr>
+          <p:cNvPr id="4" name="Content Placeholder 4"/>
+          <p:cNvPicPr>
+            <a:picLocks noChangeAspect="1"/>
+          </p:cNvPicPr>
+          <p:nvPr/>
+        </p:nvPicPr>
+        <p:blipFill>
+          <a:blip r:embed="rId3">
+            <a:extLst>
+              <a:ext uri="{28A0092B-C50C-407E-A947-70E740481C1C}">
+                <a14:useLocalDpi xmlns:a14="http://schemas.microsoft.com/office/drawing/2010/main" val="0"/>
+              </a:ext>
+            </a:extLst>
+          </a:blip>
+          <a:stretch>
+            <a:fillRect/>
+          </a:stretch>
+        </p:blipFill>
+        <p:spPr>
+          <a:xfrm>
+            <a:off x="6130924" y="3886200"/>
+            <a:ext cx="2555875" cy="2738438"/>
+          </a:xfrm>
+          <a:prstGeom prst="rect">
+            <a:avLst/>
+          </a:prstGeom>
+        </p:spPr>
+      </p:pic>
+    </p:spTree>
+    <p:extLst>
+      <p:ext uri="{BB962C8B-B14F-4D97-AF65-F5344CB8AC3E}">
+        <p14:creationId xmlns:p14="http://schemas.microsoft.com/office/powerpoint/2010/main" val="1550549749"/>
+      </p:ext>
+    </p:extLst>
+  </p:cSld>
+  <p:clrMapOvr>
+    <a:masterClrMapping/>
+  </p:clrMapOvr>
+</p:sld>
+</file>
+
+<file path=ppt/slides/slide19.xml><?xml version="1.0" encoding="utf-8"?>
+<p:sld xmlns:a="http://schemas.openxmlformats.org/drawingml/2006/main" xmlns:r="http://schemas.openxmlformats.org/officeDocument/2006/relationships" xmlns:p="http://schemas.openxmlformats.org/presentationml/2006/main">
+  <p:cSld>
+    <p:spTree>
+      <p:nvGrpSpPr>
+        <p:cNvPr id="1" name=""/>
+        <p:cNvGrpSpPr/>
+        <p:nvPr/>
+      </p:nvGrpSpPr>
+      <p:grpSpPr>
+        <a:xfrm>
+          <a:off x="0" y="0"/>
+          <a:ext cx="0" cy="0"/>
+          <a:chOff x="0" y="0"/>
+          <a:chExt cx="0" cy="0"/>
+        </a:xfrm>
+      </p:grpSpPr>
+      <p:sp>
+        <p:nvSpPr>
+          <p:cNvPr id="2" name="Title 1"/>
+          <p:cNvSpPr>
+            <a:spLocks noGrp="1"/>
+          </p:cNvSpPr>
+          <p:nvPr>
+            <p:ph type="title"/>
+          </p:nvPr>
+        </p:nvSpPr>
+        <p:spPr/>
+        <p:txBody>
+          <a:bodyPr/>
+          <a:lstStyle/>
+          <a:p>
+            <a:r>
+              <a:rPr lang="en-US" dirty="0" smtClean="0"/>
+              <a:t>Reporting Biases</a:t>
+            </a:r>
+            <a:endParaRPr lang="en-US" dirty="0"/>
+          </a:p>
+        </p:txBody>
+      </p:sp>
+      <p:sp>
+        <p:nvSpPr>
+          <p:cNvPr id="3" name="Content Placeholder 2"/>
+          <p:cNvSpPr>
+            <a:spLocks noGrp="1"/>
+          </p:cNvSpPr>
+          <p:nvPr>
+            <p:ph idx="1"/>
+          </p:nvPr>
+        </p:nvSpPr>
+        <p:spPr/>
+        <p:txBody>
+          <a:bodyPr>
+            <a:normAutofit lnSpcReduction="10000"/>
+          </a:bodyPr>
+          <a:lstStyle/>
+          <a:p>
+            <a:r>
+              <a:rPr lang="en-US" dirty="0" smtClean="0"/>
+              <a:t>Individual decision-making  processes</a:t>
+            </a:r>
+          </a:p>
+          <a:p>
+            <a:pPr lvl="1"/>
+            <a:r>
+              <a:rPr lang="en-US" dirty="0" smtClean="0"/>
+              <a:t>“The </a:t>
+            </a:r>
+            <a:r>
+              <a:rPr lang="en-US" dirty="0"/>
+              <a:t>researchers agree that the </a:t>
+            </a:r>
+            <a:r>
+              <a:rPr lang="en-US" dirty="0" smtClean="0"/>
+              <a:t>decision-making </a:t>
+            </a:r>
+            <a:r>
+              <a:rPr lang="en-US" dirty="0"/>
+              <a:t>process is complex, involving layers </a:t>
+            </a:r>
+            <a:r>
+              <a:rPr lang="en-US" dirty="0" smtClean="0"/>
+              <a:t>of </a:t>
+            </a:r>
+            <a:r>
+              <a:rPr lang="en-US" dirty="0"/>
+              <a:t>factors that are not always acknowledged. </a:t>
+            </a:r>
+            <a:r>
+              <a:rPr lang="en-US" dirty="0" smtClean="0"/>
+              <a:t>Future </a:t>
+            </a:r>
+            <a:r>
+              <a:rPr lang="en-US" dirty="0"/>
+              <a:t>research could further explore the </a:t>
+            </a:r>
+            <a:r>
+              <a:rPr lang="en-US" dirty="0" smtClean="0"/>
+              <a:t>various </a:t>
+            </a:r>
+            <a:r>
+              <a:rPr lang="en-US" dirty="0"/>
+              <a:t>contexts, factors (e.g., case, personal, </a:t>
+            </a:r>
+            <a:r>
+              <a:rPr lang="en-US" dirty="0" smtClean="0"/>
+              <a:t>organizational</a:t>
+            </a:r>
+            <a:r>
+              <a:rPr lang="en-US" dirty="0"/>
+              <a:t>, and external), and case features from which decision-making emerges</a:t>
+            </a:r>
+            <a:r>
+              <a:rPr lang="en-US" dirty="0" smtClean="0"/>
+              <a:t>.” </a:t>
+            </a:r>
+            <a:r>
+              <a:rPr lang="en-US" dirty="0"/>
+              <a:t>(Child Welfare Information </a:t>
+            </a:r>
+            <a:r>
+              <a:rPr lang="en-US" dirty="0" smtClean="0"/>
+              <a:t>Gateway., 2003)</a:t>
+            </a:r>
+          </a:p>
+          <a:p>
+            <a:r>
+              <a:rPr lang="en-US" dirty="0" smtClean="0"/>
+              <a:t>Over-detection and Under-detection</a:t>
+            </a:r>
+          </a:p>
+          <a:p>
+            <a:pPr lvl="1"/>
+            <a:r>
+              <a:rPr lang="en-US" dirty="0" smtClean="0"/>
+              <a:t>Lessons learned from Judgment and Decision-Making science</a:t>
+            </a:r>
+          </a:p>
+          <a:p>
+            <a:pPr lvl="2"/>
+            <a:r>
+              <a:rPr lang="en-US" dirty="0" err="1"/>
+              <a:t>a</a:t>
+            </a:r>
+            <a:r>
+              <a:rPr lang="en-US" dirty="0" err="1" smtClean="0"/>
+              <a:t>la</a:t>
+            </a:r>
+            <a:r>
+              <a:rPr lang="en-US" dirty="0" smtClean="0"/>
+              <a:t> heuristics and biases</a:t>
+            </a:r>
+            <a:endParaRPr lang="en-US" dirty="0"/>
+          </a:p>
+        </p:txBody>
+      </p:sp>
+    </p:spTree>
+    <p:extLst>
+      <p:ext uri="{BB962C8B-B14F-4D97-AF65-F5344CB8AC3E}">
+        <p14:creationId xmlns:p14="http://schemas.microsoft.com/office/powerpoint/2010/main" val="1117345166"/>
       </p:ext>
     </p:extLst>
   </p:cSld>
@@ -3177,6 +6023,921 @@
         </p:nvSpPr>
         <p:spPr/>
         <p:txBody>
+          <a:bodyPr/>
+          <a:lstStyle/>
+          <a:p>
+            <a:r>
+              <a:rPr lang="en-US" dirty="0" smtClean="0"/>
+              <a:t>Overview</a:t>
+            </a:r>
+            <a:endParaRPr lang="en-US" dirty="0"/>
+          </a:p>
+        </p:txBody>
+      </p:sp>
+      <p:sp>
+        <p:nvSpPr>
+          <p:cNvPr id="3" name="Content Placeholder 2"/>
+          <p:cNvSpPr>
+            <a:spLocks noGrp="1"/>
+          </p:cNvSpPr>
+          <p:nvPr>
+            <p:ph idx="1"/>
+          </p:nvPr>
+        </p:nvSpPr>
+        <p:spPr/>
+        <p:txBody>
+          <a:bodyPr/>
+          <a:lstStyle/>
+          <a:p>
+            <a:r>
+              <a:rPr lang="en-US" dirty="0"/>
+              <a:t>Why should </a:t>
+            </a:r>
+            <a:r>
+              <a:rPr lang="en-US" dirty="0" smtClean="0"/>
+              <a:t>we improve </a:t>
+            </a:r>
+            <a:r>
+              <a:rPr lang="en-US" dirty="0"/>
+              <a:t>child maltreatment reporting</a:t>
+            </a:r>
+            <a:r>
+              <a:rPr lang="en-US" dirty="0" smtClean="0"/>
+              <a:t>?</a:t>
+            </a:r>
+            <a:endParaRPr lang="en-US" dirty="0"/>
+          </a:p>
+          <a:p>
+            <a:endParaRPr lang="en-US" dirty="0" smtClean="0"/>
+          </a:p>
+          <a:p>
+            <a:r>
+              <a:rPr lang="en-US" dirty="0" smtClean="0"/>
+              <a:t>What is wrong with the maltreatment  identification system?</a:t>
+            </a:r>
+          </a:p>
+          <a:p>
+            <a:endParaRPr lang="en-US" dirty="0"/>
+          </a:p>
+          <a:p>
+            <a:r>
+              <a:rPr lang="en-US" dirty="0" smtClean="0"/>
+              <a:t>Can we improve child maltreatment identification? How might we?  What if…?</a:t>
+            </a:r>
+          </a:p>
+        </p:txBody>
+      </p:sp>
+    </p:spTree>
+    <p:extLst>
+      <p:ext uri="{BB962C8B-B14F-4D97-AF65-F5344CB8AC3E}">
+        <p14:creationId xmlns:p14="http://schemas.microsoft.com/office/powerpoint/2010/main" val="3643549120"/>
+      </p:ext>
+    </p:extLst>
+  </p:cSld>
+  <p:clrMapOvr>
+    <a:masterClrMapping/>
+  </p:clrMapOvr>
+</p:sld>
+</file>
+
+<file path=ppt/slides/slide20.xml><?xml version="1.0" encoding="utf-8"?>
+<p:sld xmlns:a="http://schemas.openxmlformats.org/drawingml/2006/main" xmlns:r="http://schemas.openxmlformats.org/officeDocument/2006/relationships" xmlns:p="http://schemas.openxmlformats.org/presentationml/2006/main">
+  <p:cSld>
+    <p:spTree>
+      <p:nvGrpSpPr>
+        <p:cNvPr id="1" name=""/>
+        <p:cNvGrpSpPr/>
+        <p:nvPr/>
+      </p:nvGrpSpPr>
+      <p:grpSpPr>
+        <a:xfrm>
+          <a:off x="0" y="0"/>
+          <a:ext cx="0" cy="0"/>
+          <a:chOff x="0" y="0"/>
+          <a:chExt cx="0" cy="0"/>
+        </a:xfrm>
+      </p:grpSpPr>
+      <p:sp>
+        <p:nvSpPr>
+          <p:cNvPr id="2" name="Title 1"/>
+          <p:cNvSpPr>
+            <a:spLocks noGrp="1"/>
+          </p:cNvSpPr>
+          <p:nvPr>
+            <p:ph type="title"/>
+          </p:nvPr>
+        </p:nvSpPr>
+        <p:spPr/>
+        <p:txBody>
+          <a:bodyPr>
+            <a:normAutofit fontScale="90000"/>
+          </a:bodyPr>
+          <a:lstStyle/>
+          <a:p>
+            <a:r>
+              <a:rPr lang="en-US" dirty="0" smtClean="0"/>
+              <a:t>Climate and Culture of the Reporting Environment</a:t>
+            </a:r>
+            <a:endParaRPr lang="en-US" dirty="0"/>
+          </a:p>
+        </p:txBody>
+      </p:sp>
+      <p:sp>
+        <p:nvSpPr>
+          <p:cNvPr id="3" name="Content Placeholder 2"/>
+          <p:cNvSpPr>
+            <a:spLocks noGrp="1"/>
+          </p:cNvSpPr>
+          <p:nvPr>
+            <p:ph idx="1"/>
+          </p:nvPr>
+        </p:nvSpPr>
+        <p:spPr/>
+        <p:txBody>
+          <a:bodyPr/>
+          <a:lstStyle/>
+          <a:p>
+            <a:r>
+              <a:rPr lang="en-US" dirty="0" smtClean="0"/>
+              <a:t>Legal ease and mandates</a:t>
+            </a:r>
+          </a:p>
+          <a:p>
+            <a:r>
+              <a:rPr lang="en-US" dirty="0" smtClean="0"/>
+              <a:t>Participant burden</a:t>
+            </a:r>
+          </a:p>
+          <a:p>
+            <a:r>
+              <a:rPr lang="en-US" dirty="0" smtClean="0"/>
+              <a:t>Utility maximization</a:t>
+            </a:r>
+          </a:p>
+          <a:p>
+            <a:pPr lvl="1"/>
+            <a:r>
+              <a:rPr lang="en-US" dirty="0" smtClean="0"/>
+              <a:t>“Cost-savings” on true-positives? (</a:t>
+            </a:r>
+            <a:r>
+              <a:rPr lang="en-US" dirty="0" err="1" smtClean="0"/>
+              <a:t>Corso</a:t>
+            </a:r>
+            <a:r>
+              <a:rPr lang="en-US" dirty="0" smtClean="0"/>
+              <a:t> et al., 2008) </a:t>
+            </a:r>
+          </a:p>
+          <a:p>
+            <a:pPr lvl="1"/>
+            <a:r>
+              <a:rPr lang="en-US" dirty="0" smtClean="0"/>
+              <a:t>“Costs” of false-positives vs. false-negatives?</a:t>
+            </a:r>
+          </a:p>
+          <a:p>
+            <a:endParaRPr lang="en-US" dirty="0" smtClean="0"/>
+          </a:p>
+          <a:p>
+            <a:endParaRPr lang="en-US" dirty="0" smtClean="0"/>
+          </a:p>
+        </p:txBody>
+      </p:sp>
+    </p:spTree>
+    <p:extLst>
+      <p:ext uri="{BB962C8B-B14F-4D97-AF65-F5344CB8AC3E}">
+        <p14:creationId xmlns:p14="http://schemas.microsoft.com/office/powerpoint/2010/main" val="3682293804"/>
+      </p:ext>
+    </p:extLst>
+  </p:cSld>
+  <p:clrMapOvr>
+    <a:masterClrMapping/>
+  </p:clrMapOvr>
+</p:sld>
+</file>
+
+<file path=ppt/slides/slide21.xml><?xml version="1.0" encoding="utf-8"?>
+<p:sld xmlns:a="http://schemas.openxmlformats.org/drawingml/2006/main" xmlns:r="http://schemas.openxmlformats.org/officeDocument/2006/relationships" xmlns:p="http://schemas.openxmlformats.org/presentationml/2006/main">
+  <p:cSld>
+    <p:spTree>
+      <p:nvGrpSpPr>
+        <p:cNvPr id="1" name=""/>
+        <p:cNvGrpSpPr/>
+        <p:nvPr/>
+      </p:nvGrpSpPr>
+      <p:grpSpPr>
+        <a:xfrm>
+          <a:off x="0" y="0"/>
+          <a:ext cx="0" cy="0"/>
+          <a:chOff x="0" y="0"/>
+          <a:chExt cx="0" cy="0"/>
+        </a:xfrm>
+      </p:grpSpPr>
+      <p:sp>
+        <p:nvSpPr>
+          <p:cNvPr id="2" name="Title 1"/>
+          <p:cNvSpPr>
+            <a:spLocks noGrp="1"/>
+          </p:cNvSpPr>
+          <p:nvPr>
+            <p:ph type="title"/>
+          </p:nvPr>
+        </p:nvSpPr>
+        <p:spPr>
+          <a:xfrm>
+            <a:off x="685800" y="1828800"/>
+            <a:ext cx="8001000" cy="1828800"/>
+          </a:xfrm>
+        </p:spPr>
+        <p:txBody>
+          <a:bodyPr/>
+          <a:lstStyle/>
+          <a:p>
+            <a:r>
+              <a:rPr lang="en-US" dirty="0"/>
+              <a:t>Can we improve child maltreatment identification? How might we?  What if…?</a:t>
+            </a:r>
+          </a:p>
+        </p:txBody>
+      </p:sp>
+    </p:spTree>
+    <p:extLst>
+      <p:ext uri="{BB962C8B-B14F-4D97-AF65-F5344CB8AC3E}">
+        <p14:creationId xmlns:p14="http://schemas.microsoft.com/office/powerpoint/2010/main" val="3547257971"/>
+      </p:ext>
+    </p:extLst>
+  </p:cSld>
+  <p:clrMapOvr>
+    <a:masterClrMapping/>
+  </p:clrMapOvr>
+</p:sld>
+</file>
+
+<file path=ppt/slides/slide22.xml><?xml version="1.0" encoding="utf-8"?>
+<p:sld xmlns:a="http://schemas.openxmlformats.org/drawingml/2006/main" xmlns:r="http://schemas.openxmlformats.org/officeDocument/2006/relationships" xmlns:p="http://schemas.openxmlformats.org/presentationml/2006/main">
+  <p:cSld>
+    <p:spTree>
+      <p:nvGrpSpPr>
+        <p:cNvPr id="1" name=""/>
+        <p:cNvGrpSpPr/>
+        <p:nvPr/>
+      </p:nvGrpSpPr>
+      <p:grpSpPr>
+        <a:xfrm>
+          <a:off x="0" y="0"/>
+          <a:ext cx="0" cy="0"/>
+          <a:chOff x="0" y="0"/>
+          <a:chExt cx="0" cy="0"/>
+        </a:xfrm>
+      </p:grpSpPr>
+      <p:sp>
+        <p:nvSpPr>
+          <p:cNvPr id="2" name="Title 1"/>
+          <p:cNvSpPr>
+            <a:spLocks noGrp="1"/>
+          </p:cNvSpPr>
+          <p:nvPr>
+            <p:ph type="title"/>
+          </p:nvPr>
+        </p:nvSpPr>
+        <p:spPr/>
+        <p:txBody>
+          <a:bodyPr>
+            <a:normAutofit fontScale="90000"/>
+          </a:bodyPr>
+          <a:lstStyle/>
+          <a:p>
+            <a:r>
+              <a:rPr lang="en-US" dirty="0" smtClean="0"/>
+              <a:t>Maltreatment Assessment Screener?</a:t>
+            </a:r>
+            <a:endParaRPr lang="en-US" dirty="0"/>
+          </a:p>
+        </p:txBody>
+      </p:sp>
+      <p:sp>
+        <p:nvSpPr>
+          <p:cNvPr id="3" name="Content Placeholder 2"/>
+          <p:cNvSpPr>
+            <a:spLocks noGrp="1"/>
+          </p:cNvSpPr>
+          <p:nvPr>
+            <p:ph idx="1"/>
+          </p:nvPr>
+        </p:nvSpPr>
+        <p:spPr/>
+        <p:txBody>
+          <a:bodyPr>
+            <a:normAutofit lnSpcReduction="10000"/>
+          </a:bodyPr>
+          <a:lstStyle/>
+          <a:p>
+            <a:r>
+              <a:rPr lang="en-US" dirty="0" smtClean="0"/>
+              <a:t>Broad-based, all-purpose screener?</a:t>
+            </a:r>
+          </a:p>
+          <a:p>
+            <a:pPr lvl="1"/>
+            <a:r>
+              <a:rPr lang="en-US" dirty="0" smtClean="0"/>
+              <a:t>Lofty goal</a:t>
+            </a:r>
+          </a:p>
+          <a:p>
+            <a:pPr lvl="1"/>
+            <a:r>
+              <a:rPr lang="en-US" dirty="0" smtClean="0"/>
+              <a:t>Time barriers</a:t>
+            </a:r>
+          </a:p>
+          <a:p>
+            <a:r>
+              <a:rPr lang="en-US" dirty="0" smtClean="0"/>
+              <a:t>Narrow-based, behavior/type specific screener?</a:t>
+            </a:r>
+          </a:p>
+          <a:p>
+            <a:pPr lvl="1"/>
+            <a:r>
+              <a:rPr lang="en-US" dirty="0" smtClean="0"/>
+              <a:t>Brief behavior/symptom rating scale</a:t>
+            </a:r>
+          </a:p>
+          <a:p>
+            <a:pPr lvl="1"/>
+            <a:r>
+              <a:rPr lang="en-US" dirty="0" smtClean="0"/>
+              <a:t>Acceptable sensitivity/specificity?</a:t>
+            </a:r>
+          </a:p>
+          <a:p>
+            <a:r>
+              <a:rPr lang="en-US" dirty="0" smtClean="0"/>
+              <a:t>Professional training  to minimize bias and enhance consistency</a:t>
+            </a:r>
+          </a:p>
+          <a:p>
+            <a:pPr lvl="1"/>
+            <a:r>
+              <a:rPr lang="en-US" dirty="0"/>
+              <a:t>The CARES </a:t>
+            </a:r>
+            <a:r>
+              <a:rPr lang="en-US" dirty="0" smtClean="0"/>
+              <a:t>study (Rojas et al.) vignette training</a:t>
+            </a:r>
+          </a:p>
+          <a:p>
+            <a:pPr lvl="1"/>
+            <a:r>
+              <a:rPr lang="en-US" dirty="0" smtClean="0"/>
+              <a:t>Feedback from CPS (but with MMCS or NIS-2 codes)</a:t>
+            </a:r>
+          </a:p>
+          <a:p>
+            <a:endParaRPr lang="en-US" dirty="0"/>
+          </a:p>
+        </p:txBody>
+      </p:sp>
+    </p:spTree>
+    <p:extLst>
+      <p:ext uri="{BB962C8B-B14F-4D97-AF65-F5344CB8AC3E}">
+        <p14:creationId xmlns:p14="http://schemas.microsoft.com/office/powerpoint/2010/main" val="3302133888"/>
+      </p:ext>
+    </p:extLst>
+  </p:cSld>
+  <p:clrMapOvr>
+    <a:masterClrMapping/>
+  </p:clrMapOvr>
+</p:sld>
+</file>
+
+<file path=ppt/slides/slide23.xml><?xml version="1.0" encoding="utf-8"?>
+<p:sld xmlns:a="http://schemas.openxmlformats.org/drawingml/2006/main" xmlns:r="http://schemas.openxmlformats.org/officeDocument/2006/relationships" xmlns:p="http://schemas.openxmlformats.org/presentationml/2006/main">
+  <p:cSld>
+    <p:spTree>
+      <p:nvGrpSpPr>
+        <p:cNvPr id="1" name=""/>
+        <p:cNvGrpSpPr/>
+        <p:nvPr/>
+      </p:nvGrpSpPr>
+      <p:grpSpPr>
+        <a:xfrm>
+          <a:off x="0" y="0"/>
+          <a:ext cx="0" cy="0"/>
+          <a:chOff x="0" y="0"/>
+          <a:chExt cx="0" cy="0"/>
+        </a:xfrm>
+      </p:grpSpPr>
+      <p:sp>
+        <p:nvSpPr>
+          <p:cNvPr id="2" name="Title 1"/>
+          <p:cNvSpPr>
+            <a:spLocks noGrp="1"/>
+          </p:cNvSpPr>
+          <p:nvPr>
+            <p:ph type="title"/>
+          </p:nvPr>
+        </p:nvSpPr>
+        <p:spPr/>
+        <p:txBody>
+          <a:bodyPr>
+            <a:normAutofit fontScale="90000"/>
+          </a:bodyPr>
+          <a:lstStyle/>
+          <a:p>
+            <a:r>
+              <a:rPr lang="en-US" dirty="0" smtClean="0"/>
+              <a:t>Utility of Psychological Assessment?</a:t>
+            </a:r>
+            <a:endParaRPr lang="en-US" dirty="0"/>
+          </a:p>
+        </p:txBody>
+      </p:sp>
+      <p:sp>
+        <p:nvSpPr>
+          <p:cNvPr id="3" name="Content Placeholder 2"/>
+          <p:cNvSpPr>
+            <a:spLocks noGrp="1"/>
+          </p:cNvSpPr>
+          <p:nvPr>
+            <p:ph idx="1"/>
+          </p:nvPr>
+        </p:nvSpPr>
+        <p:spPr/>
+        <p:txBody>
+          <a:bodyPr/>
+          <a:lstStyle/>
+          <a:p>
+            <a:r>
+              <a:rPr lang="en-US" b="1" dirty="0" err="1" smtClean="0"/>
+              <a:t>Youngstrom</a:t>
+            </a:r>
+            <a:r>
+              <a:rPr lang="en-US" b="1" dirty="0" smtClean="0"/>
+              <a:t>, E. (2013). Future </a:t>
+            </a:r>
+            <a:r>
+              <a:rPr lang="en-US" b="1" dirty="0"/>
+              <a:t>d</a:t>
+            </a:r>
+            <a:r>
+              <a:rPr lang="en-US" b="1" dirty="0" smtClean="0"/>
+              <a:t>irections </a:t>
+            </a:r>
+            <a:r>
+              <a:rPr lang="en-US" b="1" dirty="0"/>
+              <a:t>in </a:t>
+            </a:r>
+            <a:r>
+              <a:rPr lang="en-US" b="1" dirty="0" smtClean="0"/>
+              <a:t>psychological </a:t>
+            </a:r>
+            <a:r>
+              <a:rPr lang="en-US" b="1" dirty="0"/>
+              <a:t>a</a:t>
+            </a:r>
+            <a:r>
+              <a:rPr lang="en-US" b="1" dirty="0" smtClean="0"/>
+              <a:t>ssessment</a:t>
+            </a:r>
+            <a:r>
+              <a:rPr lang="en-US" b="1" dirty="0"/>
+              <a:t>: Combining Evidence-Based Medicine </a:t>
+            </a:r>
+            <a:r>
+              <a:rPr lang="en-US" b="1" dirty="0" smtClean="0"/>
+              <a:t>innovations </a:t>
+            </a:r>
+            <a:r>
+              <a:rPr lang="en-US" b="1" dirty="0"/>
+              <a:t>with </a:t>
+            </a:r>
+            <a:r>
+              <a:rPr lang="en-US" b="1" dirty="0" smtClean="0"/>
+              <a:t>psychology's </a:t>
+            </a:r>
+            <a:r>
+              <a:rPr lang="en-US" b="1" dirty="0"/>
+              <a:t>h</a:t>
+            </a:r>
+            <a:r>
+              <a:rPr lang="en-US" b="1" dirty="0" smtClean="0"/>
+              <a:t>istorical </a:t>
+            </a:r>
+            <a:r>
+              <a:rPr lang="en-US" b="1" dirty="0"/>
+              <a:t>s</a:t>
+            </a:r>
+            <a:r>
+              <a:rPr lang="en-US" b="1" dirty="0" smtClean="0"/>
+              <a:t>trengths </a:t>
+            </a:r>
+            <a:r>
+              <a:rPr lang="en-US" b="1" dirty="0"/>
+              <a:t>to </a:t>
+            </a:r>
+            <a:r>
+              <a:rPr lang="en-US" b="1" dirty="0" smtClean="0"/>
+              <a:t>enhance </a:t>
+            </a:r>
+            <a:r>
+              <a:rPr lang="en-US" b="1" dirty="0"/>
+              <a:t>u</a:t>
+            </a:r>
+            <a:r>
+              <a:rPr lang="en-US" b="1" dirty="0" smtClean="0"/>
+              <a:t>tility, </a:t>
+            </a:r>
+            <a:r>
+              <a:rPr lang="en-US" b="1" i="1" dirty="0" smtClean="0"/>
+              <a:t>J. </a:t>
+            </a:r>
+            <a:r>
+              <a:rPr lang="en-US" b="1" i="1" dirty="0" err="1" smtClean="0"/>
+              <a:t>Clin</a:t>
+            </a:r>
+            <a:r>
+              <a:rPr lang="en-US" b="1" i="1" dirty="0" smtClean="0"/>
+              <a:t> Child </a:t>
+            </a:r>
+            <a:r>
+              <a:rPr lang="en-US" b="1" i="1" dirty="0" err="1" smtClean="0"/>
+              <a:t>Adol</a:t>
+            </a:r>
+            <a:r>
+              <a:rPr lang="en-US" b="1" i="1" dirty="0" smtClean="0"/>
+              <a:t> Psych., 42, </a:t>
+            </a:r>
+            <a:r>
+              <a:rPr lang="en-US" b="1" dirty="0" smtClean="0"/>
+              <a:t>139-159.</a:t>
+            </a:r>
+          </a:p>
+          <a:p>
+            <a:pPr lvl="1"/>
+            <a:r>
+              <a:rPr lang="en-US" b="1" dirty="0" smtClean="0"/>
+              <a:t>“</a:t>
+            </a:r>
+            <a:r>
+              <a:rPr lang="en-US" dirty="0"/>
+              <a:t>EBM ties assessment directly to clinical decision making about the individual, uses simplified Bayesian methods explicitly to integrate assessment data, and solicits patient preferences as part of the decision-making process</a:t>
+            </a:r>
+            <a:r>
+              <a:rPr lang="en-US" dirty="0" smtClean="0"/>
+              <a:t>.”</a:t>
+            </a:r>
+            <a:endParaRPr lang="en-US" b="1" dirty="0"/>
+          </a:p>
+          <a:p>
+            <a:endParaRPr lang="en-US" dirty="0"/>
+          </a:p>
+        </p:txBody>
+      </p:sp>
+    </p:spTree>
+    <p:extLst>
+      <p:ext uri="{BB962C8B-B14F-4D97-AF65-F5344CB8AC3E}">
+        <p14:creationId xmlns:p14="http://schemas.microsoft.com/office/powerpoint/2010/main" val="2647430782"/>
+      </p:ext>
+    </p:extLst>
+  </p:cSld>
+  <p:clrMapOvr>
+    <a:masterClrMapping/>
+  </p:clrMapOvr>
+</p:sld>
+</file>
+
+<file path=ppt/slides/slide24.xml><?xml version="1.0" encoding="utf-8"?>
+<p:sld xmlns:a="http://schemas.openxmlformats.org/drawingml/2006/main" xmlns:r="http://schemas.openxmlformats.org/officeDocument/2006/relationships" xmlns:p="http://schemas.openxmlformats.org/presentationml/2006/main">
+  <p:cSld>
+    <p:spTree>
+      <p:nvGrpSpPr>
+        <p:cNvPr id="1" name=""/>
+        <p:cNvGrpSpPr/>
+        <p:nvPr/>
+      </p:nvGrpSpPr>
+      <p:grpSpPr>
+        <a:xfrm>
+          <a:off x="0" y="0"/>
+          <a:ext cx="0" cy="0"/>
+          <a:chOff x="0" y="0"/>
+          <a:chExt cx="0" cy="0"/>
+        </a:xfrm>
+      </p:grpSpPr>
+      <p:sp>
+        <p:nvSpPr>
+          <p:cNvPr id="2" name="Title 1"/>
+          <p:cNvSpPr>
+            <a:spLocks noGrp="1"/>
+          </p:cNvSpPr>
+          <p:nvPr>
+            <p:ph type="title"/>
+          </p:nvPr>
+        </p:nvSpPr>
+        <p:spPr>
+          <a:xfrm>
+            <a:off x="1524000" y="2286000"/>
+            <a:ext cx="7086600" cy="1828800"/>
+          </a:xfrm>
+        </p:spPr>
+        <p:txBody>
+          <a:bodyPr/>
+          <a:lstStyle/>
+          <a:p>
+            <a:r>
+              <a:rPr lang="en-US" dirty="0" smtClean="0"/>
+              <a:t>Thank you!</a:t>
+            </a:r>
+            <a:endParaRPr lang="en-US" dirty="0"/>
+          </a:p>
+        </p:txBody>
+      </p:sp>
+    </p:spTree>
+    <p:extLst>
+      <p:ext uri="{BB962C8B-B14F-4D97-AF65-F5344CB8AC3E}">
+        <p14:creationId xmlns:p14="http://schemas.microsoft.com/office/powerpoint/2010/main" val="2426385789"/>
+      </p:ext>
+    </p:extLst>
+  </p:cSld>
+  <p:clrMapOvr>
+    <a:masterClrMapping/>
+  </p:clrMapOvr>
+</p:sld>
+</file>
+
+<file path=ppt/slides/slide3.xml><?xml version="1.0" encoding="utf-8"?>
+<p:sld xmlns:a="http://schemas.openxmlformats.org/drawingml/2006/main" xmlns:r="http://schemas.openxmlformats.org/officeDocument/2006/relationships" xmlns:p="http://schemas.openxmlformats.org/presentationml/2006/main">
+  <p:cSld>
+    <p:spTree>
+      <p:nvGrpSpPr>
+        <p:cNvPr id="1" name=""/>
+        <p:cNvGrpSpPr/>
+        <p:nvPr/>
+      </p:nvGrpSpPr>
+      <p:grpSpPr>
+        <a:xfrm>
+          <a:off x="0" y="0"/>
+          <a:ext cx="0" cy="0"/>
+          <a:chOff x="0" y="0"/>
+          <a:chExt cx="0" cy="0"/>
+        </a:xfrm>
+      </p:grpSpPr>
+      <p:sp>
+        <p:nvSpPr>
+          <p:cNvPr id="2" name="Title 1"/>
+          <p:cNvSpPr>
+            <a:spLocks noGrp="1"/>
+          </p:cNvSpPr>
+          <p:nvPr>
+            <p:ph type="title"/>
+          </p:nvPr>
+        </p:nvSpPr>
+        <p:spPr>
+          <a:xfrm>
+            <a:off x="685800" y="609600"/>
+            <a:ext cx="8001000" cy="1828800"/>
+          </a:xfrm>
+        </p:spPr>
+        <p:txBody>
+          <a:bodyPr/>
+          <a:lstStyle/>
+          <a:p>
+            <a:r>
+              <a:rPr lang="en-US" dirty="0"/>
+              <a:t>Why should </a:t>
+            </a:r>
+            <a:r>
+              <a:rPr lang="en-US" dirty="0" smtClean="0"/>
+              <a:t>we improve </a:t>
+            </a:r>
+            <a:r>
+              <a:rPr lang="en-US" dirty="0"/>
+              <a:t>child maltreatment reporting?</a:t>
+            </a:r>
+            <a:endParaRPr lang="en-US" dirty="0"/>
+          </a:p>
+        </p:txBody>
+      </p:sp>
+      <p:sp>
+        <p:nvSpPr>
+          <p:cNvPr id="3" name="Text Placeholder 2"/>
+          <p:cNvSpPr>
+            <a:spLocks noGrp="1"/>
+          </p:cNvSpPr>
+          <p:nvPr>
+            <p:ph type="body" idx="1"/>
+          </p:nvPr>
+        </p:nvSpPr>
+        <p:spPr/>
+        <p:txBody>
+          <a:bodyPr>
+            <a:normAutofit lnSpcReduction="10000"/>
+          </a:bodyPr>
+          <a:lstStyle/>
+          <a:p>
+            <a:endParaRPr lang="en-US" sz="4400" dirty="0" smtClean="0"/>
+          </a:p>
+          <a:p>
+            <a:r>
+              <a:rPr lang="en-US" sz="4400" dirty="0" smtClean="0"/>
+              <a:t>Need We?</a:t>
+            </a:r>
+            <a:endParaRPr lang="en-US" sz="4400" dirty="0"/>
+          </a:p>
+        </p:txBody>
+      </p:sp>
+    </p:spTree>
+    <p:extLst>
+      <p:ext uri="{BB962C8B-B14F-4D97-AF65-F5344CB8AC3E}">
+        <p14:creationId xmlns:p14="http://schemas.microsoft.com/office/powerpoint/2010/main" val="224114758"/>
+      </p:ext>
+    </p:extLst>
+  </p:cSld>
+  <p:clrMapOvr>
+    <a:masterClrMapping/>
+  </p:clrMapOvr>
+</p:sld>
+</file>
+
+<file path=ppt/slides/slide4.xml><?xml version="1.0" encoding="utf-8"?>
+<p:sld xmlns:a="http://schemas.openxmlformats.org/drawingml/2006/main" xmlns:r="http://schemas.openxmlformats.org/officeDocument/2006/relationships" xmlns:p="http://schemas.openxmlformats.org/presentationml/2006/main">
+  <p:cSld>
+    <p:spTree>
+      <p:nvGrpSpPr>
+        <p:cNvPr id="1" name=""/>
+        <p:cNvGrpSpPr/>
+        <p:nvPr/>
+      </p:nvGrpSpPr>
+      <p:grpSpPr>
+        <a:xfrm>
+          <a:off x="0" y="0"/>
+          <a:ext cx="0" cy="0"/>
+          <a:chOff x="0" y="0"/>
+          <a:chExt cx="0" cy="0"/>
+        </a:xfrm>
+      </p:grpSpPr>
+      <p:sp>
+        <p:nvSpPr>
+          <p:cNvPr id="2" name="Title 1"/>
+          <p:cNvSpPr>
+            <a:spLocks noGrp="1"/>
+          </p:cNvSpPr>
+          <p:nvPr>
+            <p:ph type="title"/>
+          </p:nvPr>
+        </p:nvSpPr>
+        <p:spPr/>
+        <p:txBody>
+          <a:bodyPr>
+            <a:normAutofit/>
+          </a:bodyPr>
+          <a:lstStyle/>
+          <a:p>
+            <a:r>
+              <a:rPr lang="en-US" dirty="0"/>
+              <a:t>Can We Improve Identification </a:t>
+            </a:r>
+            <a:r>
+              <a:rPr lang="en-US" dirty="0" smtClean="0"/>
+              <a:t>of Child Maltreatment?</a:t>
+            </a:r>
+            <a:endParaRPr lang="en-US" dirty="0"/>
+          </a:p>
+        </p:txBody>
+      </p:sp>
+      <p:sp>
+        <p:nvSpPr>
+          <p:cNvPr id="3" name="Text Placeholder 2"/>
+          <p:cNvSpPr>
+            <a:spLocks noGrp="1"/>
+          </p:cNvSpPr>
+          <p:nvPr>
+            <p:ph type="body" idx="2"/>
+          </p:nvPr>
+        </p:nvSpPr>
+        <p:spPr/>
+        <p:txBody>
+          <a:bodyPr>
+            <a:normAutofit/>
+          </a:bodyPr>
+          <a:lstStyle/>
+          <a:p>
+            <a:r>
+              <a:rPr lang="en-US" sz="2400" dirty="0" smtClean="0"/>
+              <a:t>Are </a:t>
+            </a:r>
+            <a:r>
+              <a:rPr lang="en-US" sz="2400" dirty="0"/>
+              <a:t>rates reliable?</a:t>
+            </a:r>
+          </a:p>
+          <a:p>
+            <a:pPr lvl="1"/>
+            <a:r>
+              <a:rPr lang="en-US" sz="2000" dirty="0"/>
+              <a:t>Across states?</a:t>
+            </a:r>
+          </a:p>
+          <a:p>
+            <a:pPr lvl="1"/>
+            <a:r>
+              <a:rPr lang="en-US" sz="2000" dirty="0"/>
+              <a:t>Within states?</a:t>
+            </a:r>
+          </a:p>
+          <a:p>
+            <a:r>
+              <a:rPr lang="en-US" sz="2400" dirty="0"/>
+              <a:t>Are </a:t>
+            </a:r>
+            <a:r>
+              <a:rPr lang="en-US" sz="2400" dirty="0" smtClean="0"/>
+              <a:t>reports valid</a:t>
+            </a:r>
+            <a:r>
+              <a:rPr lang="en-US" sz="2400" dirty="0"/>
+              <a:t>?</a:t>
+            </a:r>
+          </a:p>
+          <a:p>
+            <a:endParaRPr lang="en-US" sz="2400" dirty="0"/>
+          </a:p>
+        </p:txBody>
+      </p:sp>
+      <p:pic>
+        <p:nvPicPr>
+          <p:cNvPr id="5" name="Content Placeholder 4"/>
+          <p:cNvPicPr>
+            <a:picLocks noGrp="1" noChangeAspect="1"/>
+          </p:cNvPicPr>
+          <p:nvPr>
+            <p:ph sz="half" idx="1"/>
+          </p:nvPr>
+        </p:nvPicPr>
+        <p:blipFill>
+          <a:blip r:embed="rId2">
+            <a:extLst>
+              <a:ext uri="{28A0092B-C50C-407E-A947-70E740481C1C}">
+                <a14:useLocalDpi xmlns:a14="http://schemas.microsoft.com/office/drawing/2010/main" val="0"/>
+              </a:ext>
+            </a:extLst>
+          </a:blip>
+          <a:stretch>
+            <a:fillRect/>
+          </a:stretch>
+        </p:blipFill>
+        <p:spPr>
+          <a:xfrm>
+            <a:off x="3575050" y="461169"/>
+            <a:ext cx="5111750" cy="5476875"/>
+          </a:xfrm>
+        </p:spPr>
+      </p:pic>
+    </p:spTree>
+    <p:extLst>
+      <p:ext uri="{BB962C8B-B14F-4D97-AF65-F5344CB8AC3E}">
+        <p14:creationId xmlns:p14="http://schemas.microsoft.com/office/powerpoint/2010/main" val="165694286"/>
+      </p:ext>
+    </p:extLst>
+  </p:cSld>
+  <p:clrMapOvr>
+    <a:masterClrMapping/>
+  </p:clrMapOvr>
+</p:sld>
+</file>
+
+<file path=ppt/slides/slide5.xml><?xml version="1.0" encoding="utf-8"?>
+<p:sld xmlns:a="http://schemas.openxmlformats.org/drawingml/2006/main" xmlns:r="http://schemas.openxmlformats.org/officeDocument/2006/relationships" xmlns:p="http://schemas.openxmlformats.org/presentationml/2006/main">
+  <p:cSld>
+    <p:spTree>
+      <p:nvGrpSpPr>
+        <p:cNvPr id="1" name=""/>
+        <p:cNvGrpSpPr/>
+        <p:nvPr/>
+      </p:nvGrpSpPr>
+      <p:grpSpPr>
+        <a:xfrm>
+          <a:off x="0" y="0"/>
+          <a:ext cx="0" cy="0"/>
+          <a:chOff x="0" y="0"/>
+          <a:chExt cx="0" cy="0"/>
+        </a:xfrm>
+      </p:grpSpPr>
+      <p:sp>
+        <p:nvSpPr>
+          <p:cNvPr id="2" name="Title 1"/>
+          <p:cNvSpPr>
+            <a:spLocks noGrp="1"/>
+          </p:cNvSpPr>
+          <p:nvPr>
+            <p:ph type="title"/>
+          </p:nvPr>
+        </p:nvSpPr>
+        <p:spPr/>
+        <p:txBody>
           <a:bodyPr>
             <a:normAutofit fontScale="90000"/>
           </a:bodyPr>
@@ -3235,7 +6996,7 @@
         </p:blipFill>
         <p:spPr bwMode="auto">
           <a:xfrm>
-            <a:off x="457200" y="2011363"/>
+            <a:off x="990600" y="1905000"/>
             <a:ext cx="7132638" cy="3840162"/>
           </a:xfrm>
           <a:prstGeom prst="rect">
@@ -3284,7 +7045,7 @@
 </p:sld>
 </file>
 
-<file path=ppt/slides/slide3.xml><?xml version="1.0" encoding="utf-8"?>
+<file path=ppt/slides/slide6.xml><?xml version="1.0" encoding="utf-8"?>
 <p:sld xmlns:a="http://schemas.openxmlformats.org/drawingml/2006/main" xmlns:r="http://schemas.openxmlformats.org/officeDocument/2006/relationships" xmlns:p="http://schemas.openxmlformats.org/presentationml/2006/main">
   <p:cSld>
     <p:spTree>
@@ -3313,12 +7074,14 @@
         </p:nvSpPr>
         <p:spPr/>
         <p:txBody>
-          <a:bodyPr/>
-          <a:lstStyle/>
-          <a:p>
-            <a:r>
-              <a:rPr lang="en-US" dirty="0" smtClean="0"/>
-              <a:t>Random thoughts</a:t>
+          <a:bodyPr>
+            <a:normAutofit fontScale="90000"/>
+          </a:bodyPr>
+          <a:lstStyle/>
+          <a:p>
+            <a:r>
+              <a:rPr lang="en-US" dirty="0" smtClean="0"/>
+              <a:t>Consistency in Referral Rates Between States</a:t>
             </a:r>
             <a:endParaRPr lang="en-US" dirty="0"/>
           </a:p>
@@ -3337,125 +7100,56 @@
         <p:spPr/>
         <p:txBody>
           <a:bodyPr>
-            <a:normAutofit fontScale="70000" lnSpcReduction="20000"/>
+            <a:normAutofit lnSpcReduction="10000"/>
           </a:bodyPr>
           <a:lstStyle/>
           <a:p>
             <a:r>
               <a:rPr lang="en-US" dirty="0" smtClean="0"/>
-              <a:t>Relate decision/uncertainly problem to NHST (mention Fisher and </a:t>
-            </a:r>
-            <a:r>
-              <a:rPr lang="en-US" dirty="0" err="1" smtClean="0"/>
-              <a:t>Neyman</a:t>
-            </a:r>
-            <a:r>
-              <a:rPr lang="en-US" dirty="0" smtClean="0"/>
-              <a:t>-Pearson debate in context of science </a:t>
-            </a:r>
-            <a:r>
-              <a:rPr lang="en-US" dirty="0" err="1" smtClean="0"/>
-              <a:t>vs</a:t>
-            </a:r>
-            <a:r>
-              <a:rPr lang="en-US" dirty="0" smtClean="0"/>
-              <a:t> law dichotomy)</a:t>
-            </a:r>
-          </a:p>
-          <a:p>
-            <a:r>
-              <a:rPr lang="en-US" dirty="0" smtClean="0"/>
-              <a:t>Maybe dedicate slides to comment on each speaker</a:t>
-            </a:r>
-          </a:p>
-          <a:p>
-            <a:r>
-              <a:rPr lang="en-US" dirty="0" smtClean="0"/>
-              <a:t>Defined steps of action</a:t>
-            </a:r>
-          </a:p>
-          <a:p>
-            <a:r>
-              <a:rPr lang="en-US" dirty="0" smtClean="0"/>
-              <a:t>Utility maximization: mention Phaedra</a:t>
+              <a:t>If same reporting process + </a:t>
+            </a:r>
+            <a:r>
+              <a:rPr lang="en-US" dirty="0"/>
+              <a:t>s</a:t>
+            </a:r>
+            <a:r>
+              <a:rPr lang="en-US" dirty="0" smtClean="0"/>
+              <a:t>ame population, single rate would suffice</a:t>
             </a:r>
           </a:p>
           <a:p>
             <a:pPr lvl="1"/>
             <a:r>
               <a:rPr lang="en-US" dirty="0" smtClean="0"/>
-              <a:t>Give simple utility max example (ROC curve- left-most point only if equal consequences for false-</a:t>
-            </a:r>
-            <a:r>
-              <a:rPr lang="en-US" dirty="0" err="1" smtClean="0"/>
-              <a:t>pos</a:t>
-            </a:r>
-            <a:r>
-              <a:rPr lang="en-US" dirty="0" smtClean="0"/>
-              <a:t> and false-</a:t>
-            </a:r>
-            <a:r>
-              <a:rPr lang="en-US" dirty="0" err="1" smtClean="0"/>
-              <a:t>neg</a:t>
-            </a:r>
-            <a:r>
-              <a:rPr lang="en-US" dirty="0" smtClean="0"/>
-              <a:t>)</a:t>
+              <a:t>Under this assumption, current rates demonstrate significant deviation from statistical expectations (i.e., variation in rates across states cannot be explained by single rate parameter)</a:t>
+            </a:r>
+          </a:p>
+          <a:p>
+            <a:r>
+              <a:rPr lang="en-US" dirty="0" smtClean="0"/>
+              <a:t>BUT, process differences or population differences or both?</a:t>
             </a:r>
           </a:p>
           <a:p>
             <a:pPr lvl="1"/>
             <a:r>
               <a:rPr lang="en-US" dirty="0" smtClean="0"/>
-              <a:t>DBP, cancer, etc. guidelines on operational characteristics</a:t>
-            </a:r>
-          </a:p>
-          <a:p>
-            <a:r>
-              <a:rPr lang="en-US" dirty="0" smtClean="0"/>
-              <a:t>Have ‘what-if’ section contrasted with ‘are you sure’</a:t>
+              <a:t>Assumption of same population is clearly flawed</a:t>
             </a:r>
           </a:p>
           <a:p>
             <a:pPr lvl="1"/>
             <a:r>
               <a:rPr lang="en-US" dirty="0" smtClean="0"/>
-              <a:t>Or set it up with Chadwick’s opening questions</a:t>
-            </a:r>
-          </a:p>
-          <a:p>
-            <a:pPr lvl="2"/>
-            <a:r>
-              <a:rPr lang="en-US" dirty="0" smtClean="0"/>
-              <a:t>Can We Improve Child Abuse Reporting?</a:t>
-            </a:r>
-          </a:p>
-          <a:p>
-            <a:pPr lvl="2"/>
-            <a:r>
-              <a:rPr lang="en-US" dirty="0" smtClean="0"/>
-              <a:t>Why Should We?</a:t>
-            </a:r>
-          </a:p>
-          <a:p>
-            <a:pPr lvl="2"/>
-            <a:r>
-              <a:rPr lang="en-US" dirty="0" smtClean="0"/>
-              <a:t>How Might We?</a:t>
-            </a:r>
-          </a:p>
-          <a:p>
-            <a:r>
-              <a:rPr lang="en-US" dirty="0" smtClean="0"/>
-              <a:t>Dig up Mark’s email on changing rates in screening</a:t>
-            </a:r>
+              <a:t>BUT, population heterogeneity could affect both reporting (individual decision-making) and maltreatment behaviors</a:t>
+            </a:r>
+          </a:p>
+          <a:p>
+            <a:pPr lvl="1"/>
             <a:endParaRPr lang="en-US" dirty="0" smtClean="0"/>
           </a:p>
           <a:p>
-            <a:pPr lvl="2"/>
-            <a:endParaRPr lang="en-US" dirty="0" smtClean="0"/>
-          </a:p>
-          <a:p>
+            <a:pPr lvl="1"/>
             <a:endParaRPr lang="en-US" dirty="0"/>
           </a:p>
         </p:txBody>
@@ -3463,7 +7157,7 @@
     </p:spTree>
     <p:extLst>
       <p:ext uri="{BB962C8B-B14F-4D97-AF65-F5344CB8AC3E}">
-        <p14:creationId xmlns:p14="http://schemas.microsoft.com/office/powerpoint/2010/main" val="3695797430"/>
+        <p14:creationId xmlns:p14="http://schemas.microsoft.com/office/powerpoint/2010/main" val="3158981370"/>
       </p:ext>
     </p:extLst>
   </p:cSld>
@@ -3473,7 +7167,813 @@
 </p:sld>
 </file>
 
+<file path=ppt/slides/slide7.xml><?xml version="1.0" encoding="utf-8"?>
+<p:sld xmlns:a="http://schemas.openxmlformats.org/drawingml/2006/main" xmlns:r="http://schemas.openxmlformats.org/officeDocument/2006/relationships" xmlns:p="http://schemas.openxmlformats.org/presentationml/2006/main">
+  <p:cSld>
+    <p:spTree>
+      <p:nvGrpSpPr>
+        <p:cNvPr id="1" name=""/>
+        <p:cNvGrpSpPr/>
+        <p:nvPr/>
+      </p:nvGrpSpPr>
+      <p:grpSpPr>
+        <a:xfrm>
+          <a:off x="0" y="0"/>
+          <a:ext cx="0" cy="0"/>
+          <a:chOff x="0" y="0"/>
+          <a:chExt cx="0" cy="0"/>
+        </a:xfrm>
+      </p:grpSpPr>
+      <p:sp>
+        <p:nvSpPr>
+          <p:cNvPr id="2" name="Title 1"/>
+          <p:cNvSpPr>
+            <a:spLocks noGrp="1"/>
+          </p:cNvSpPr>
+          <p:nvPr>
+            <p:ph type="title"/>
+          </p:nvPr>
+        </p:nvSpPr>
+        <p:spPr/>
+        <p:txBody>
+          <a:bodyPr>
+            <a:normAutofit fontScale="90000"/>
+          </a:bodyPr>
+          <a:lstStyle/>
+          <a:p>
+            <a:r>
+              <a:rPr lang="en-US" dirty="0" smtClean="0"/>
+              <a:t>Significant Spatial Autocorrelation</a:t>
+            </a:r>
+            <a:endParaRPr lang="en-US" dirty="0"/>
+          </a:p>
+        </p:txBody>
+      </p:sp>
+      <p:pic>
+        <p:nvPicPr>
+          <p:cNvPr id="4" name="Content Placeholder 3"/>
+          <p:cNvPicPr>
+            <a:picLocks noGrp="1" noChangeAspect="1"/>
+          </p:cNvPicPr>
+          <p:nvPr>
+            <p:ph idx="1"/>
+          </p:nvPr>
+        </p:nvPicPr>
+        <p:blipFill>
+          <a:blip r:embed="rId3" cstate="print">
+            <a:extLst>
+              <a:ext uri="{28A0092B-C50C-407E-A947-70E740481C1C}">
+                <a14:useLocalDpi xmlns:a14="http://schemas.microsoft.com/office/drawing/2010/main" val="0"/>
+              </a:ext>
+            </a:extLst>
+          </a:blip>
+          <a:stretch>
+            <a:fillRect/>
+          </a:stretch>
+        </p:blipFill>
+        <p:spPr>
+          <a:xfrm>
+            <a:off x="457200" y="1732471"/>
+            <a:ext cx="8229600" cy="4443983"/>
+          </a:xfrm>
+        </p:spPr>
+      </p:pic>
+    </p:spTree>
+    <p:extLst>
+      <p:ext uri="{BB962C8B-B14F-4D97-AF65-F5344CB8AC3E}">
+        <p14:creationId xmlns:p14="http://schemas.microsoft.com/office/powerpoint/2010/main" val="3965356840"/>
+      </p:ext>
+    </p:extLst>
+  </p:cSld>
+  <p:clrMapOvr>
+    <a:masterClrMapping/>
+  </p:clrMapOvr>
+  <p:timing>
+    <p:tnLst>
+      <p:par>
+        <p:cTn id="1" dur="indefinite" restart="never" nodeType="tmRoot"/>
+      </p:par>
+    </p:tnLst>
+  </p:timing>
+</p:sld>
+</file>
+
+<file path=ppt/slides/slide8.xml><?xml version="1.0" encoding="utf-8"?>
+<p:sld xmlns:a="http://schemas.openxmlformats.org/drawingml/2006/main" xmlns:r="http://schemas.openxmlformats.org/officeDocument/2006/relationships" xmlns:p="http://schemas.openxmlformats.org/presentationml/2006/main">
+  <p:cSld>
+    <p:spTree>
+      <p:nvGrpSpPr>
+        <p:cNvPr id="1" name=""/>
+        <p:cNvGrpSpPr/>
+        <p:nvPr/>
+      </p:nvGrpSpPr>
+      <p:grpSpPr>
+        <a:xfrm>
+          <a:off x="0" y="0"/>
+          <a:ext cx="0" cy="0"/>
+          <a:chOff x="0" y="0"/>
+          <a:chExt cx="0" cy="0"/>
+        </a:xfrm>
+      </p:grpSpPr>
+      <p:sp>
+        <p:nvSpPr>
+          <p:cNvPr id="2" name="Title 1"/>
+          <p:cNvSpPr>
+            <a:spLocks noGrp="1"/>
+          </p:cNvSpPr>
+          <p:nvPr>
+            <p:ph type="title"/>
+          </p:nvPr>
+        </p:nvSpPr>
+        <p:spPr/>
+        <p:txBody>
+          <a:bodyPr/>
+          <a:lstStyle/>
+          <a:p>
+            <a:r>
+              <a:rPr lang="en-US" dirty="0" smtClean="0"/>
+              <a:t>Consistency Within States?</a:t>
+            </a:r>
+            <a:endParaRPr lang="en-US" dirty="0"/>
+          </a:p>
+        </p:txBody>
+      </p:sp>
+      <p:sp>
+        <p:nvSpPr>
+          <p:cNvPr id="3" name="Content Placeholder 2"/>
+          <p:cNvSpPr>
+            <a:spLocks noGrp="1"/>
+          </p:cNvSpPr>
+          <p:nvPr>
+            <p:ph idx="1"/>
+          </p:nvPr>
+        </p:nvSpPr>
+        <p:spPr/>
+        <p:txBody>
+          <a:bodyPr/>
+          <a:lstStyle/>
+          <a:p>
+            <a:r>
+              <a:rPr lang="en-US" dirty="0" smtClean="0"/>
+              <a:t>Relative to between state variation, within-state variation indicates much greater consistency</a:t>
+            </a:r>
+          </a:p>
+          <a:p>
+            <a:endParaRPr lang="en-US" dirty="0" smtClean="0"/>
+          </a:p>
+          <a:p>
+            <a:r>
+              <a:rPr lang="en-US" dirty="0" smtClean="0"/>
+              <a:t>Nonetheless, within-state variation still defies statistical expectations even after control for general time trend</a:t>
+            </a:r>
+          </a:p>
+          <a:p>
+            <a:pPr lvl="1"/>
+            <a:r>
+              <a:rPr lang="en-US" dirty="0" smtClean="0"/>
+              <a:t>If same process + same population, single state rate would suffice</a:t>
+            </a:r>
+          </a:p>
+          <a:p>
+            <a:pPr lvl="2"/>
+            <a:r>
+              <a:rPr lang="en-US" dirty="0" smtClean="0"/>
+              <a:t>Single state rate does not fit data well!</a:t>
+            </a:r>
+            <a:endParaRPr lang="en-US" dirty="0"/>
+          </a:p>
+        </p:txBody>
+      </p:sp>
+    </p:spTree>
+    <p:extLst>
+      <p:ext uri="{BB962C8B-B14F-4D97-AF65-F5344CB8AC3E}">
+        <p14:creationId xmlns:p14="http://schemas.microsoft.com/office/powerpoint/2010/main" val="4241148111"/>
+      </p:ext>
+    </p:extLst>
+  </p:cSld>
+  <p:clrMapOvr>
+    <a:masterClrMapping/>
+  </p:clrMapOvr>
+  <p:timing>
+    <p:tnLst>
+      <p:par>
+        <p:cTn id="1" dur="indefinite" restart="never" nodeType="tmRoot"/>
+      </p:par>
+    </p:tnLst>
+  </p:timing>
+</p:sld>
+</file>
+
+<file path=ppt/slides/slide9.xml><?xml version="1.0" encoding="utf-8"?>
+<p:sld xmlns:a="http://schemas.openxmlformats.org/drawingml/2006/main" xmlns:r="http://schemas.openxmlformats.org/officeDocument/2006/relationships" xmlns:p="http://schemas.openxmlformats.org/presentationml/2006/main">
+  <p:cSld>
+    <p:spTree>
+      <p:nvGrpSpPr>
+        <p:cNvPr id="1" name=""/>
+        <p:cNvGrpSpPr/>
+        <p:nvPr/>
+      </p:nvGrpSpPr>
+      <p:grpSpPr>
+        <a:xfrm>
+          <a:off x="0" y="0"/>
+          <a:ext cx="0" cy="0"/>
+          <a:chOff x="0" y="0"/>
+          <a:chExt cx="0" cy="0"/>
+        </a:xfrm>
+      </p:grpSpPr>
+      <p:sp>
+        <p:nvSpPr>
+          <p:cNvPr id="2" name="Title 1"/>
+          <p:cNvSpPr>
+            <a:spLocks noGrp="1"/>
+          </p:cNvSpPr>
+          <p:nvPr>
+            <p:ph type="title"/>
+          </p:nvPr>
+        </p:nvSpPr>
+        <p:spPr/>
+        <p:txBody>
+          <a:bodyPr>
+            <a:normAutofit fontScale="90000"/>
+          </a:bodyPr>
+          <a:lstStyle/>
+          <a:p>
+            <a:r>
+              <a:rPr lang="en-US" dirty="0" smtClean="0"/>
+              <a:t>Within-State Referral Rate Comparison</a:t>
+            </a:r>
+            <a:endParaRPr lang="en-US" dirty="0"/>
+          </a:p>
+        </p:txBody>
+      </p:sp>
+      <p:pic>
+        <p:nvPicPr>
+          <p:cNvPr id="5" name="Content Placeholder 4"/>
+          <p:cNvPicPr>
+            <a:picLocks noGrp="1" noChangeAspect="1"/>
+          </p:cNvPicPr>
+          <p:nvPr>
+            <p:ph sz="half" idx="1"/>
+          </p:nvPr>
+        </p:nvPicPr>
+        <p:blipFill>
+          <a:blip r:embed="rId3" cstate="print">
+            <a:extLst>
+              <a:ext uri="{28A0092B-C50C-407E-A947-70E740481C1C}">
+                <a14:useLocalDpi xmlns:a14="http://schemas.microsoft.com/office/drawing/2010/main" val="0"/>
+              </a:ext>
+            </a:extLst>
+          </a:blip>
+          <a:stretch>
+            <a:fillRect/>
+          </a:stretch>
+        </p:blipFill>
+        <p:spPr>
+          <a:xfrm>
+            <a:off x="120237" y="2590800"/>
+            <a:ext cx="4375563" cy="2362803"/>
+          </a:xfrm>
+        </p:spPr>
+      </p:pic>
+      <p:pic>
+        <p:nvPicPr>
+          <p:cNvPr id="6" name="Content Placeholder 5"/>
+          <p:cNvPicPr>
+            <a:picLocks noGrp="1" noChangeAspect="1"/>
+          </p:cNvPicPr>
+          <p:nvPr>
+            <p:ph sz="half" idx="2"/>
+          </p:nvPr>
+        </p:nvPicPr>
+        <p:blipFill>
+          <a:blip r:embed="rId4" cstate="print">
+            <a:extLst>
+              <a:ext uri="{28A0092B-C50C-407E-A947-70E740481C1C}">
+                <a14:useLocalDpi xmlns:a14="http://schemas.microsoft.com/office/drawing/2010/main" val="0"/>
+              </a:ext>
+            </a:extLst>
+          </a:blip>
+          <a:stretch>
+            <a:fillRect/>
+          </a:stretch>
+        </p:blipFill>
+        <p:spPr>
+          <a:xfrm>
+            <a:off x="4648199" y="2590800"/>
+            <a:ext cx="4375563" cy="2362803"/>
+          </a:xfrm>
+        </p:spPr>
+      </p:pic>
+      <p:sp>
+        <p:nvSpPr>
+          <p:cNvPr id="7" name="Oval 6"/>
+          <p:cNvSpPr/>
+          <p:nvPr/>
+        </p:nvSpPr>
+        <p:spPr>
+          <a:xfrm>
+            <a:off x="685800" y="3429000"/>
+            <a:ext cx="228600" cy="457200"/>
+          </a:xfrm>
+          <a:prstGeom prst="ellipse">
+            <a:avLst/>
+          </a:prstGeom>
+          <a:solidFill>
+            <a:schemeClr val="accent1">
+              <a:alpha val="0"/>
+            </a:schemeClr>
+          </a:solidFill>
+          <a:ln>
+            <a:solidFill>
+              <a:srgbClr val="FF0000"/>
+            </a:solidFill>
+          </a:ln>
+        </p:spPr>
+        <p:style>
+          <a:lnRef idx="2">
+            <a:schemeClr val="accent1">
+              <a:shade val="50000"/>
+            </a:schemeClr>
+          </a:lnRef>
+          <a:fillRef idx="1">
+            <a:schemeClr val="accent1"/>
+          </a:fillRef>
+          <a:effectRef idx="0">
+            <a:schemeClr val="accent1"/>
+          </a:effectRef>
+          <a:fontRef idx="minor">
+            <a:schemeClr val="lt1"/>
+          </a:fontRef>
+        </p:style>
+        <p:txBody>
+          <a:bodyPr rtlCol="0" anchor="ctr"/>
+          <a:lstStyle/>
+          <a:p>
+            <a:pPr algn="ctr"/>
+            <a:endParaRPr lang="en-US"/>
+          </a:p>
+        </p:txBody>
+      </p:sp>
+      <p:sp>
+        <p:nvSpPr>
+          <p:cNvPr id="8" name="Oval 7"/>
+          <p:cNvSpPr/>
+          <p:nvPr/>
+        </p:nvSpPr>
+        <p:spPr>
+          <a:xfrm>
+            <a:off x="3260834" y="4343400"/>
+            <a:ext cx="228600" cy="457200"/>
+          </a:xfrm>
+          <a:prstGeom prst="ellipse">
+            <a:avLst/>
+          </a:prstGeom>
+          <a:solidFill>
+            <a:schemeClr val="accent1">
+              <a:alpha val="0"/>
+            </a:schemeClr>
+          </a:solidFill>
+          <a:ln>
+            <a:solidFill>
+              <a:srgbClr val="FF0000"/>
+            </a:solidFill>
+          </a:ln>
+        </p:spPr>
+        <p:style>
+          <a:lnRef idx="2">
+            <a:schemeClr val="accent1">
+              <a:shade val="50000"/>
+            </a:schemeClr>
+          </a:lnRef>
+          <a:fillRef idx="1">
+            <a:schemeClr val="accent1"/>
+          </a:fillRef>
+          <a:effectRef idx="0">
+            <a:schemeClr val="accent1"/>
+          </a:effectRef>
+          <a:fontRef idx="minor">
+            <a:schemeClr val="lt1"/>
+          </a:fontRef>
+        </p:style>
+        <p:txBody>
+          <a:bodyPr rtlCol="0" anchor="ctr"/>
+          <a:lstStyle/>
+          <a:p>
+            <a:pPr algn="ctr"/>
+            <a:endParaRPr lang="en-US"/>
+          </a:p>
+        </p:txBody>
+      </p:sp>
+      <p:sp>
+        <p:nvSpPr>
+          <p:cNvPr id="9" name="Oval 8"/>
+          <p:cNvSpPr/>
+          <p:nvPr/>
+        </p:nvSpPr>
+        <p:spPr>
+          <a:xfrm>
+            <a:off x="5226268" y="3429000"/>
+            <a:ext cx="228600" cy="457200"/>
+          </a:xfrm>
+          <a:prstGeom prst="ellipse">
+            <a:avLst/>
+          </a:prstGeom>
+          <a:solidFill>
+            <a:schemeClr val="accent1">
+              <a:alpha val="0"/>
+            </a:schemeClr>
+          </a:solidFill>
+          <a:ln>
+            <a:solidFill>
+              <a:srgbClr val="FF0000"/>
+            </a:solidFill>
+          </a:ln>
+        </p:spPr>
+        <p:style>
+          <a:lnRef idx="2">
+            <a:schemeClr val="accent1">
+              <a:shade val="50000"/>
+            </a:schemeClr>
+          </a:lnRef>
+          <a:fillRef idx="1">
+            <a:schemeClr val="accent1"/>
+          </a:fillRef>
+          <a:effectRef idx="0">
+            <a:schemeClr val="accent1"/>
+          </a:effectRef>
+          <a:fontRef idx="minor">
+            <a:schemeClr val="lt1"/>
+          </a:fontRef>
+        </p:style>
+        <p:txBody>
+          <a:bodyPr rtlCol="0" anchor="ctr"/>
+          <a:lstStyle/>
+          <a:p>
+            <a:pPr algn="ctr"/>
+            <a:endParaRPr lang="en-US"/>
+          </a:p>
+        </p:txBody>
+      </p:sp>
+      <p:sp>
+        <p:nvSpPr>
+          <p:cNvPr id="10" name="Oval 9"/>
+          <p:cNvSpPr/>
+          <p:nvPr/>
+        </p:nvSpPr>
+        <p:spPr>
+          <a:xfrm>
+            <a:off x="7780290" y="4369674"/>
+            <a:ext cx="228600" cy="457200"/>
+          </a:xfrm>
+          <a:prstGeom prst="ellipse">
+            <a:avLst/>
+          </a:prstGeom>
+          <a:solidFill>
+            <a:schemeClr val="accent1">
+              <a:alpha val="0"/>
+            </a:schemeClr>
+          </a:solidFill>
+          <a:ln>
+            <a:solidFill>
+              <a:srgbClr val="FF0000"/>
+            </a:solidFill>
+          </a:ln>
+        </p:spPr>
+        <p:style>
+          <a:lnRef idx="2">
+            <a:schemeClr val="accent1">
+              <a:shade val="50000"/>
+            </a:schemeClr>
+          </a:lnRef>
+          <a:fillRef idx="1">
+            <a:schemeClr val="accent1"/>
+          </a:fillRef>
+          <a:effectRef idx="0">
+            <a:schemeClr val="accent1"/>
+          </a:effectRef>
+          <a:fontRef idx="minor">
+            <a:schemeClr val="lt1"/>
+          </a:fontRef>
+        </p:style>
+        <p:txBody>
+          <a:bodyPr rtlCol="0" anchor="ctr"/>
+          <a:lstStyle/>
+          <a:p>
+            <a:pPr algn="ctr"/>
+            <a:endParaRPr lang="en-US"/>
+          </a:p>
+        </p:txBody>
+      </p:sp>
+    </p:spTree>
+    <p:extLst>
+      <p:ext uri="{BB962C8B-B14F-4D97-AF65-F5344CB8AC3E}">
+        <p14:creationId xmlns:p14="http://schemas.microsoft.com/office/powerpoint/2010/main" val="2328145310"/>
+      </p:ext>
+    </p:extLst>
+  </p:cSld>
+  <p:clrMapOvr>
+    <a:masterClrMapping/>
+  </p:clrMapOvr>
+  <p:timing>
+    <p:tnLst>
+      <p:par>
+        <p:cTn id="1" dur="indefinite" restart="never" nodeType="tmRoot"/>
+      </p:par>
+    </p:tnLst>
+  </p:timing>
+</p:sld>
+</file>
+
 <file path=ppt/theme/theme1.xml><?xml version="1.0" encoding="utf-8"?>
+<a:theme xmlns:a="http://schemas.openxmlformats.org/drawingml/2006/main" name="Apex">
+  <a:themeElements>
+    <a:clrScheme name="Apex">
+      <a:dk1>
+        <a:sysClr val="windowText" lastClr="000000"/>
+      </a:dk1>
+      <a:lt1>
+        <a:sysClr val="window" lastClr="FFFFFF"/>
+      </a:lt1>
+      <a:dk2>
+        <a:srgbClr val="69676D"/>
+      </a:dk2>
+      <a:lt2>
+        <a:srgbClr val="C9C2D1"/>
+      </a:lt2>
+      <a:accent1>
+        <a:srgbClr val="CEB966"/>
+      </a:accent1>
+      <a:accent2>
+        <a:srgbClr val="9CB084"/>
+      </a:accent2>
+      <a:accent3>
+        <a:srgbClr val="6BB1C9"/>
+      </a:accent3>
+      <a:accent4>
+        <a:srgbClr val="6585CF"/>
+      </a:accent4>
+      <a:accent5>
+        <a:srgbClr val="7E6BC9"/>
+      </a:accent5>
+      <a:accent6>
+        <a:srgbClr val="A379BB"/>
+      </a:accent6>
+      <a:hlink>
+        <a:srgbClr val="410082"/>
+      </a:hlink>
+      <a:folHlink>
+        <a:srgbClr val="932968"/>
+      </a:folHlink>
+    </a:clrScheme>
+    <a:fontScheme name="Apex">
+      <a:majorFont>
+        <a:latin typeface="Lucida Sans"/>
+        <a:ea typeface=""/>
+        <a:cs typeface=""/>
+        <a:font script="Grek" typeface="Arial"/>
+        <a:font script="Cyrl" typeface="Arial"/>
+        <a:font script="Jpan" typeface="HG丸ｺﾞｼｯｸM-PRO"/>
+        <a:font script="Hang" typeface="휴먼옛체"/>
+        <a:font script="Hans" typeface="黑体"/>
+        <a:font script="Hant" typeface="微軟正黑體"/>
+        <a:font script="Arab" typeface="Tahoma"/>
+        <a:font script="Hebr" typeface="Levenim MT"/>
+        <a:font script="Thai" typeface="FreesiaUPC"/>
+        <a:font script="Ethi" typeface="Nyala"/>
+        <a:font script="Beng" typeface="Vrinda"/>
+        <a:font script="Gujr" typeface="Shruti"/>
+        <a:font script="Khmr" typeface="DaunPenh"/>
+        <a:font script="Knda" typeface="Tunga"/>
+        <a:font script="Guru" typeface="Raavi"/>
+        <a:font script="Cans" typeface="Euphemia"/>
+        <a:font script="Cher" typeface="Plantagenet Cherokee"/>
+        <a:font script="Yiii" typeface="Microsoft Yi Baiti"/>
+        <a:font script="Tibt" typeface="Microsoft Himalaya"/>
+        <a:font script="Thaa" typeface="MV Boli"/>
+        <a:font script="Deva" typeface="Mangal"/>
+        <a:font script="Telu" typeface="Gautami"/>
+        <a:font script="Taml" typeface="Latha"/>
+        <a:font script="Syrc" typeface="Estrangelo Edessa"/>
+        <a:font script="Orya" typeface="Kalinga"/>
+        <a:font script="Mlym" typeface="Kartika"/>
+        <a:font script="Laoo" typeface="DokChampa"/>
+        <a:font script="Sinh" typeface="Iskoola Pota"/>
+        <a:font script="Mong" typeface="Mongolian Baiti"/>
+        <a:font script="Viet" typeface="Tahoma"/>
+        <a:font script="Uigh" typeface="Microsoft Uighur"/>
+        <a:font script="Geor" typeface="Sylfaen"/>
+      </a:majorFont>
+      <a:minorFont>
+        <a:latin typeface="Book Antiqua"/>
+        <a:ea typeface=""/>
+        <a:cs typeface=""/>
+        <a:font script="Grek" typeface="Times New Roman"/>
+        <a:font script="Cyrl" typeface="Times New Roman"/>
+        <a:font script="Jpan" typeface="HG明朝B"/>
+        <a:font script="Hang" typeface="돋움"/>
+        <a:font script="Hans" typeface="宋体"/>
+        <a:font script="Hant" typeface="新細明體"/>
+        <a:font script="Arab" typeface="Times New Roman"/>
+        <a:font script="Hebr" typeface="David"/>
+        <a:font script="Thai" typeface="EucrosiaUPC"/>
+        <a:font script="Ethi" typeface="Nyala"/>
+        <a:font script="Beng" typeface="Vrinda"/>
+        <a:font script="Gujr" typeface="Shruti"/>
+        <a:font script="Khmr" typeface="MoolBoran"/>
+        <a:font script="Knda" typeface="Tunga"/>
+        <a:font script="Guru" typeface="Raavi"/>
+        <a:font script="Cans" typeface="Euphemia"/>
+        <a:font script="Cher" typeface="Plantagenet Cherokee"/>
+        <a:font script="Yiii" typeface="Microsoft Yi Baiti"/>
+        <a:font script="Tibt" typeface="Microsoft Himalaya"/>
+        <a:font script="Thaa" typeface="MV Boli"/>
+        <a:font script="Deva" typeface="Mangal"/>
+        <a:font script="Telu" typeface="Gautami"/>
+        <a:font script="Taml" typeface="Latha"/>
+        <a:font script="Syrc" typeface="Estrangelo Edessa"/>
+        <a:font script="Orya" typeface="Kalinga"/>
+        <a:font script="Mlym" typeface="Kartika"/>
+        <a:font script="Laoo" typeface="DokChampa"/>
+        <a:font script="Sinh" typeface="Iskoola Pota"/>
+        <a:font script="Mong" typeface="Mongolian Baiti"/>
+        <a:font script="Viet" typeface="Times New Roman"/>
+        <a:font script="Uigh" typeface="Microsoft Uighur"/>
+        <a:font script="Geor" typeface="Sylfaen"/>
+      </a:minorFont>
+    </a:fontScheme>
+    <a:fmtScheme name="Apex">
+      <a:fillStyleLst>
+        <a:solidFill>
+          <a:schemeClr val="phClr"/>
+        </a:solidFill>
+        <a:gradFill rotWithShape="1">
+          <a:gsLst>
+            <a:gs pos="20000">
+              <a:schemeClr val="phClr">
+                <a:tint val="9000"/>
+              </a:schemeClr>
+            </a:gs>
+            <a:gs pos="100000">
+              <a:schemeClr val="phClr">
+                <a:tint val="70000"/>
+                <a:satMod val="100000"/>
+              </a:schemeClr>
+            </a:gs>
+          </a:gsLst>
+          <a:path path="circle">
+            <a:fillToRect l="-15000" t="-15000" r="115000" b="115000"/>
+          </a:path>
+        </a:gradFill>
+        <a:gradFill rotWithShape="1">
+          <a:gsLst>
+            <a:gs pos="0">
+              <a:schemeClr val="phClr">
+                <a:shade val="60000"/>
+              </a:schemeClr>
+            </a:gs>
+            <a:gs pos="33000">
+              <a:schemeClr val="phClr">
+                <a:tint val="86500"/>
+              </a:schemeClr>
+            </a:gs>
+            <a:gs pos="46750">
+              <a:schemeClr val="phClr">
+                <a:tint val="71000"/>
+                <a:satMod val="112000"/>
+              </a:schemeClr>
+            </a:gs>
+            <a:gs pos="53000">
+              <a:schemeClr val="phClr">
+                <a:tint val="71000"/>
+                <a:satMod val="112000"/>
+              </a:schemeClr>
+            </a:gs>
+            <a:gs pos="68000">
+              <a:schemeClr val="phClr">
+                <a:tint val="86000"/>
+              </a:schemeClr>
+            </a:gs>
+            <a:gs pos="100000">
+              <a:schemeClr val="phClr">
+                <a:shade val="60000"/>
+              </a:schemeClr>
+            </a:gs>
+          </a:gsLst>
+          <a:lin ang="8350000" scaled="1"/>
+        </a:gradFill>
+      </a:fillStyleLst>
+      <a:lnStyleLst>
+        <a:ln w="9525" cap="flat" cmpd="sng" algn="ctr">
+          <a:solidFill>
+            <a:schemeClr val="phClr">
+              <a:shade val="48000"/>
+              <a:satMod val="110000"/>
+            </a:schemeClr>
+          </a:solidFill>
+          <a:prstDash val="solid"/>
+        </a:ln>
+        <a:ln w="25400" cap="flat" cmpd="sng" algn="ctr">
+          <a:solidFill>
+            <a:schemeClr val="phClr"/>
+          </a:solidFill>
+          <a:prstDash val="solid"/>
+        </a:ln>
+        <a:ln w="38100" cap="flat" cmpd="sng" algn="ctr">
+          <a:solidFill>
+            <a:schemeClr val="phClr"/>
+          </a:solidFill>
+          <a:prstDash val="solid"/>
+        </a:ln>
+      </a:lnStyleLst>
+      <a:effectStyleLst>
+        <a:effectStyle>
+          <a:effectLst>
+            <a:outerShdw blurRad="130000" dist="101600" dir="2700000" algn="tl" rotWithShape="0">
+              <a:srgbClr val="000000">
+                <a:alpha val="35000"/>
+              </a:srgbClr>
+            </a:outerShdw>
+          </a:effectLst>
+        </a:effectStyle>
+        <a:effectStyle>
+          <a:effectLst>
+            <a:outerShdw blurRad="190500" dist="228600" dir="2700000" sy="90000" rotWithShape="0">
+              <a:srgbClr val="000000">
+                <a:alpha val="25500"/>
+              </a:srgbClr>
+            </a:outerShdw>
+          </a:effectLst>
+        </a:effectStyle>
+        <a:effectStyle>
+          <a:effectLst>
+            <a:outerShdw blurRad="190500" dist="228600" dir="2700000" sy="90000" rotWithShape="0">
+              <a:srgbClr val="000000">
+                <a:alpha val="25500"/>
+              </a:srgbClr>
+            </a:outerShdw>
+          </a:effectLst>
+          <a:scene3d>
+            <a:camera prst="orthographicFront" fov="0">
+              <a:rot lat="0" lon="0" rev="0"/>
+            </a:camera>
+            <a:lightRig rig="soft" dir="tl">
+              <a:rot lat="0" lon="0" rev="20100000"/>
+            </a:lightRig>
+          </a:scene3d>
+          <a:sp3d>
+            <a:bevelT w="50800" h="50800"/>
+          </a:sp3d>
+        </a:effectStyle>
+      </a:effectStyleLst>
+      <a:bgFillStyleLst>
+        <a:solidFill>
+          <a:schemeClr val="phClr"/>
+        </a:solidFill>
+        <a:gradFill rotWithShape="1">
+          <a:gsLst>
+            <a:gs pos="0">
+              <a:schemeClr val="phClr">
+                <a:tint val="50000"/>
+                <a:satMod val="180000"/>
+              </a:schemeClr>
+            </a:gs>
+            <a:gs pos="100000">
+              <a:schemeClr val="phClr">
+                <a:shade val="45000"/>
+                <a:satMod val="120000"/>
+              </a:schemeClr>
+            </a:gs>
+          </a:gsLst>
+          <a:path path="circle">
+            <a:fillToRect r="100000" b="100000"/>
+          </a:path>
+        </a:gradFill>
+        <a:blipFill>
+          <a:blip xmlns:r="http://schemas.openxmlformats.org/officeDocument/2006/relationships" r:embed="rId1">
+            <a:duotone>
+              <a:schemeClr val="phClr">
+                <a:shade val="3000"/>
+                <a:satMod val="110000"/>
+              </a:schemeClr>
+              <a:schemeClr val="phClr">
+                <a:tint val="60000"/>
+                <a:satMod val="425000"/>
+              </a:schemeClr>
+            </a:duotone>
+          </a:blip>
+          <a:stretch>
+            <a:fillRect/>
+          </a:stretch>
+        </a:blipFill>
+      </a:bgFillStyleLst>
+    </a:fmtScheme>
+  </a:themeElements>
+  <a:objectDefaults/>
+  <a:extraClrSchemeLst/>
+</a:theme>
+</file>
+
+<file path=ppt/theme/theme2.xml><?xml version="1.0" encoding="utf-8"?>
 <a:theme xmlns:a="http://schemas.openxmlformats.org/drawingml/2006/main" name="Office Theme">
   <a:themeElements>
     <a:clrScheme name="Office">
